--- a/doc/TFM.pptx
+++ b/doc/TFM.pptx
@@ -4,10 +4,14 @@
   <p:sldMasterIdLst>
     <p:sldMasterId id="2147483845" r:id="rId1"/>
   </p:sldMasterIdLst>
+  <p:notesMasterIdLst>
+    <p:notesMasterId r:id="rId6"/>
+  </p:notesMasterIdLst>
   <p:sldIdLst>
-    <p:sldId id="256" r:id="rId2"/>
-    <p:sldId id="259" r:id="rId3"/>
-    <p:sldId id="257" r:id="rId4"/>
+    <p:sldId id="259" r:id="rId2"/>
+    <p:sldId id="257" r:id="rId3"/>
+    <p:sldId id="260" r:id="rId4"/>
+    <p:sldId id="261" r:id="rId5"/>
   </p:sldIdLst>
   <p:sldSz cx="12192000" cy="6858000"/>
   <p:notesSz cx="6858000" cy="9144000"/>
@@ -114,6 +118,440 @@
 </p:presentation>
 </file>
 
+<file path=ppt/notesMasters/notesMaster1.xml><?xml version="1.0" encoding="utf-8"?>
+<p:notesMaster xmlns:a="http://schemas.openxmlformats.org/drawingml/2006/main" xmlns:r="http://schemas.openxmlformats.org/officeDocument/2006/relationships" xmlns:p="http://schemas.openxmlformats.org/presentationml/2006/main">
+  <p:cSld>
+    <p:bg>
+      <p:bgRef idx="1001">
+        <a:schemeClr val="bg1"/>
+      </p:bgRef>
+    </p:bg>
+    <p:spTree>
+      <p:nvGrpSpPr>
+        <p:cNvPr id="1" name=""/>
+        <p:cNvGrpSpPr/>
+        <p:nvPr/>
+      </p:nvGrpSpPr>
+      <p:grpSpPr>
+        <a:xfrm>
+          <a:off x="0" y="0"/>
+          <a:ext cx="0" cy="0"/>
+          <a:chOff x="0" y="0"/>
+          <a:chExt cx="0" cy="0"/>
+        </a:xfrm>
+      </p:grpSpPr>
+      <p:sp>
+        <p:nvSpPr>
+          <p:cNvPr id="2" name="Marcador de encabezado 1"/>
+          <p:cNvSpPr>
+            <a:spLocks noGrp="1"/>
+          </p:cNvSpPr>
+          <p:nvPr>
+            <p:ph type="hdr" sz="quarter"/>
+          </p:nvPr>
+        </p:nvSpPr>
+        <p:spPr>
+          <a:xfrm>
+            <a:off x="0" y="0"/>
+            <a:ext cx="2971800" cy="458788"/>
+          </a:xfrm>
+          <a:prstGeom prst="rect">
+            <a:avLst/>
+          </a:prstGeom>
+        </p:spPr>
+        <p:txBody>
+          <a:bodyPr vert="horz" lIns="91440" tIns="45720" rIns="91440" bIns="45720" rtlCol="0"/>
+          <a:lstStyle>
+            <a:lvl1pPr algn="l">
+              <a:defRPr sz="1200"/>
+            </a:lvl1pPr>
+          </a:lstStyle>
+          <a:p>
+            <a:endParaRPr lang="en-US"/>
+          </a:p>
+        </p:txBody>
+      </p:sp>
+      <p:sp>
+        <p:nvSpPr>
+          <p:cNvPr id="3" name="Marcador de fecha 2"/>
+          <p:cNvSpPr>
+            <a:spLocks noGrp="1"/>
+          </p:cNvSpPr>
+          <p:nvPr>
+            <p:ph type="dt" idx="1"/>
+          </p:nvPr>
+        </p:nvSpPr>
+        <p:spPr>
+          <a:xfrm>
+            <a:off x="3884613" y="0"/>
+            <a:ext cx="2971800" cy="458788"/>
+          </a:xfrm>
+          <a:prstGeom prst="rect">
+            <a:avLst/>
+          </a:prstGeom>
+        </p:spPr>
+        <p:txBody>
+          <a:bodyPr vert="horz" lIns="91440" tIns="45720" rIns="91440" bIns="45720" rtlCol="0"/>
+          <a:lstStyle>
+            <a:lvl1pPr algn="r">
+              <a:defRPr sz="1200"/>
+            </a:lvl1pPr>
+          </a:lstStyle>
+          <a:p>
+            <a:fld id="{6C853220-1FA3-4C66-9445-E08D6634CE3E}" type="datetimeFigureOut">
+              <a:rPr lang="en-US" smtClean="0"/>
+              <a:t>1/7/2020</a:t>
+            </a:fld>
+            <a:endParaRPr lang="en-US"/>
+          </a:p>
+        </p:txBody>
+      </p:sp>
+      <p:sp>
+        <p:nvSpPr>
+          <p:cNvPr id="4" name="Marcador de imagen de diapositiva 3"/>
+          <p:cNvSpPr>
+            <a:spLocks noGrp="1" noRot="1" noChangeAspect="1"/>
+          </p:cNvSpPr>
+          <p:nvPr>
+            <p:ph type="sldImg" idx="2"/>
+          </p:nvPr>
+        </p:nvSpPr>
+        <p:spPr>
+          <a:xfrm>
+            <a:off x="685800" y="1143000"/>
+            <a:ext cx="5486400" cy="3086100"/>
+          </a:xfrm>
+          <a:prstGeom prst="rect">
+            <a:avLst/>
+          </a:prstGeom>
+          <a:noFill/>
+          <a:ln w="12700">
+            <a:solidFill>
+              <a:prstClr val="black"/>
+            </a:solidFill>
+          </a:ln>
+        </p:spPr>
+        <p:txBody>
+          <a:bodyPr vert="horz" lIns="91440" tIns="45720" rIns="91440" bIns="45720" rtlCol="0" anchor="ctr"/>
+          <a:lstStyle/>
+          <a:p>
+            <a:endParaRPr lang="en-US"/>
+          </a:p>
+        </p:txBody>
+      </p:sp>
+      <p:sp>
+        <p:nvSpPr>
+          <p:cNvPr id="5" name="Marcador de notas 4"/>
+          <p:cNvSpPr>
+            <a:spLocks noGrp="1"/>
+          </p:cNvSpPr>
+          <p:nvPr>
+            <p:ph type="body" sz="quarter" idx="3"/>
+          </p:nvPr>
+        </p:nvSpPr>
+        <p:spPr>
+          <a:xfrm>
+            <a:off x="685800" y="4400550"/>
+            <a:ext cx="5486400" cy="3600450"/>
+          </a:xfrm>
+          <a:prstGeom prst="rect">
+            <a:avLst/>
+          </a:prstGeom>
+        </p:spPr>
+        <p:txBody>
+          <a:bodyPr vert="horz" lIns="91440" tIns="45720" rIns="91440" bIns="45720" rtlCol="0"/>
+          <a:lstStyle/>
+          <a:p>
+            <a:pPr lvl="0"/>
+            <a:r>
+              <a:rPr lang="es-ES"/>
+              <a:t>Haga clic para modificar los estilos de texto del patrón</a:t>
+            </a:r>
+          </a:p>
+          <a:p>
+            <a:pPr lvl="1"/>
+            <a:r>
+              <a:rPr lang="es-ES"/>
+              <a:t>Segundo nivel</a:t>
+            </a:r>
+          </a:p>
+          <a:p>
+            <a:pPr lvl="2"/>
+            <a:r>
+              <a:rPr lang="es-ES"/>
+              <a:t>Tercer nivel</a:t>
+            </a:r>
+          </a:p>
+          <a:p>
+            <a:pPr lvl="3"/>
+            <a:r>
+              <a:rPr lang="es-ES"/>
+              <a:t>Cuarto nivel</a:t>
+            </a:r>
+          </a:p>
+          <a:p>
+            <a:pPr lvl="4"/>
+            <a:r>
+              <a:rPr lang="es-ES"/>
+              <a:t>Quinto nivel</a:t>
+            </a:r>
+            <a:endParaRPr lang="en-US"/>
+          </a:p>
+        </p:txBody>
+      </p:sp>
+      <p:sp>
+        <p:nvSpPr>
+          <p:cNvPr id="6" name="Marcador de pie de página 5"/>
+          <p:cNvSpPr>
+            <a:spLocks noGrp="1"/>
+          </p:cNvSpPr>
+          <p:nvPr>
+            <p:ph type="ftr" sz="quarter" idx="4"/>
+          </p:nvPr>
+        </p:nvSpPr>
+        <p:spPr>
+          <a:xfrm>
+            <a:off x="0" y="8685213"/>
+            <a:ext cx="2971800" cy="458787"/>
+          </a:xfrm>
+          <a:prstGeom prst="rect">
+            <a:avLst/>
+          </a:prstGeom>
+        </p:spPr>
+        <p:txBody>
+          <a:bodyPr vert="horz" lIns="91440" tIns="45720" rIns="91440" bIns="45720" rtlCol="0" anchor="b"/>
+          <a:lstStyle>
+            <a:lvl1pPr algn="l">
+              <a:defRPr sz="1200"/>
+            </a:lvl1pPr>
+          </a:lstStyle>
+          <a:p>
+            <a:endParaRPr lang="en-US"/>
+          </a:p>
+        </p:txBody>
+      </p:sp>
+      <p:sp>
+        <p:nvSpPr>
+          <p:cNvPr id="7" name="Marcador de número de diapositiva 6"/>
+          <p:cNvSpPr>
+            <a:spLocks noGrp="1"/>
+          </p:cNvSpPr>
+          <p:nvPr>
+            <p:ph type="sldNum" sz="quarter" idx="5"/>
+          </p:nvPr>
+        </p:nvSpPr>
+        <p:spPr>
+          <a:xfrm>
+            <a:off x="3884613" y="8685213"/>
+            <a:ext cx="2971800" cy="458787"/>
+          </a:xfrm>
+          <a:prstGeom prst="rect">
+            <a:avLst/>
+          </a:prstGeom>
+        </p:spPr>
+        <p:txBody>
+          <a:bodyPr vert="horz" lIns="91440" tIns="45720" rIns="91440" bIns="45720" rtlCol="0" anchor="b"/>
+          <a:lstStyle>
+            <a:lvl1pPr algn="r">
+              <a:defRPr sz="1200"/>
+            </a:lvl1pPr>
+          </a:lstStyle>
+          <a:p>
+            <a:fld id="{351D0210-961D-4566-8710-631071D4FDA4}" type="slidenum">
+              <a:rPr lang="en-US" smtClean="0"/>
+              <a:t>‹Nº›</a:t>
+            </a:fld>
+            <a:endParaRPr lang="en-US"/>
+          </a:p>
+        </p:txBody>
+      </p:sp>
+    </p:spTree>
+    <p:extLst>
+      <p:ext uri="{BB962C8B-B14F-4D97-AF65-F5344CB8AC3E}">
+        <p14:creationId xmlns:p14="http://schemas.microsoft.com/office/powerpoint/2010/main" val="1847712289"/>
+      </p:ext>
+    </p:extLst>
+  </p:cSld>
+  <p:clrMap bg1="lt1" tx1="dk1" bg2="lt2" tx2="dk2" accent1="accent1" accent2="accent2" accent3="accent3" accent4="accent4" accent5="accent5" accent6="accent6" hlink="hlink" folHlink="folHlink"/>
+  <p:notesStyle>
+    <a:lvl1pPr marL="0" algn="l" defTabSz="914400" rtl="0" eaLnBrk="1" latinLnBrk="0" hangingPunct="1">
+      <a:defRPr sz="1200" kern="1200">
+        <a:solidFill>
+          <a:schemeClr val="tx1"/>
+        </a:solidFill>
+        <a:latin typeface="+mn-lt"/>
+        <a:ea typeface="+mn-ea"/>
+        <a:cs typeface="+mn-cs"/>
+      </a:defRPr>
+    </a:lvl1pPr>
+    <a:lvl2pPr marL="457200" algn="l" defTabSz="914400" rtl="0" eaLnBrk="1" latinLnBrk="0" hangingPunct="1">
+      <a:defRPr sz="1200" kern="1200">
+        <a:solidFill>
+          <a:schemeClr val="tx1"/>
+        </a:solidFill>
+        <a:latin typeface="+mn-lt"/>
+        <a:ea typeface="+mn-ea"/>
+        <a:cs typeface="+mn-cs"/>
+      </a:defRPr>
+    </a:lvl2pPr>
+    <a:lvl3pPr marL="914400" algn="l" defTabSz="914400" rtl="0" eaLnBrk="1" latinLnBrk="0" hangingPunct="1">
+      <a:defRPr sz="1200" kern="1200">
+        <a:solidFill>
+          <a:schemeClr val="tx1"/>
+        </a:solidFill>
+        <a:latin typeface="+mn-lt"/>
+        <a:ea typeface="+mn-ea"/>
+        <a:cs typeface="+mn-cs"/>
+      </a:defRPr>
+    </a:lvl3pPr>
+    <a:lvl4pPr marL="1371600" algn="l" defTabSz="914400" rtl="0" eaLnBrk="1" latinLnBrk="0" hangingPunct="1">
+      <a:defRPr sz="1200" kern="1200">
+        <a:solidFill>
+          <a:schemeClr val="tx1"/>
+        </a:solidFill>
+        <a:latin typeface="+mn-lt"/>
+        <a:ea typeface="+mn-ea"/>
+        <a:cs typeface="+mn-cs"/>
+      </a:defRPr>
+    </a:lvl4pPr>
+    <a:lvl5pPr marL="1828800" algn="l" defTabSz="914400" rtl="0" eaLnBrk="1" latinLnBrk="0" hangingPunct="1">
+      <a:defRPr sz="1200" kern="1200">
+        <a:solidFill>
+          <a:schemeClr val="tx1"/>
+        </a:solidFill>
+        <a:latin typeface="+mn-lt"/>
+        <a:ea typeface="+mn-ea"/>
+        <a:cs typeface="+mn-cs"/>
+      </a:defRPr>
+    </a:lvl5pPr>
+    <a:lvl6pPr marL="2286000" algn="l" defTabSz="914400" rtl="0" eaLnBrk="1" latinLnBrk="0" hangingPunct="1">
+      <a:defRPr sz="1200" kern="1200">
+        <a:solidFill>
+          <a:schemeClr val="tx1"/>
+        </a:solidFill>
+        <a:latin typeface="+mn-lt"/>
+        <a:ea typeface="+mn-ea"/>
+        <a:cs typeface="+mn-cs"/>
+      </a:defRPr>
+    </a:lvl6pPr>
+    <a:lvl7pPr marL="2743200" algn="l" defTabSz="914400" rtl="0" eaLnBrk="1" latinLnBrk="0" hangingPunct="1">
+      <a:defRPr sz="1200" kern="1200">
+        <a:solidFill>
+          <a:schemeClr val="tx1"/>
+        </a:solidFill>
+        <a:latin typeface="+mn-lt"/>
+        <a:ea typeface="+mn-ea"/>
+        <a:cs typeface="+mn-cs"/>
+      </a:defRPr>
+    </a:lvl7pPr>
+    <a:lvl8pPr marL="3200400" algn="l" defTabSz="914400" rtl="0" eaLnBrk="1" latinLnBrk="0" hangingPunct="1">
+      <a:defRPr sz="1200" kern="1200">
+        <a:solidFill>
+          <a:schemeClr val="tx1"/>
+        </a:solidFill>
+        <a:latin typeface="+mn-lt"/>
+        <a:ea typeface="+mn-ea"/>
+        <a:cs typeface="+mn-cs"/>
+      </a:defRPr>
+    </a:lvl8pPr>
+    <a:lvl9pPr marL="3657600" algn="l" defTabSz="914400" rtl="0" eaLnBrk="1" latinLnBrk="0" hangingPunct="1">
+      <a:defRPr sz="1200" kern="1200">
+        <a:solidFill>
+          <a:schemeClr val="tx1"/>
+        </a:solidFill>
+        <a:latin typeface="+mn-lt"/>
+        <a:ea typeface="+mn-ea"/>
+        <a:cs typeface="+mn-cs"/>
+      </a:defRPr>
+    </a:lvl9pPr>
+  </p:notesStyle>
+</p:notesMaster>
+</file>
+
+<file path=ppt/notesSlides/notesSlide1.xml><?xml version="1.0" encoding="utf-8"?>
+<p:notes xmlns:a="http://schemas.openxmlformats.org/drawingml/2006/main" xmlns:r="http://schemas.openxmlformats.org/officeDocument/2006/relationships" xmlns:p="http://schemas.openxmlformats.org/presentationml/2006/main">
+  <p:cSld>
+    <p:spTree>
+      <p:nvGrpSpPr>
+        <p:cNvPr id="1" name=""/>
+        <p:cNvGrpSpPr/>
+        <p:nvPr/>
+      </p:nvGrpSpPr>
+      <p:grpSpPr>
+        <a:xfrm>
+          <a:off x="0" y="0"/>
+          <a:ext cx="0" cy="0"/>
+          <a:chOff x="0" y="0"/>
+          <a:chExt cx="0" cy="0"/>
+        </a:xfrm>
+      </p:grpSpPr>
+      <p:sp>
+        <p:nvSpPr>
+          <p:cNvPr id="2" name="Marcador de imagen de diapositiva 1"/>
+          <p:cNvSpPr>
+            <a:spLocks noGrp="1" noRot="1" noChangeAspect="1"/>
+          </p:cNvSpPr>
+          <p:nvPr>
+            <p:ph type="sldImg"/>
+          </p:nvPr>
+        </p:nvSpPr>
+        <p:spPr/>
+      </p:sp>
+      <p:sp>
+        <p:nvSpPr>
+          <p:cNvPr id="3" name="Marcador de notas 2"/>
+          <p:cNvSpPr>
+            <a:spLocks noGrp="1"/>
+          </p:cNvSpPr>
+          <p:nvPr>
+            <p:ph type="body" idx="1"/>
+          </p:nvPr>
+        </p:nvSpPr>
+        <p:spPr/>
+        <p:txBody>
+          <a:bodyPr/>
+          <a:lstStyle/>
+          <a:p>
+            <a:endParaRPr lang="en-US" dirty="0"/>
+          </a:p>
+        </p:txBody>
+      </p:sp>
+      <p:sp>
+        <p:nvSpPr>
+          <p:cNvPr id="4" name="Marcador de número de diapositiva 3"/>
+          <p:cNvSpPr>
+            <a:spLocks noGrp="1"/>
+          </p:cNvSpPr>
+          <p:nvPr>
+            <p:ph type="sldNum" sz="quarter" idx="5"/>
+          </p:nvPr>
+        </p:nvSpPr>
+        <p:spPr/>
+        <p:txBody>
+          <a:bodyPr/>
+          <a:lstStyle/>
+          <a:p>
+            <a:fld id="{351D0210-961D-4566-8710-631071D4FDA4}" type="slidenum">
+              <a:rPr lang="en-US" smtClean="0"/>
+              <a:t>4</a:t>
+            </a:fld>
+            <a:endParaRPr lang="en-US"/>
+          </a:p>
+        </p:txBody>
+      </p:sp>
+    </p:spTree>
+    <p:extLst>
+      <p:ext uri="{BB962C8B-B14F-4D97-AF65-F5344CB8AC3E}">
+        <p14:creationId xmlns:p14="http://schemas.microsoft.com/office/powerpoint/2010/main" val="790308696"/>
+      </p:ext>
+    </p:extLst>
+  </p:cSld>
+  <p:clrMapOvr>
+    <a:masterClrMapping/>
+  </p:clrMapOvr>
+</p:notes>
+</file>
+
 <file path=ppt/slideLayouts/slideLayout1.xml><?xml version="1.0" encoding="utf-8"?>
 <p:sldLayout xmlns:a="http://schemas.openxmlformats.org/drawingml/2006/main" xmlns:r="http://schemas.openxmlformats.org/officeDocument/2006/relationships" xmlns:p="http://schemas.openxmlformats.org/presentationml/2006/main" type="title" preserve="1">
   <p:cSld name="Title Slide">
@@ -245,7 +683,7 @@
           <a:p>
             <a:fld id="{8BC8E25A-90E4-490F-A1F1-82376C0D3495}" type="datetimeFigureOut">
               <a:rPr lang="en-GB" smtClean="0"/>
-              <a:t>06/01/2020</a:t>
+              <a:t>07/01/2020</a:t>
             </a:fld>
             <a:endParaRPr lang="en-GB"/>
           </a:p>
@@ -287,7 +725,7 @@
           <a:p>
             <a:fld id="{33977A1C-809F-48D8-89BB-4FD057B6465A}" type="slidenum">
               <a:rPr lang="en-GB" smtClean="0"/>
-              <a:t>‹#›</a:t>
+              <a:t>‹Nº›</a:t>
             </a:fld>
             <a:endParaRPr lang="en-GB"/>
           </a:p>
@@ -415,7 +853,7 @@
           <a:p>
             <a:fld id="{8BC8E25A-90E4-490F-A1F1-82376C0D3495}" type="datetimeFigureOut">
               <a:rPr lang="en-GB" smtClean="0"/>
-              <a:t>06/01/2020</a:t>
+              <a:t>07/01/2020</a:t>
             </a:fld>
             <a:endParaRPr lang="en-GB"/>
           </a:p>
@@ -457,7 +895,7 @@
           <a:p>
             <a:fld id="{33977A1C-809F-48D8-89BB-4FD057B6465A}" type="slidenum">
               <a:rPr lang="en-GB" smtClean="0"/>
-              <a:t>‹#›</a:t>
+              <a:t>‹Nº›</a:t>
             </a:fld>
             <a:endParaRPr lang="en-GB"/>
           </a:p>
@@ -595,7 +1033,7 @@
           <a:p>
             <a:fld id="{8BC8E25A-90E4-490F-A1F1-82376C0D3495}" type="datetimeFigureOut">
               <a:rPr lang="en-GB" smtClean="0"/>
-              <a:t>06/01/2020</a:t>
+              <a:t>07/01/2020</a:t>
             </a:fld>
             <a:endParaRPr lang="en-GB"/>
           </a:p>
@@ -637,7 +1075,7 @@
           <a:p>
             <a:fld id="{33977A1C-809F-48D8-89BB-4FD057B6465A}" type="slidenum">
               <a:rPr lang="en-GB" smtClean="0"/>
-              <a:t>‹#›</a:t>
+              <a:t>‹Nº›</a:t>
             </a:fld>
             <a:endParaRPr lang="en-GB"/>
           </a:p>
@@ -765,7 +1203,7 @@
           <a:p>
             <a:fld id="{8BC8E25A-90E4-490F-A1F1-82376C0D3495}" type="datetimeFigureOut">
               <a:rPr lang="en-GB" smtClean="0"/>
-              <a:t>06/01/2020</a:t>
+              <a:t>07/01/2020</a:t>
             </a:fld>
             <a:endParaRPr lang="en-GB"/>
           </a:p>
@@ -807,7 +1245,7 @@
           <a:p>
             <a:fld id="{33977A1C-809F-48D8-89BB-4FD057B6465A}" type="slidenum">
               <a:rPr lang="en-GB" smtClean="0"/>
-              <a:t>‹#›</a:t>
+              <a:t>‹Nº›</a:t>
             </a:fld>
             <a:endParaRPr lang="en-GB"/>
           </a:p>
@@ -1011,7 +1449,7 @@
           <a:p>
             <a:fld id="{8BC8E25A-90E4-490F-A1F1-82376C0D3495}" type="datetimeFigureOut">
               <a:rPr lang="en-GB" smtClean="0"/>
-              <a:t>06/01/2020</a:t>
+              <a:t>07/01/2020</a:t>
             </a:fld>
             <a:endParaRPr lang="en-GB"/>
           </a:p>
@@ -1053,7 +1491,7 @@
           <a:p>
             <a:fld id="{33977A1C-809F-48D8-89BB-4FD057B6465A}" type="slidenum">
               <a:rPr lang="en-GB" smtClean="0"/>
-              <a:t>‹#›</a:t>
+              <a:t>‹Nº›</a:t>
             </a:fld>
             <a:endParaRPr lang="en-GB"/>
           </a:p>
@@ -1243,7 +1681,7 @@
           <a:p>
             <a:fld id="{8BC8E25A-90E4-490F-A1F1-82376C0D3495}" type="datetimeFigureOut">
               <a:rPr lang="en-GB" smtClean="0"/>
-              <a:t>06/01/2020</a:t>
+              <a:t>07/01/2020</a:t>
             </a:fld>
             <a:endParaRPr lang="en-GB"/>
           </a:p>
@@ -1285,7 +1723,7 @@
           <a:p>
             <a:fld id="{33977A1C-809F-48D8-89BB-4FD057B6465A}" type="slidenum">
               <a:rPr lang="en-GB" smtClean="0"/>
-              <a:t>‹#›</a:t>
+              <a:t>‹Nº›</a:t>
             </a:fld>
             <a:endParaRPr lang="en-GB"/>
           </a:p>
@@ -1615,7 +2053,7 @@
           <a:p>
             <a:fld id="{8BC8E25A-90E4-490F-A1F1-82376C0D3495}" type="datetimeFigureOut">
               <a:rPr lang="en-GB" smtClean="0"/>
-              <a:t>06/01/2020</a:t>
+              <a:t>07/01/2020</a:t>
             </a:fld>
             <a:endParaRPr lang="en-GB"/>
           </a:p>
@@ -1657,7 +2095,7 @@
           <a:p>
             <a:fld id="{33977A1C-809F-48D8-89BB-4FD057B6465A}" type="slidenum">
               <a:rPr lang="en-GB" smtClean="0"/>
-              <a:t>‹#›</a:t>
+              <a:t>‹Nº›</a:t>
             </a:fld>
             <a:endParaRPr lang="en-GB"/>
           </a:p>
@@ -1738,7 +2176,7 @@
           <a:p>
             <a:fld id="{8BC8E25A-90E4-490F-A1F1-82376C0D3495}" type="datetimeFigureOut">
               <a:rPr lang="en-GB" smtClean="0"/>
-              <a:t>06/01/2020</a:t>
+              <a:t>07/01/2020</a:t>
             </a:fld>
             <a:endParaRPr lang="en-GB"/>
           </a:p>
@@ -1780,7 +2218,7 @@
           <a:p>
             <a:fld id="{33977A1C-809F-48D8-89BB-4FD057B6465A}" type="slidenum">
               <a:rPr lang="en-GB" smtClean="0"/>
-              <a:t>‹#›</a:t>
+              <a:t>‹Nº›</a:t>
             </a:fld>
             <a:endParaRPr lang="en-GB"/>
           </a:p>
@@ -1833,7 +2271,7 @@
           <a:p>
             <a:fld id="{8BC8E25A-90E4-490F-A1F1-82376C0D3495}" type="datetimeFigureOut">
               <a:rPr lang="en-GB" smtClean="0"/>
-              <a:t>06/01/2020</a:t>
+              <a:t>07/01/2020</a:t>
             </a:fld>
             <a:endParaRPr lang="en-GB"/>
           </a:p>
@@ -1875,7 +2313,7 @@
           <a:p>
             <a:fld id="{33977A1C-809F-48D8-89BB-4FD057B6465A}" type="slidenum">
               <a:rPr lang="en-GB" smtClean="0"/>
-              <a:t>‹#›</a:t>
+              <a:t>‹Nº›</a:t>
             </a:fld>
             <a:endParaRPr lang="en-GB"/>
           </a:p>
@@ -2110,7 +2548,7 @@
           <a:p>
             <a:fld id="{8BC8E25A-90E4-490F-A1F1-82376C0D3495}" type="datetimeFigureOut">
               <a:rPr lang="en-GB" smtClean="0"/>
-              <a:t>06/01/2020</a:t>
+              <a:t>07/01/2020</a:t>
             </a:fld>
             <a:endParaRPr lang="en-GB"/>
           </a:p>
@@ -2152,7 +2590,7 @@
           <a:p>
             <a:fld id="{33977A1C-809F-48D8-89BB-4FD057B6465A}" type="slidenum">
               <a:rPr lang="en-GB" smtClean="0"/>
-              <a:t>‹#›</a:t>
+              <a:t>‹Nº›</a:t>
             </a:fld>
             <a:endParaRPr lang="en-GB"/>
           </a:p>
@@ -2372,7 +2810,7 @@
           <a:p>
             <a:fld id="{8BC8E25A-90E4-490F-A1F1-82376C0D3495}" type="datetimeFigureOut">
               <a:rPr lang="en-GB" smtClean="0"/>
-              <a:t>06/01/2020</a:t>
+              <a:t>07/01/2020</a:t>
             </a:fld>
             <a:endParaRPr lang="en-GB"/>
           </a:p>
@@ -2414,7 +2852,7 @@
           <a:p>
             <a:fld id="{33977A1C-809F-48D8-89BB-4FD057B6465A}" type="slidenum">
               <a:rPr lang="en-GB" smtClean="0"/>
-              <a:t>‹#›</a:t>
+              <a:t>‹Nº›</a:t>
             </a:fld>
             <a:endParaRPr lang="en-GB"/>
           </a:p>
@@ -2585,7 +3023,7 @@
           <a:p>
             <a:fld id="{8BC8E25A-90E4-490F-A1F1-82376C0D3495}" type="datetimeFigureOut">
               <a:rPr lang="en-GB" smtClean="0"/>
-              <a:t>06/01/2020</a:t>
+              <a:t>07/01/2020</a:t>
             </a:fld>
             <a:endParaRPr lang="en-GB"/>
           </a:p>
@@ -2663,7 +3101,7 @@
           <a:p>
             <a:fld id="{33977A1C-809F-48D8-89BB-4FD057B6465A}" type="slidenum">
               <a:rPr lang="en-GB" smtClean="0"/>
-              <a:t>‹#›</a:t>
+              <a:t>‹Nº›</a:t>
             </a:fld>
             <a:endParaRPr lang="en-GB"/>
           </a:p>
@@ -2981,14 +3419,6 @@
 <file path=ppt/slides/slide1.xml><?xml version="1.0" encoding="utf-8"?>
 <p:sld xmlns:a="http://schemas.openxmlformats.org/drawingml/2006/main" xmlns:r="http://schemas.openxmlformats.org/officeDocument/2006/relationships" xmlns:p="http://schemas.openxmlformats.org/presentationml/2006/main">
   <p:cSld>
-    <p:bg>
-      <p:bgPr>
-        <a:solidFill>
-          <a:schemeClr val="bg1"/>
-        </a:solidFill>
-        <a:effectLst/>
-      </p:bgPr>
-    </p:bg>
     <p:spTree>
       <p:nvGrpSpPr>
         <p:cNvPr id="1" name=""/>
@@ -3021,8 +3451,8 @@
         </p:nvSpPr>
         <p:spPr>
           <a:xfrm>
-            <a:off x="1241454" y="3429000"/>
-            <a:ext cx="9709092" cy="2010747"/>
+            <a:off x="2257777" y="1407021"/>
+            <a:ext cx="9166901" cy="2010746"/>
           </a:xfrm>
           <a:solidFill>
             <a:schemeClr val="tx1">
@@ -3033,61 +3463,61 @@
         </p:spPr>
         <p:txBody>
           <a:bodyPr anchor="ctr">
-            <a:normAutofit/>
+            <a:normAutofit fontScale="90000"/>
           </a:bodyPr>
           <a:lstStyle/>
           <a:p>
             <a:pPr algn="ctr"/>
             <a:r>
-              <a:rPr lang="es-ES_tradnl" sz="3600" b="1" dirty="0">
+              <a:rPr lang="es-ES_tradnl" sz="4000" b="1" dirty="0">
                 <a:solidFill>
                   <a:schemeClr val="bg1">
                     <a:lumMod val="95000"/>
                   </a:schemeClr>
                 </a:solidFill>
-                <a:latin typeface="Helvetica" panose="020B0604020202020204" pitchFamily="34" charset="0"/>
-                <a:cs typeface="Helvetica" panose="020B0604020202020204" pitchFamily="34" charset="0"/>
+                <a:latin typeface="Arial" panose="020B0604020202020204" pitchFamily="34" charset="0"/>
+                <a:cs typeface="Arial" panose="020B0604020202020204" pitchFamily="34" charset="0"/>
               </a:rPr>
-              <a:t>Detección de eventos </a:t>
-            </a:r>
-            <a:r>
-              <a:rPr lang="es-ES_tradnl" sz="3600" b="1" dirty="0">
+              <a:t>Detección de </a:t>
+            </a:r>
+            <a:r>
+              <a:rPr lang="es-ES_tradnl" sz="4000" b="1" dirty="0">
                 <a:solidFill>
-                  <a:srgbClr val="CC0000"/>
+                  <a:srgbClr val="C00000"/>
                 </a:solidFill>
-                <a:latin typeface="Helvetica" panose="020B0604020202020204" pitchFamily="34" charset="0"/>
-                <a:cs typeface="Helvetica" panose="020B0604020202020204" pitchFamily="34" charset="0"/>
+                <a:latin typeface="Arial" panose="020B0604020202020204" pitchFamily="34" charset="0"/>
+                <a:cs typeface="Arial" panose="020B0604020202020204" pitchFamily="34" charset="0"/>
               </a:rPr>
-              <a:t>anómalos</a:t>
-            </a:r>
-            <a:r>
-              <a:rPr lang="es-ES_tradnl" sz="3600" b="1" dirty="0">
+              <a:t>eventos anómalos</a:t>
+            </a:r>
+            <a:r>
+              <a:rPr lang="es-ES_tradnl" sz="4000" b="1" dirty="0">
                 <a:solidFill>
                   <a:schemeClr val="bg1">
                     <a:lumMod val="95000"/>
                   </a:schemeClr>
                 </a:solidFill>
-                <a:latin typeface="Helvetica" panose="020B0604020202020204" pitchFamily="34" charset="0"/>
-                <a:cs typeface="Helvetica" panose="020B0604020202020204" pitchFamily="34" charset="0"/>
+                <a:latin typeface="Arial" panose="020B0604020202020204" pitchFamily="34" charset="0"/>
+                <a:cs typeface="Arial" panose="020B0604020202020204" pitchFamily="34" charset="0"/>
               </a:rPr>
               <a:t> en un entorno industrial mediante el uso de técnicas de </a:t>
             </a:r>
             <a:r>
-              <a:rPr lang="en-US" sz="3600" b="1" dirty="0">
+              <a:rPr lang="en-US" sz="4000" b="1" dirty="0">
                 <a:solidFill>
-                  <a:schemeClr val="bg1"/>
+                  <a:srgbClr val="00B050"/>
                 </a:solidFill>
-                <a:latin typeface="Helvetica" panose="020B0604020202020204" pitchFamily="34" charset="0"/>
-                <a:cs typeface="Helvetica" panose="020B0604020202020204" pitchFamily="34" charset="0"/>
+                <a:latin typeface="Arial" panose="020B0604020202020204" pitchFamily="34" charset="0"/>
+                <a:cs typeface="Arial" panose="020B0604020202020204" pitchFamily="34" charset="0"/>
               </a:rPr>
               <a:t>Federated Learning</a:t>
             </a:r>
-            <a:endParaRPr lang="en-GB" sz="3600" b="1" dirty="0">
+            <a:endParaRPr lang="en-GB" sz="4000" b="1" dirty="0">
               <a:solidFill>
-                <a:schemeClr val="bg1"/>
+                <a:srgbClr val="00B050"/>
               </a:solidFill>
-              <a:latin typeface="Helvetica" panose="020B0604020202020204" pitchFamily="34" charset="0"/>
-              <a:cs typeface="Helvetica" panose="020B0604020202020204" pitchFamily="34" charset="0"/>
+              <a:latin typeface="Arial" panose="020B0604020202020204" pitchFamily="34" charset="0"/>
+              <a:cs typeface="Arial" panose="020B0604020202020204" pitchFamily="34" charset="0"/>
             </a:endParaRPr>
           </a:p>
         </p:txBody>
@@ -3106,8 +3536,8 @@
         </p:nvSpPr>
         <p:spPr>
           <a:xfrm>
-            <a:off x="8867774" y="6344494"/>
-            <a:ext cx="3142653" cy="369332"/>
+            <a:off x="9039828" y="6344494"/>
+            <a:ext cx="2970599" cy="369332"/>
           </a:xfrm>
           <a:prstGeom prst="rect">
             <a:avLst/>
@@ -3125,7 +3555,7 @@
           </a:bodyPr>
           <a:lstStyle/>
           <a:p>
-            <a:pPr algn="r">
+            <a:pPr algn="ctr">
               <a:spcAft>
                 <a:spcPts val="600"/>
               </a:spcAft>
@@ -3135,8 +3565,8 @@
                 <a:solidFill>
                   <a:schemeClr val="bg1"/>
                 </a:solidFill>
-                <a:latin typeface="Helvetica" panose="020B0604020202020204" pitchFamily="34" charset="0"/>
-                <a:cs typeface="Helvetica" panose="020B0604020202020204" pitchFamily="34" charset="0"/>
+                <a:latin typeface="Arial" panose="020B0604020202020204" pitchFamily="34" charset="0"/>
+                <a:cs typeface="Arial" panose="020B0604020202020204" pitchFamily="34" charset="0"/>
               </a:rPr>
               <a:t>Darío M. García Carretero</a:t>
             </a:r>
@@ -3144,8 +3574,8 @@
               <a:solidFill>
                 <a:schemeClr val="bg1"/>
               </a:solidFill>
-              <a:latin typeface="Helvetica" panose="020B0604020202020204" pitchFamily="34" charset="0"/>
-              <a:cs typeface="Helvetica" panose="020B0604020202020204" pitchFamily="34" charset="0"/>
+              <a:latin typeface="Arial" panose="020B0604020202020204" pitchFamily="34" charset="0"/>
+              <a:cs typeface="Arial" panose="020B0604020202020204" pitchFamily="34" charset="0"/>
             </a:endParaRPr>
           </a:p>
         </p:txBody>
@@ -3178,8 +3608,8 @@
         </p:blipFill>
         <p:spPr>
           <a:xfrm>
-            <a:off x="130680" y="111967"/>
-            <a:ext cx="914349" cy="1311532"/>
+            <a:off x="767321" y="1407019"/>
+            <a:ext cx="1401814" cy="2010747"/>
           </a:xfrm>
           <a:prstGeom prst="rect">
             <a:avLst/>
@@ -3188,10 +3618,10 @@
       </p:pic>
       <p:pic>
         <p:nvPicPr>
-          <p:cNvPr id="25" name="Graphic 24">
+          <p:cNvPr id="28" name="Graphic 27">
             <a:extLst>
               <a:ext uri="{FF2B5EF4-FFF2-40B4-BE49-F238E27FC236}">
-                <a16:creationId xmlns:a16="http://schemas.microsoft.com/office/drawing/2014/main" id="{984BCD9D-C98D-4030-B900-27B0449FCBB7}"/>
+                <a16:creationId xmlns:a16="http://schemas.microsoft.com/office/drawing/2014/main" id="{11E22DB1-A8E8-4207-8EA7-C61F0C5CE5C0}"/>
               </a:ext>
             </a:extLst>
           </p:cNvPr>
@@ -3214,44 +3644,8 @@
         </p:blipFill>
         <p:spPr>
           <a:xfrm>
-            <a:off x="8891836" y="6373220"/>
-            <a:ext cx="219250" cy="311880"/>
-          </a:xfrm>
-          <a:prstGeom prst="rect">
-            <a:avLst/>
-          </a:prstGeom>
-        </p:spPr>
-      </p:pic>
-      <p:pic>
-        <p:nvPicPr>
-          <p:cNvPr id="28" name="Graphic 27">
-            <a:extLst>
-              <a:ext uri="{FF2B5EF4-FFF2-40B4-BE49-F238E27FC236}">
-                <a16:creationId xmlns:a16="http://schemas.microsoft.com/office/drawing/2014/main" id="{11E22DB1-A8E8-4207-8EA7-C61F0C5CE5C0}"/>
-              </a:ext>
-            </a:extLst>
-          </p:cNvPr>
-          <p:cNvPicPr>
-            <a:picLocks noChangeAspect="1"/>
-          </p:cNvPicPr>
-          <p:nvPr/>
-        </p:nvPicPr>
-        <p:blipFill>
-          <a:blip r:embed="rId5">
-            <a:extLst>
-              <a:ext uri="{96DAC541-7B7A-43D3-8B79-37D633B846F1}">
-                <asvg:svgBlip xmlns:asvg="http://schemas.microsoft.com/office/drawing/2016/SVG/main" r:embed="rId6"/>
-              </a:ext>
-            </a:extLst>
-          </a:blip>
-          <a:stretch>
-            <a:fillRect/>
-          </a:stretch>
-        </p:blipFill>
-        <p:spPr>
-          <a:xfrm>
-            <a:off x="2765630" y="657074"/>
-            <a:ext cx="6660740" cy="2743200"/>
+            <a:off x="3358796" y="3614058"/>
+            <a:ext cx="5474407" cy="2254612"/>
           </a:xfrm>
           <a:prstGeom prst="rect">
             <a:avLst/>
@@ -3261,7 +3655,7 @@
     </p:spTree>
     <p:extLst>
       <p:ext uri="{BB962C8B-B14F-4D97-AF65-F5344CB8AC3E}">
-        <p14:creationId xmlns:p14="http://schemas.microsoft.com/office/powerpoint/2010/main" val="1874374100"/>
+        <p14:creationId xmlns:p14="http://schemas.microsoft.com/office/powerpoint/2010/main" val="1558668200"/>
       </p:ext>
     </p:extLst>
   </p:cSld>
@@ -3290,157 +3684,56 @@
       </p:grpSpPr>
       <p:sp>
         <p:nvSpPr>
-          <p:cNvPr id="2" name="Title 1">
+          <p:cNvPr id="7" name="Rectangle 6">
             <a:extLst>
               <a:ext uri="{FF2B5EF4-FFF2-40B4-BE49-F238E27FC236}">
-                <a16:creationId xmlns:a16="http://schemas.microsoft.com/office/drawing/2014/main" id="{BD1B540E-86D2-4910-9CF9-6CC499D1F098}"/>
+                <a16:creationId xmlns:a16="http://schemas.microsoft.com/office/drawing/2014/main" id="{E12E060D-29AD-4A8D-97E4-066F5809BD3C}"/>
               </a:ext>
             </a:extLst>
           </p:cNvPr>
-          <p:cNvSpPr>
-            <a:spLocks noGrp="1"/>
-          </p:cNvSpPr>
-          <p:nvPr>
-            <p:ph type="ctrTitle" idx="4294967295"/>
-          </p:nvPr>
-        </p:nvSpPr>
-        <p:spPr>
-          <a:xfrm>
-            <a:off x="1241454" y="1926306"/>
-            <a:ext cx="9709092" cy="2010747"/>
-          </a:xfrm>
-          <a:solidFill>
-            <a:schemeClr val="tx1">
-              <a:lumMod val="95000"/>
-              <a:lumOff val="5000"/>
-            </a:schemeClr>
-          </a:solidFill>
-        </p:spPr>
-        <p:txBody>
-          <a:bodyPr anchor="ctr">
-            <a:normAutofit/>
-          </a:bodyPr>
-          <a:lstStyle/>
-          <a:p>
-            <a:pPr algn="ctr"/>
-            <a:r>
-              <a:rPr lang="es-ES_tradnl" sz="4000" b="1" dirty="0">
-                <a:solidFill>
-                  <a:schemeClr val="bg1">
-                    <a:lumMod val="95000"/>
-                  </a:schemeClr>
-                </a:solidFill>
-                <a:latin typeface="Helvetica" panose="020B0604020202020204" pitchFamily="34" charset="0"/>
-                <a:cs typeface="Helvetica" panose="020B0604020202020204" pitchFamily="34" charset="0"/>
-              </a:rPr>
-              <a:t>Detección de eventos </a:t>
-            </a:r>
-            <a:r>
-              <a:rPr lang="es-ES_tradnl" sz="4000" b="1" dirty="0">
-                <a:solidFill>
-                  <a:srgbClr val="CC0000"/>
-                </a:solidFill>
-                <a:latin typeface="Helvetica" panose="020B0604020202020204" pitchFamily="34" charset="0"/>
-                <a:cs typeface="Helvetica" panose="020B0604020202020204" pitchFamily="34" charset="0"/>
-              </a:rPr>
-              <a:t>anómalos</a:t>
-            </a:r>
-            <a:r>
-              <a:rPr lang="es-ES_tradnl" sz="4000" b="1" dirty="0">
-                <a:solidFill>
-                  <a:schemeClr val="bg1">
-                    <a:lumMod val="95000"/>
-                  </a:schemeClr>
-                </a:solidFill>
-                <a:latin typeface="Helvetica" panose="020B0604020202020204" pitchFamily="34" charset="0"/>
-                <a:cs typeface="Helvetica" panose="020B0604020202020204" pitchFamily="34" charset="0"/>
-              </a:rPr>
-              <a:t> en un entorno industrial mediante el uso de técnicas de </a:t>
-            </a:r>
-            <a:r>
-              <a:rPr lang="en-US" sz="4000" b="1" dirty="0">
-                <a:solidFill>
-                  <a:schemeClr val="bg1"/>
-                </a:solidFill>
-                <a:latin typeface="Helvetica" panose="020B0604020202020204" pitchFamily="34" charset="0"/>
-                <a:cs typeface="Helvetica" panose="020B0604020202020204" pitchFamily="34" charset="0"/>
-              </a:rPr>
-              <a:t>Federated Learning</a:t>
-            </a:r>
-            <a:endParaRPr lang="en-GB" sz="4000" b="1" dirty="0">
-              <a:solidFill>
-                <a:schemeClr val="bg1"/>
-              </a:solidFill>
-              <a:latin typeface="Helvetica" panose="020B0604020202020204" pitchFamily="34" charset="0"/>
-              <a:cs typeface="Helvetica" panose="020B0604020202020204" pitchFamily="34" charset="0"/>
-            </a:endParaRPr>
-          </a:p>
-        </p:txBody>
-      </p:sp>
-      <p:sp>
-        <p:nvSpPr>
-          <p:cNvPr id="10" name="TextBox 9">
-            <a:extLst>
-              <a:ext uri="{FF2B5EF4-FFF2-40B4-BE49-F238E27FC236}">
-                <a16:creationId xmlns:a16="http://schemas.microsoft.com/office/drawing/2014/main" id="{059EC5A8-29E4-4478-B713-94596831E3FB}"/>
-              </a:ext>
-            </a:extLst>
-          </p:cNvPr>
-          <p:cNvSpPr txBox="1"/>
+          <p:cNvSpPr/>
           <p:nvPr/>
         </p:nvSpPr>
         <p:spPr>
           <a:xfrm>
-            <a:off x="8867774" y="6344494"/>
-            <a:ext cx="3142653" cy="369332"/>
+            <a:off x="1049868" y="48859"/>
+            <a:ext cx="11069022" cy="1270639"/>
           </a:xfrm>
           <a:prstGeom prst="rect">
             <a:avLst/>
           </a:prstGeom>
-          <a:solidFill>
-            <a:schemeClr val="tx1">
-              <a:lumMod val="95000"/>
-              <a:lumOff val="5000"/>
+        </p:spPr>
+        <p:style>
+          <a:lnRef idx="2">
+            <a:schemeClr val="dk1">
+              <a:shade val="50000"/>
             </a:schemeClr>
-          </a:solidFill>
-        </p:spPr>
-        <p:txBody>
-          <a:bodyPr wrap="square" rtlCol="0">
-            <a:spAutoFit/>
-          </a:bodyPr>
-          <a:lstStyle/>
-          <a:p>
-            <a:pPr algn="r">
-              <a:spcAft>
-                <a:spcPts val="600"/>
-              </a:spcAft>
-            </a:pPr>
-            <a:r>
-              <a:rPr lang="es-ES" b="1" dirty="0">
-                <a:solidFill>
-                  <a:schemeClr val="bg1"/>
-                </a:solidFill>
-                <a:latin typeface="Helvetica" panose="020B0604020202020204" pitchFamily="34" charset="0"/>
-                <a:cs typeface="Helvetica" panose="020B0604020202020204" pitchFamily="34" charset="0"/>
-              </a:rPr>
-              <a:t>Darío M. García Carretero</a:t>
-            </a:r>
-            <a:endParaRPr lang="en-GB" b="1" dirty="0">
-              <a:solidFill>
-                <a:schemeClr val="bg1"/>
-              </a:solidFill>
-              <a:latin typeface="Helvetica" panose="020B0604020202020204" pitchFamily="34" charset="0"/>
-              <a:cs typeface="Helvetica" panose="020B0604020202020204" pitchFamily="34" charset="0"/>
-            </a:endParaRPr>
+          </a:lnRef>
+          <a:fillRef idx="1">
+            <a:schemeClr val="dk1"/>
+          </a:fillRef>
+          <a:effectRef idx="0">
+            <a:schemeClr val="dk1"/>
+          </a:effectRef>
+          <a:fontRef idx="minor">
+            <a:schemeClr val="lt1"/>
+          </a:fontRef>
+        </p:style>
+        <p:txBody>
+          <a:bodyPr rtlCol="0" anchor="ctr"/>
+          <a:lstStyle/>
+          <a:p>
+            <a:pPr algn="ctr"/>
+            <a:endParaRPr lang="en-GB" dirty="0"/>
           </a:p>
         </p:txBody>
       </p:sp>
       <p:pic>
         <p:nvPicPr>
-          <p:cNvPr id="22" name="Picture 21" descr="A picture containing drawing&#10;&#10;Description automatically generated">
+          <p:cNvPr id="4" name="Picture 3" descr="A picture containing drawing&#10;&#10;Description automatically generated">
             <a:extLst>
               <a:ext uri="{FF2B5EF4-FFF2-40B4-BE49-F238E27FC236}">
-                <a16:creationId xmlns:a16="http://schemas.microsoft.com/office/drawing/2014/main" id="{22636AC0-16F8-49EB-A512-754937E8A02F}"/>
+                <a16:creationId xmlns:a16="http://schemas.microsoft.com/office/drawing/2014/main" id="{7AD8AAC9-B9DF-45B0-90E6-C1A11AD286E2}"/>
               </a:ext>
             </a:extLst>
           </p:cNvPr>
@@ -3463,20 +3756,262 @@
         </p:blipFill>
         <p:spPr>
           <a:xfrm>
-            <a:off x="1241454" y="492967"/>
-            <a:ext cx="914349" cy="1311532"/>
+            <a:off x="73111" y="48859"/>
+            <a:ext cx="897733" cy="1287699"/>
           </a:xfrm>
           <a:prstGeom prst="rect">
             <a:avLst/>
           </a:prstGeom>
         </p:spPr>
       </p:pic>
+      <p:sp>
+        <p:nvSpPr>
+          <p:cNvPr id="8" name="TextBox 7">
+            <a:extLst>
+              <a:ext uri="{FF2B5EF4-FFF2-40B4-BE49-F238E27FC236}">
+                <a16:creationId xmlns:a16="http://schemas.microsoft.com/office/drawing/2014/main" id="{2A1C2382-80AE-4313-95C4-62996644C989}"/>
+              </a:ext>
+            </a:extLst>
+          </p:cNvPr>
+          <p:cNvSpPr txBox="1"/>
+          <p:nvPr/>
+        </p:nvSpPr>
+        <p:spPr>
+          <a:xfrm>
+            <a:off x="3084555" y="299457"/>
+            <a:ext cx="6022889" cy="769441"/>
+          </a:xfrm>
+          <a:prstGeom prst="rect">
+            <a:avLst/>
+          </a:prstGeom>
+          <a:noFill/>
+        </p:spPr>
+        <p:txBody>
+          <a:bodyPr wrap="square" rtlCol="0">
+            <a:spAutoFit/>
+          </a:bodyPr>
+          <a:lstStyle/>
+          <a:p>
+            <a:pPr algn="ctr"/>
+            <a:r>
+              <a:rPr lang="es-ES" sz="4400" b="1" dirty="0">
+                <a:solidFill>
+                  <a:schemeClr val="bg1"/>
+                </a:solidFill>
+                <a:latin typeface="Arial" panose="020B0604020202020204" pitchFamily="34" charset="0"/>
+                <a:cs typeface="Arial" panose="020B0604020202020204" pitchFamily="34" charset="0"/>
+              </a:rPr>
+              <a:t>CONTEXTO</a:t>
+            </a:r>
+            <a:endParaRPr lang="en-GB" sz="4400" b="1" dirty="0">
+              <a:solidFill>
+                <a:schemeClr val="bg1"/>
+              </a:solidFill>
+              <a:latin typeface="Arial" panose="020B0604020202020204" pitchFamily="34" charset="0"/>
+              <a:cs typeface="Arial" panose="020B0604020202020204" pitchFamily="34" charset="0"/>
+            </a:endParaRPr>
+          </a:p>
+        </p:txBody>
+      </p:sp>
+      <p:sp>
+        <p:nvSpPr>
+          <p:cNvPr id="9" name="TextBox 8">
+            <a:extLst>
+              <a:ext uri="{FF2B5EF4-FFF2-40B4-BE49-F238E27FC236}">
+                <a16:creationId xmlns:a16="http://schemas.microsoft.com/office/drawing/2014/main" id="{0361965A-99CA-4F4E-ACD0-7087256D186D}"/>
+              </a:ext>
+            </a:extLst>
+          </p:cNvPr>
+          <p:cNvSpPr txBox="1"/>
+          <p:nvPr/>
+        </p:nvSpPr>
+        <p:spPr>
+          <a:xfrm>
+            <a:off x="9954229" y="6361063"/>
+            <a:ext cx="2037144" cy="276999"/>
+          </a:xfrm>
+          <a:prstGeom prst="rect">
+            <a:avLst/>
+          </a:prstGeom>
+          <a:solidFill>
+            <a:schemeClr val="tx1">
+              <a:lumMod val="95000"/>
+              <a:lumOff val="5000"/>
+            </a:schemeClr>
+          </a:solidFill>
+        </p:spPr>
+        <p:txBody>
+          <a:bodyPr wrap="square" rtlCol="0">
+            <a:spAutoFit/>
+          </a:bodyPr>
+          <a:lstStyle/>
+          <a:p>
+            <a:pPr algn="ctr">
+              <a:spcAft>
+                <a:spcPts val="600"/>
+              </a:spcAft>
+            </a:pPr>
+            <a:r>
+              <a:rPr lang="es-ES" sz="1200" b="1" dirty="0">
+                <a:solidFill>
+                  <a:schemeClr val="bg1"/>
+                </a:solidFill>
+                <a:latin typeface="Helvetica" panose="020B0604020202020204" pitchFamily="34" charset="0"/>
+                <a:cs typeface="Helvetica" panose="020B0604020202020204" pitchFamily="34" charset="0"/>
+              </a:rPr>
+              <a:t>Darío M. García Carretero</a:t>
+            </a:r>
+            <a:endParaRPr lang="en-GB" sz="1200" b="1" dirty="0">
+              <a:solidFill>
+                <a:schemeClr val="bg1"/>
+              </a:solidFill>
+              <a:latin typeface="Helvetica" panose="020B0604020202020204" pitchFamily="34" charset="0"/>
+              <a:cs typeface="Helvetica" panose="020B0604020202020204" pitchFamily="34" charset="0"/>
+            </a:endParaRPr>
+          </a:p>
+        </p:txBody>
+      </p:sp>
+      <p:sp>
+        <p:nvSpPr>
+          <p:cNvPr id="5" name="Rectángulo 4">
+            <a:extLst>
+              <a:ext uri="{FF2B5EF4-FFF2-40B4-BE49-F238E27FC236}">
+                <a16:creationId xmlns:a16="http://schemas.microsoft.com/office/drawing/2014/main" id="{FA7D14D3-CF92-4B66-A0F1-1BEA9D923504}"/>
+              </a:ext>
+            </a:extLst>
+          </p:cNvPr>
+          <p:cNvSpPr/>
+          <p:nvPr/>
+        </p:nvSpPr>
+        <p:spPr>
+          <a:xfrm>
+            <a:off x="2880360" y="1828800"/>
+            <a:ext cx="8229600" cy="954107"/>
+          </a:xfrm>
+          <a:prstGeom prst="rect">
+            <a:avLst/>
+          </a:prstGeom>
+          <a:solidFill>
+            <a:schemeClr val="tx1"/>
+          </a:solidFill>
+        </p:spPr>
+        <p:txBody>
+          <a:bodyPr wrap="square">
+            <a:spAutoFit/>
+          </a:bodyPr>
+          <a:lstStyle/>
+          <a:p>
+            <a:r>
+              <a:rPr lang="es-ES_tradnl" sz="2800" b="1" dirty="0">
+                <a:solidFill>
+                  <a:schemeClr val="bg1"/>
+                </a:solidFill>
+                <a:latin typeface="Arial" panose="020B0604020202020204" pitchFamily="34" charset="0"/>
+                <a:ea typeface="Times New Roman" panose="02020603050405020304" pitchFamily="18" charset="0"/>
+                <a:cs typeface="Arial" panose="020B0604020202020204" pitchFamily="34" charset="0"/>
+              </a:rPr>
+              <a:t>Un </a:t>
+            </a:r>
+            <a:r>
+              <a:rPr lang="es-ES_tradnl" sz="2800" b="1" dirty="0">
+                <a:solidFill>
+                  <a:srgbClr val="C00000"/>
+                </a:solidFill>
+                <a:latin typeface="Arial" panose="020B0604020202020204" pitchFamily="34" charset="0"/>
+                <a:ea typeface="Times New Roman" panose="02020603050405020304" pitchFamily="18" charset="0"/>
+                <a:cs typeface="Arial" panose="020B0604020202020204" pitchFamily="34" charset="0"/>
+              </a:rPr>
+              <a:t>evento anómalo</a:t>
+            </a:r>
+            <a:r>
+              <a:rPr lang="es-ES_tradnl" sz="2800" b="1" dirty="0">
+                <a:solidFill>
+                  <a:schemeClr val="bg1"/>
+                </a:solidFill>
+                <a:latin typeface="Arial" panose="020B0604020202020204" pitchFamily="34" charset="0"/>
+                <a:ea typeface="Times New Roman" panose="02020603050405020304" pitchFamily="18" charset="0"/>
+                <a:cs typeface="Arial" panose="020B0604020202020204" pitchFamily="34" charset="0"/>
+              </a:rPr>
+              <a:t> es aquel que se produce de forma repentina y sin previsión.</a:t>
+            </a:r>
+            <a:r>
+              <a:rPr lang="es-ES_tradnl" sz="2800" b="1" dirty="0">
+                <a:solidFill>
+                  <a:schemeClr val="bg1"/>
+                </a:solidFill>
+                <a:latin typeface="Helvetica" panose="020B0604020202020204" pitchFamily="34" charset="0"/>
+                <a:ea typeface="Times New Roman" panose="02020603050405020304" pitchFamily="18" charset="0"/>
+                <a:cs typeface="Helvetica" panose="020B0604020202020204" pitchFamily="34" charset="0"/>
+              </a:rPr>
+              <a:t> </a:t>
+            </a:r>
+            <a:endParaRPr lang="en-US" sz="2800" b="1" dirty="0">
+              <a:solidFill>
+                <a:schemeClr val="bg1"/>
+              </a:solidFill>
+              <a:latin typeface="Helvetica" panose="020B0604020202020204" pitchFamily="34" charset="0"/>
+              <a:cs typeface="Helvetica" panose="020B0604020202020204" pitchFamily="34" charset="0"/>
+            </a:endParaRPr>
+          </a:p>
+        </p:txBody>
+      </p:sp>
+      <p:sp>
+        <p:nvSpPr>
+          <p:cNvPr id="12" name="Rectángulo 11">
+            <a:extLst>
+              <a:ext uri="{FF2B5EF4-FFF2-40B4-BE49-F238E27FC236}">
+                <a16:creationId xmlns:a16="http://schemas.microsoft.com/office/drawing/2014/main" id="{4C25728A-4799-4BA7-81FA-08806743F24B}"/>
+              </a:ext>
+            </a:extLst>
+          </p:cNvPr>
+          <p:cNvSpPr/>
+          <p:nvPr/>
+        </p:nvSpPr>
+        <p:spPr>
+          <a:xfrm>
+            <a:off x="2855953" y="3361746"/>
+            <a:ext cx="8254007" cy="954107"/>
+          </a:xfrm>
+          <a:prstGeom prst="rect">
+            <a:avLst/>
+          </a:prstGeom>
+          <a:solidFill>
+            <a:schemeClr val="tx1"/>
+          </a:solidFill>
+        </p:spPr>
+        <p:txBody>
+          <a:bodyPr wrap="square">
+            <a:spAutoFit/>
+          </a:bodyPr>
+          <a:lstStyle/>
+          <a:p>
+            <a:r>
+              <a:rPr lang="es-ES_tradnl" sz="2800" b="1" dirty="0">
+                <a:solidFill>
+                  <a:schemeClr val="bg1"/>
+                </a:solidFill>
+                <a:latin typeface="Arial" panose="020B0604020202020204" pitchFamily="34" charset="0"/>
+                <a:ea typeface="Times New Roman" panose="02020603050405020304" pitchFamily="18" charset="0"/>
+                <a:cs typeface="Arial" panose="020B0604020202020204" pitchFamily="34" charset="0"/>
+              </a:rPr>
+              <a:t>Estos eventos son generalmente fallos en máquinas</a:t>
+            </a:r>
+            <a:endParaRPr lang="en-US" sz="2800" b="1" dirty="0">
+              <a:solidFill>
+                <a:schemeClr val="bg1"/>
+              </a:solidFill>
+              <a:latin typeface="Arial" panose="020B0604020202020204" pitchFamily="34" charset="0"/>
+              <a:cs typeface="Arial" panose="020B0604020202020204" pitchFamily="34" charset="0"/>
+            </a:endParaRPr>
+          </a:p>
+        </p:txBody>
+      </p:sp>
       <p:pic>
         <p:nvPicPr>
-          <p:cNvPr id="25" name="Graphic 24">
+          <p:cNvPr id="13" name="Gráfico 12">
             <a:extLst>
               <a:ext uri="{FF2B5EF4-FFF2-40B4-BE49-F238E27FC236}">
-                <a16:creationId xmlns:a16="http://schemas.microsoft.com/office/drawing/2014/main" id="{984BCD9D-C98D-4030-B900-27B0449FCBB7}"/>
+                <a16:creationId xmlns:a16="http://schemas.microsoft.com/office/drawing/2014/main" id="{9641A83B-1EC5-467E-BE51-D0A0738DC2A7}"/>
               </a:ext>
             </a:extLst>
           </p:cNvPr>
@@ -3499,8 +4034,8 @@
         </p:blipFill>
         <p:spPr>
           <a:xfrm>
-            <a:off x="8891836" y="6373220"/>
-            <a:ext cx="219250" cy="311880"/>
+            <a:off x="1375651" y="3289098"/>
+            <a:ext cx="1089111" cy="1102286"/>
           </a:xfrm>
           <a:prstGeom prst="rect">
             <a:avLst/>
@@ -3509,10 +4044,10 @@
       </p:pic>
       <p:pic>
         <p:nvPicPr>
-          <p:cNvPr id="28" name="Graphic 27">
+          <p:cNvPr id="14" name="Gráfico 13">
             <a:extLst>
               <a:ext uri="{FF2B5EF4-FFF2-40B4-BE49-F238E27FC236}">
-                <a16:creationId xmlns:a16="http://schemas.microsoft.com/office/drawing/2014/main" id="{11E22DB1-A8E8-4207-8EA7-C61F0C5CE5C0}"/>
+                <a16:creationId xmlns:a16="http://schemas.microsoft.com/office/drawing/2014/main" id="{A71BBC70-D8EB-4AC5-AC6C-613D5FE1354C}"/>
               </a:ext>
             </a:extLst>
           </p:cNvPr>
@@ -3535,8 +4070,92 @@
         </p:blipFill>
         <p:spPr>
           <a:xfrm>
-            <a:off x="4028910" y="4058860"/>
-            <a:ext cx="4134180" cy="1702645"/>
+            <a:off x="1371600" y="1828800"/>
+            <a:ext cx="1089111" cy="951306"/>
+          </a:xfrm>
+          <a:prstGeom prst="rect">
+            <a:avLst/>
+          </a:prstGeom>
+        </p:spPr>
+      </p:pic>
+      <p:sp>
+        <p:nvSpPr>
+          <p:cNvPr id="15" name="Rectángulo 14">
+            <a:extLst>
+              <a:ext uri="{FF2B5EF4-FFF2-40B4-BE49-F238E27FC236}">
+                <a16:creationId xmlns:a16="http://schemas.microsoft.com/office/drawing/2014/main" id="{B35A5FE4-49C2-41A1-B5C0-AA92E9C09472}"/>
+              </a:ext>
+            </a:extLst>
+          </p:cNvPr>
+          <p:cNvSpPr/>
+          <p:nvPr/>
+        </p:nvSpPr>
+        <p:spPr>
+          <a:xfrm>
+            <a:off x="2855955" y="4894693"/>
+            <a:ext cx="8254006" cy="954107"/>
+          </a:xfrm>
+          <a:prstGeom prst="rect">
+            <a:avLst/>
+          </a:prstGeom>
+          <a:solidFill>
+            <a:schemeClr val="tx1"/>
+          </a:solidFill>
+        </p:spPr>
+        <p:txBody>
+          <a:bodyPr wrap="square">
+            <a:spAutoFit/>
+          </a:bodyPr>
+          <a:lstStyle/>
+          <a:p>
+            <a:r>
+              <a:rPr lang="es-ES_tradnl" sz="2800" b="1" dirty="0">
+                <a:solidFill>
+                  <a:schemeClr val="bg1"/>
+                </a:solidFill>
+                <a:latin typeface="Arial" panose="020B0604020202020204" pitchFamily="34" charset="0"/>
+                <a:ea typeface="Times New Roman" panose="02020603050405020304" pitchFamily="18" charset="0"/>
+              </a:rPr>
+              <a:t>Su detección puede ayudar a prevenir tanto daños materiales como personales</a:t>
+            </a:r>
+            <a:endParaRPr lang="en-US" sz="2800" b="1" dirty="0">
+              <a:solidFill>
+                <a:schemeClr val="bg1"/>
+              </a:solidFill>
+            </a:endParaRPr>
+          </a:p>
+        </p:txBody>
+      </p:sp>
+      <p:pic>
+        <p:nvPicPr>
+          <p:cNvPr id="17" name="Gráfico 16">
+            <a:extLst>
+              <a:ext uri="{FF2B5EF4-FFF2-40B4-BE49-F238E27FC236}">
+                <a16:creationId xmlns:a16="http://schemas.microsoft.com/office/drawing/2014/main" id="{01C30D63-A2B9-4C65-B4E4-7468D52C00A1}"/>
+              </a:ext>
+            </a:extLst>
+          </p:cNvPr>
+          <p:cNvPicPr>
+            <a:picLocks noChangeAspect="1"/>
+          </p:cNvPicPr>
+          <p:nvPr/>
+        </p:nvPicPr>
+        <p:blipFill>
+          <a:blip r:embed="rId7">
+            <a:extLst>
+              <a:ext uri="{96DAC541-7B7A-43D3-8B79-37D633B846F1}">
+                <asvg:svgBlip xmlns:asvg="http://schemas.microsoft.com/office/drawing/2016/SVG/main" r:embed="rId8"/>
+              </a:ext>
+            </a:extLst>
+          </a:blip>
+          <a:stretch>
+            <a:fillRect/>
+          </a:stretch>
+        </p:blipFill>
+        <p:spPr>
+          <a:xfrm>
+            <a:off x="1375650" y="4737967"/>
+            <a:ext cx="1089111" cy="1258196"/>
           </a:xfrm>
           <a:prstGeom prst="rect">
             <a:avLst/>
@@ -3546,7 +4165,7 @@
     </p:spTree>
     <p:extLst>
       <p:ext uri="{BB962C8B-B14F-4D97-AF65-F5344CB8AC3E}">
-        <p14:creationId xmlns:p14="http://schemas.microsoft.com/office/powerpoint/2010/main" val="1558668200"/>
+        <p14:creationId xmlns:p14="http://schemas.microsoft.com/office/powerpoint/2010/main" val="2361440574"/>
       </p:ext>
     </p:extLst>
   </p:cSld>
@@ -3575,10 +4194,68 @@
       </p:grpSpPr>
       <p:sp>
         <p:nvSpPr>
-          <p:cNvPr id="7" name="Rectangle 6">
+          <p:cNvPr id="9" name="TextBox 8">
             <a:extLst>
               <a:ext uri="{FF2B5EF4-FFF2-40B4-BE49-F238E27FC236}">
-                <a16:creationId xmlns:a16="http://schemas.microsoft.com/office/drawing/2014/main" id="{E12E060D-29AD-4A8D-97E4-066F5809BD3C}"/>
+                <a16:creationId xmlns:a16="http://schemas.microsoft.com/office/drawing/2014/main" id="{0361965A-99CA-4F4E-ACD0-7087256D186D}"/>
+              </a:ext>
+            </a:extLst>
+          </p:cNvPr>
+          <p:cNvSpPr txBox="1"/>
+          <p:nvPr/>
+        </p:nvSpPr>
+        <p:spPr>
+          <a:xfrm>
+            <a:off x="9954229" y="6361063"/>
+            <a:ext cx="2037144" cy="276999"/>
+          </a:xfrm>
+          <a:prstGeom prst="rect">
+            <a:avLst/>
+          </a:prstGeom>
+          <a:solidFill>
+            <a:schemeClr val="tx1">
+              <a:lumMod val="95000"/>
+              <a:lumOff val="5000"/>
+            </a:schemeClr>
+          </a:solidFill>
+        </p:spPr>
+        <p:txBody>
+          <a:bodyPr wrap="square" rtlCol="0">
+            <a:spAutoFit/>
+          </a:bodyPr>
+          <a:lstStyle/>
+          <a:p>
+            <a:pPr algn="ctr">
+              <a:spcAft>
+                <a:spcPts val="600"/>
+              </a:spcAft>
+            </a:pPr>
+            <a:r>
+              <a:rPr lang="es-ES" sz="1200" b="1" dirty="0">
+                <a:solidFill>
+                  <a:schemeClr val="bg1"/>
+                </a:solidFill>
+                <a:latin typeface="Helvetica" panose="020B0604020202020204" pitchFamily="34" charset="0"/>
+                <a:cs typeface="Helvetica" panose="020B0604020202020204" pitchFamily="34" charset="0"/>
+              </a:rPr>
+              <a:t>Darío M. García Carretero</a:t>
+            </a:r>
+            <a:endParaRPr lang="en-GB" sz="1200" b="1" dirty="0">
+              <a:solidFill>
+                <a:schemeClr val="bg1"/>
+              </a:solidFill>
+              <a:latin typeface="Helvetica" panose="020B0604020202020204" pitchFamily="34" charset="0"/>
+              <a:cs typeface="Helvetica" panose="020B0604020202020204" pitchFamily="34" charset="0"/>
+            </a:endParaRPr>
+          </a:p>
+        </p:txBody>
+      </p:sp>
+      <p:sp>
+        <p:nvSpPr>
+          <p:cNvPr id="5" name="Rectángulo 4">
+            <a:extLst>
+              <a:ext uri="{FF2B5EF4-FFF2-40B4-BE49-F238E27FC236}">
+                <a16:creationId xmlns:a16="http://schemas.microsoft.com/office/drawing/2014/main" id="{FA7D14D3-CF92-4B66-A0F1-1BEA9D923504}"/>
               </a:ext>
             </a:extLst>
           </p:cNvPr>
@@ -3587,8 +4264,60 @@
         </p:nvSpPr>
         <p:spPr>
           <a:xfrm>
-            <a:off x="0" y="0"/>
-            <a:ext cx="12192000" cy="1403927"/>
+            <a:off x="561488" y="4144482"/>
+            <a:ext cx="11069021" cy="1446550"/>
+          </a:xfrm>
+          <a:prstGeom prst="rect">
+            <a:avLst/>
+          </a:prstGeom>
+          <a:solidFill>
+            <a:schemeClr val="tx1"/>
+          </a:solidFill>
+        </p:spPr>
+        <p:txBody>
+          <a:bodyPr wrap="square">
+            <a:spAutoFit/>
+          </a:bodyPr>
+          <a:lstStyle/>
+          <a:p>
+            <a:pPr algn="ctr"/>
+            <a:r>
+              <a:rPr lang="es-ES_tradnl" sz="4400" b="1" dirty="0">
+                <a:solidFill>
+                  <a:schemeClr val="bg1"/>
+                </a:solidFill>
+                <a:latin typeface="Arial" panose="020B0604020202020204" pitchFamily="34" charset="0"/>
+                <a:ea typeface="Times New Roman" panose="02020603050405020304" pitchFamily="18" charset="0"/>
+                <a:cs typeface="Arial" panose="020B0604020202020204" pitchFamily="34" charset="0"/>
+              </a:rPr>
+              <a:t>Detectar posibles fallos en las máquinas antes de que estos se produzcan</a:t>
+            </a:r>
+            <a:endParaRPr lang="en-US" sz="4400" b="1" dirty="0">
+              <a:solidFill>
+                <a:schemeClr val="bg1"/>
+              </a:solidFill>
+              <a:latin typeface="Arial" panose="020B0604020202020204" pitchFamily="34" charset="0"/>
+              <a:cs typeface="Arial" panose="020B0604020202020204" pitchFamily="34" charset="0"/>
+            </a:endParaRPr>
+          </a:p>
+        </p:txBody>
+      </p:sp>
+      <p:sp>
+        <p:nvSpPr>
+          <p:cNvPr id="16" name="Rectangle 6">
+            <a:extLst>
+              <a:ext uri="{FF2B5EF4-FFF2-40B4-BE49-F238E27FC236}">
+                <a16:creationId xmlns:a16="http://schemas.microsoft.com/office/drawing/2014/main" id="{9EC5CB48-379E-4C4E-A901-CAD6EBA7ABD6}"/>
+              </a:ext>
+            </a:extLst>
+          </p:cNvPr>
+          <p:cNvSpPr/>
+          <p:nvPr/>
+        </p:nvSpPr>
+        <p:spPr>
+          <a:xfrm>
+            <a:off x="1049868" y="48859"/>
+            <a:ext cx="11069022" cy="1270639"/>
           </a:xfrm>
           <a:prstGeom prst="rect">
             <a:avLst/>
@@ -3615,16 +4344,16 @@
           <a:lstStyle/>
           <a:p>
             <a:pPr algn="ctr"/>
-            <a:endParaRPr lang="en-GB"/>
+            <a:endParaRPr lang="en-GB" dirty="0"/>
           </a:p>
         </p:txBody>
       </p:sp>
       <p:pic>
         <p:nvPicPr>
-          <p:cNvPr id="4" name="Picture 3" descr="A picture containing drawing&#10;&#10;Description automatically generated">
+          <p:cNvPr id="18" name="Picture 3" descr="A picture containing drawing&#10;&#10;Description automatically generated">
             <a:extLst>
               <a:ext uri="{FF2B5EF4-FFF2-40B4-BE49-F238E27FC236}">
-                <a16:creationId xmlns:a16="http://schemas.microsoft.com/office/drawing/2014/main" id="{7AD8AAC9-B9DF-45B0-90E6-C1A11AD286E2}"/>
+                <a16:creationId xmlns:a16="http://schemas.microsoft.com/office/drawing/2014/main" id="{2C509927-62F3-4DBC-9421-0218CB778A05}"/>
               </a:ext>
             </a:extLst>
           </p:cNvPr>
@@ -3647,8 +4376,8 @@
         </p:blipFill>
         <p:spPr>
           <a:xfrm>
-            <a:off x="73111" y="36944"/>
-            <a:ext cx="914349" cy="1311532"/>
+            <a:off x="73111" y="48859"/>
+            <a:ext cx="897733" cy="1287699"/>
           </a:xfrm>
           <a:prstGeom prst="rect">
             <a:avLst/>
@@ -3657,10 +4386,10 @@
       </p:pic>
       <p:sp>
         <p:nvSpPr>
-          <p:cNvPr id="8" name="TextBox 7">
+          <p:cNvPr id="19" name="TextBox 7">
             <a:extLst>
               <a:ext uri="{FF2B5EF4-FFF2-40B4-BE49-F238E27FC236}">
-                <a16:creationId xmlns:a16="http://schemas.microsoft.com/office/drawing/2014/main" id="{2A1C2382-80AE-4313-95C4-62996644C989}"/>
+                <a16:creationId xmlns:a16="http://schemas.microsoft.com/office/drawing/2014/main" id="{034445C9-B371-4D08-A6EF-240C6889BE14}"/>
               </a:ext>
             </a:extLst>
           </p:cNvPr>
@@ -3669,8 +4398,8 @@
         </p:nvSpPr>
         <p:spPr>
           <a:xfrm>
-            <a:off x="2540000" y="517297"/>
-            <a:ext cx="7112000" cy="369332"/>
+            <a:off x="553160" y="307989"/>
+            <a:ext cx="11069020" cy="769441"/>
           </a:xfrm>
           <a:prstGeom prst="rect">
             <a:avLst/>
@@ -3683,140 +4412,33 @@
           </a:bodyPr>
           <a:lstStyle/>
           <a:p>
-            <a:r>
-              <a:rPr lang="es-ES" b="1" dirty="0">
+            <a:pPr algn="ctr"/>
+            <a:r>
+              <a:rPr lang="es-ES" sz="4400" b="1" dirty="0">
                 <a:solidFill>
                   <a:schemeClr val="bg1"/>
                 </a:solidFill>
-                <a:latin typeface="Helvetica" panose="020B0604020202020204" pitchFamily="34" charset="0"/>
-                <a:cs typeface="Helvetica" panose="020B0604020202020204" pitchFamily="34" charset="0"/>
+                <a:latin typeface="Arial" panose="020B0604020202020204" pitchFamily="34" charset="0"/>
+                <a:cs typeface="Arial" panose="020B0604020202020204" pitchFamily="34" charset="0"/>
               </a:rPr>
-              <a:t>TITULO I BLA </a:t>
-            </a:r>
-            <a:r>
-              <a:rPr lang="es-ES" b="1" dirty="0" err="1">
-                <a:solidFill>
-                  <a:schemeClr val="bg1"/>
-                </a:solidFill>
-                <a:latin typeface="Helvetica" panose="020B0604020202020204" pitchFamily="34" charset="0"/>
-                <a:cs typeface="Helvetica" panose="020B0604020202020204" pitchFamily="34" charset="0"/>
-              </a:rPr>
-              <a:t>BLA</a:t>
-            </a:r>
-            <a:r>
-              <a:rPr lang="es-ES" b="1" dirty="0">
-                <a:solidFill>
-                  <a:schemeClr val="bg1"/>
-                </a:solidFill>
-                <a:latin typeface="Helvetica" panose="020B0604020202020204" pitchFamily="34" charset="0"/>
-                <a:cs typeface="Helvetica" panose="020B0604020202020204" pitchFamily="34" charset="0"/>
-              </a:rPr>
-              <a:t> </a:t>
-            </a:r>
-            <a:r>
-              <a:rPr lang="es-ES" b="1" dirty="0" err="1">
-                <a:solidFill>
-                  <a:schemeClr val="bg1"/>
-                </a:solidFill>
-                <a:latin typeface="Helvetica" panose="020B0604020202020204" pitchFamily="34" charset="0"/>
-                <a:cs typeface="Helvetica" panose="020B0604020202020204" pitchFamily="34" charset="0"/>
-              </a:rPr>
-              <a:t>BLA</a:t>
-            </a:r>
-            <a:r>
-              <a:rPr lang="es-ES" b="1" dirty="0">
-                <a:solidFill>
-                  <a:schemeClr val="bg1"/>
-                </a:solidFill>
-                <a:latin typeface="Helvetica" panose="020B0604020202020204" pitchFamily="34" charset="0"/>
-                <a:cs typeface="Helvetica" panose="020B0604020202020204" pitchFamily="34" charset="0"/>
-              </a:rPr>
-              <a:t> </a:t>
-            </a:r>
-            <a:r>
-              <a:rPr lang="es-ES" b="1" dirty="0" err="1">
-                <a:solidFill>
-                  <a:schemeClr val="bg1"/>
-                </a:solidFill>
-                <a:latin typeface="Helvetica" panose="020B0604020202020204" pitchFamily="34" charset="0"/>
-                <a:cs typeface="Helvetica" panose="020B0604020202020204" pitchFamily="34" charset="0"/>
-              </a:rPr>
-              <a:t>BLa</a:t>
-            </a:r>
-            <a:endParaRPr lang="en-GB" b="1" dirty="0">
+              <a:t>OBJETIVO</a:t>
+            </a:r>
+            <a:endParaRPr lang="en-GB" sz="4400" b="1" dirty="0">
               <a:solidFill>
                 <a:schemeClr val="bg1"/>
               </a:solidFill>
-              <a:latin typeface="Helvetica" panose="020B0604020202020204" pitchFamily="34" charset="0"/>
-              <a:cs typeface="Helvetica" panose="020B0604020202020204" pitchFamily="34" charset="0"/>
+              <a:latin typeface="Arial" panose="020B0604020202020204" pitchFamily="34" charset="0"/>
+              <a:cs typeface="Arial" panose="020B0604020202020204" pitchFamily="34" charset="0"/>
             </a:endParaRPr>
           </a:p>
         </p:txBody>
       </p:sp>
-      <p:sp>
-        <p:nvSpPr>
-          <p:cNvPr id="9" name="TextBox 8">
+      <p:pic>
+        <p:nvPicPr>
+          <p:cNvPr id="6" name="Gráfico 5">
             <a:extLst>
               <a:ext uri="{FF2B5EF4-FFF2-40B4-BE49-F238E27FC236}">
-                <a16:creationId xmlns:a16="http://schemas.microsoft.com/office/drawing/2014/main" id="{0361965A-99CA-4F4E-ACD0-7087256D186D}"/>
-              </a:ext>
-            </a:extLst>
-          </p:cNvPr>
-          <p:cNvSpPr txBox="1"/>
-          <p:nvPr/>
-        </p:nvSpPr>
-        <p:spPr>
-          <a:xfrm>
-            <a:off x="9871364" y="6361062"/>
-            <a:ext cx="2163125" cy="276999"/>
-          </a:xfrm>
-          <a:prstGeom prst="rect">
-            <a:avLst/>
-          </a:prstGeom>
-          <a:solidFill>
-            <a:schemeClr val="tx1">
-              <a:lumMod val="95000"/>
-              <a:lumOff val="5000"/>
-            </a:schemeClr>
-          </a:solidFill>
-        </p:spPr>
-        <p:txBody>
-          <a:bodyPr wrap="square" rtlCol="0">
-            <a:spAutoFit/>
-          </a:bodyPr>
-          <a:lstStyle/>
-          <a:p>
-            <a:pPr algn="r">
-              <a:spcAft>
-                <a:spcPts val="600"/>
-              </a:spcAft>
-            </a:pPr>
-            <a:r>
-              <a:rPr lang="es-ES" sz="1200" b="1" dirty="0">
-                <a:solidFill>
-                  <a:schemeClr val="bg1"/>
-                </a:solidFill>
-                <a:latin typeface="Helvetica" panose="020B0604020202020204" pitchFamily="34" charset="0"/>
-                <a:cs typeface="Helvetica" panose="020B0604020202020204" pitchFamily="34" charset="0"/>
-              </a:rPr>
-              <a:t>Darío M. García Carretero</a:t>
-            </a:r>
-            <a:endParaRPr lang="en-GB" sz="1200" b="1" dirty="0">
-              <a:solidFill>
-                <a:schemeClr val="bg1"/>
-              </a:solidFill>
-              <a:latin typeface="Helvetica" panose="020B0604020202020204" pitchFamily="34" charset="0"/>
-              <a:cs typeface="Helvetica" panose="020B0604020202020204" pitchFamily="34" charset="0"/>
-            </a:endParaRPr>
-          </a:p>
-        </p:txBody>
-      </p:sp>
-      <p:pic>
-        <p:nvPicPr>
-          <p:cNvPr id="10" name="Graphic 9">
-            <a:extLst>
-              <a:ext uri="{FF2B5EF4-FFF2-40B4-BE49-F238E27FC236}">
-                <a16:creationId xmlns:a16="http://schemas.microsoft.com/office/drawing/2014/main" id="{0D705388-1EAA-4845-BDBF-BA26E4F3C047}"/>
+                <a16:creationId xmlns:a16="http://schemas.microsoft.com/office/drawing/2014/main" id="{4D7EAB87-DFC1-499E-B39C-1D063F761D02}"/>
               </a:ext>
             </a:extLst>
           </p:cNvPr>
@@ -3839,8 +4461,8 @@
         </p:blipFill>
         <p:spPr>
           <a:xfrm>
-            <a:off x="9900907" y="6369807"/>
-            <a:ext cx="182432" cy="259507"/>
+            <a:off x="4979472" y="1836686"/>
+            <a:ext cx="2216396" cy="2065728"/>
           </a:xfrm>
           <a:prstGeom prst="rect">
             <a:avLst/>
@@ -3850,7 +4472,508 @@
     </p:spTree>
     <p:extLst>
       <p:ext uri="{BB962C8B-B14F-4D97-AF65-F5344CB8AC3E}">
-        <p14:creationId xmlns:p14="http://schemas.microsoft.com/office/powerpoint/2010/main" val="2361440574"/>
+        <p14:creationId xmlns:p14="http://schemas.microsoft.com/office/powerpoint/2010/main" val="2701436691"/>
+      </p:ext>
+    </p:extLst>
+  </p:cSld>
+  <p:clrMapOvr>
+    <a:masterClrMapping/>
+  </p:clrMapOvr>
+</p:sld>
+</file>
+
+<file path=ppt/slides/slide4.xml><?xml version="1.0" encoding="utf-8"?>
+<p:sld xmlns:a="http://schemas.openxmlformats.org/drawingml/2006/main" xmlns:r="http://schemas.openxmlformats.org/officeDocument/2006/relationships" xmlns:p="http://schemas.openxmlformats.org/presentationml/2006/main">
+  <p:cSld>
+    <p:spTree>
+      <p:nvGrpSpPr>
+        <p:cNvPr id="1" name=""/>
+        <p:cNvGrpSpPr/>
+        <p:nvPr/>
+      </p:nvGrpSpPr>
+      <p:grpSpPr>
+        <a:xfrm>
+          <a:off x="0" y="0"/>
+          <a:ext cx="0" cy="0"/>
+          <a:chOff x="0" y="0"/>
+          <a:chExt cx="0" cy="0"/>
+        </a:xfrm>
+      </p:grpSpPr>
+      <p:sp>
+        <p:nvSpPr>
+          <p:cNvPr id="15" name="Rectángulo 14">
+            <a:extLst>
+              <a:ext uri="{FF2B5EF4-FFF2-40B4-BE49-F238E27FC236}">
+                <a16:creationId xmlns:a16="http://schemas.microsoft.com/office/drawing/2014/main" id="{B35A5FE4-49C2-41A1-B5C0-AA92E9C09472}"/>
+              </a:ext>
+            </a:extLst>
+          </p:cNvPr>
+          <p:cNvSpPr/>
+          <p:nvPr/>
+        </p:nvSpPr>
+        <p:spPr>
+          <a:xfrm>
+            <a:off x="2880360" y="4811205"/>
+            <a:ext cx="8229600" cy="1384995"/>
+          </a:xfrm>
+          <a:prstGeom prst="rect">
+            <a:avLst/>
+          </a:prstGeom>
+          <a:solidFill>
+            <a:schemeClr val="tx1"/>
+          </a:solidFill>
+        </p:spPr>
+        <p:txBody>
+          <a:bodyPr wrap="square">
+            <a:spAutoFit/>
+          </a:bodyPr>
+          <a:lstStyle/>
+          <a:p>
+            <a:r>
+              <a:rPr lang="es-ES_tradnl" sz="2800" b="1" dirty="0">
+                <a:solidFill>
+                  <a:schemeClr val="bg1">
+                    <a:lumMod val="95000"/>
+                  </a:schemeClr>
+                </a:solidFill>
+                <a:latin typeface="Arial" panose="020B0604020202020204" pitchFamily="34" charset="0"/>
+                <a:ea typeface="Times New Roman" panose="02020603050405020304" pitchFamily="18" charset="0"/>
+              </a:rPr>
+              <a:t>Mejorando el modelo mediante el uso de técnicas de aprendizaje colaborativo denominadas </a:t>
+            </a:r>
+            <a:r>
+              <a:rPr lang="en-US" sz="2800" b="1" dirty="0">
+                <a:solidFill>
+                  <a:srgbClr val="00B050"/>
+                </a:solidFill>
+                <a:latin typeface="Arial" panose="020B0604020202020204" pitchFamily="34" charset="0"/>
+                <a:ea typeface="Times New Roman" panose="02020603050405020304" pitchFamily="18" charset="0"/>
+              </a:rPr>
+              <a:t>Federated Learning</a:t>
+            </a:r>
+            <a:endParaRPr lang="en-US" sz="2800" b="1" dirty="0">
+              <a:solidFill>
+                <a:srgbClr val="00B050"/>
+              </a:solidFill>
+            </a:endParaRPr>
+          </a:p>
+        </p:txBody>
+      </p:sp>
+      <p:sp>
+        <p:nvSpPr>
+          <p:cNvPr id="9" name="TextBox 8">
+            <a:extLst>
+              <a:ext uri="{FF2B5EF4-FFF2-40B4-BE49-F238E27FC236}">
+                <a16:creationId xmlns:a16="http://schemas.microsoft.com/office/drawing/2014/main" id="{0361965A-99CA-4F4E-ACD0-7087256D186D}"/>
+              </a:ext>
+            </a:extLst>
+          </p:cNvPr>
+          <p:cNvSpPr txBox="1"/>
+          <p:nvPr/>
+        </p:nvSpPr>
+        <p:spPr>
+          <a:xfrm>
+            <a:off x="9954229" y="6361063"/>
+            <a:ext cx="2037144" cy="276999"/>
+          </a:xfrm>
+          <a:prstGeom prst="rect">
+            <a:avLst/>
+          </a:prstGeom>
+          <a:solidFill>
+            <a:schemeClr val="tx1">
+              <a:lumMod val="95000"/>
+              <a:lumOff val="5000"/>
+            </a:schemeClr>
+          </a:solidFill>
+        </p:spPr>
+        <p:txBody>
+          <a:bodyPr wrap="square" rtlCol="0">
+            <a:spAutoFit/>
+          </a:bodyPr>
+          <a:lstStyle/>
+          <a:p>
+            <a:pPr algn="ctr">
+              <a:spcAft>
+                <a:spcPts val="600"/>
+              </a:spcAft>
+            </a:pPr>
+            <a:r>
+              <a:rPr lang="es-ES" sz="1200" b="1" dirty="0">
+                <a:solidFill>
+                  <a:schemeClr val="bg1"/>
+                </a:solidFill>
+                <a:latin typeface="Helvetica" panose="020B0604020202020204" pitchFamily="34" charset="0"/>
+                <a:cs typeface="Helvetica" panose="020B0604020202020204" pitchFamily="34" charset="0"/>
+              </a:rPr>
+              <a:t>Darío M. García Carretero</a:t>
+            </a:r>
+            <a:endParaRPr lang="en-GB" sz="1200" b="1" dirty="0">
+              <a:solidFill>
+                <a:schemeClr val="bg1"/>
+              </a:solidFill>
+              <a:latin typeface="Helvetica" panose="020B0604020202020204" pitchFamily="34" charset="0"/>
+              <a:cs typeface="Helvetica" panose="020B0604020202020204" pitchFamily="34" charset="0"/>
+            </a:endParaRPr>
+          </a:p>
+        </p:txBody>
+      </p:sp>
+      <p:sp>
+        <p:nvSpPr>
+          <p:cNvPr id="5" name="Rectángulo 4">
+            <a:extLst>
+              <a:ext uri="{FF2B5EF4-FFF2-40B4-BE49-F238E27FC236}">
+                <a16:creationId xmlns:a16="http://schemas.microsoft.com/office/drawing/2014/main" id="{FA7D14D3-CF92-4B66-A0F1-1BEA9D923504}"/>
+              </a:ext>
+            </a:extLst>
+          </p:cNvPr>
+          <p:cNvSpPr/>
+          <p:nvPr/>
+        </p:nvSpPr>
+        <p:spPr>
+          <a:xfrm>
+            <a:off x="2880360" y="2052017"/>
+            <a:ext cx="8229600" cy="954107"/>
+          </a:xfrm>
+          <a:prstGeom prst="rect">
+            <a:avLst/>
+          </a:prstGeom>
+          <a:solidFill>
+            <a:schemeClr val="tx1"/>
+          </a:solidFill>
+        </p:spPr>
+        <p:txBody>
+          <a:bodyPr wrap="square">
+            <a:spAutoFit/>
+          </a:bodyPr>
+          <a:lstStyle/>
+          <a:p>
+            <a:r>
+              <a:rPr lang="es-ES_tradnl" sz="2800" b="1" dirty="0">
+                <a:solidFill>
+                  <a:schemeClr val="bg1">
+                    <a:lumMod val="95000"/>
+                  </a:schemeClr>
+                </a:solidFill>
+                <a:latin typeface="Arial" panose="020B0604020202020204" pitchFamily="34" charset="0"/>
+                <a:ea typeface="Times New Roman" panose="02020603050405020304" pitchFamily="18" charset="0"/>
+                <a:cs typeface="Arial" panose="020B0604020202020204" pitchFamily="34" charset="0"/>
+              </a:rPr>
+              <a:t>Recolectando información de los sensores instalados en las instalaciones</a:t>
+            </a:r>
+            <a:endParaRPr lang="en-US" sz="2800" b="1" dirty="0">
+              <a:solidFill>
+                <a:schemeClr val="bg1">
+                  <a:lumMod val="95000"/>
+                </a:schemeClr>
+              </a:solidFill>
+              <a:latin typeface="Helvetica" panose="020B0604020202020204" pitchFamily="34" charset="0"/>
+              <a:cs typeface="Helvetica" panose="020B0604020202020204" pitchFamily="34" charset="0"/>
+            </a:endParaRPr>
+          </a:p>
+        </p:txBody>
+      </p:sp>
+      <p:sp>
+        <p:nvSpPr>
+          <p:cNvPr id="12" name="Rectángulo 11">
+            <a:extLst>
+              <a:ext uri="{FF2B5EF4-FFF2-40B4-BE49-F238E27FC236}">
+                <a16:creationId xmlns:a16="http://schemas.microsoft.com/office/drawing/2014/main" id="{4C25728A-4799-4BA7-81FA-08806743F24B}"/>
+              </a:ext>
+            </a:extLst>
+          </p:cNvPr>
+          <p:cNvSpPr/>
+          <p:nvPr/>
+        </p:nvSpPr>
+        <p:spPr>
+          <a:xfrm>
+            <a:off x="2880360" y="3431611"/>
+            <a:ext cx="8229600" cy="954107"/>
+          </a:xfrm>
+          <a:prstGeom prst="rect">
+            <a:avLst/>
+          </a:prstGeom>
+          <a:solidFill>
+            <a:schemeClr val="tx1"/>
+          </a:solidFill>
+        </p:spPr>
+        <p:txBody>
+          <a:bodyPr wrap="square">
+            <a:spAutoFit/>
+          </a:bodyPr>
+          <a:lstStyle/>
+          <a:p>
+            <a:r>
+              <a:rPr lang="es-ES_tradnl" sz="2800" b="1" dirty="0">
+                <a:solidFill>
+                  <a:schemeClr val="bg1">
+                    <a:lumMod val="95000"/>
+                  </a:schemeClr>
+                </a:solidFill>
+                <a:latin typeface="Arial" panose="020B0604020202020204" pitchFamily="34" charset="0"/>
+                <a:ea typeface="Times New Roman" panose="02020603050405020304" pitchFamily="18" charset="0"/>
+                <a:cs typeface="Arial" panose="020B0604020202020204" pitchFamily="34" charset="0"/>
+              </a:rPr>
+              <a:t>Diseñando y entrenando un modelo de </a:t>
+            </a:r>
+            <a:r>
+              <a:rPr lang="es-ES" sz="2800" b="1" dirty="0">
+                <a:solidFill>
+                  <a:schemeClr val="bg1">
+                    <a:lumMod val="95000"/>
+                  </a:schemeClr>
+                </a:solidFill>
+                <a:latin typeface="Arial" panose="020B0604020202020204" pitchFamily="34" charset="0"/>
+                <a:ea typeface="Times New Roman" panose="02020603050405020304" pitchFamily="18" charset="0"/>
+                <a:cs typeface="Arial" panose="020B0604020202020204" pitchFamily="34" charset="0"/>
+              </a:rPr>
+              <a:t>aprendizaje automático</a:t>
+            </a:r>
+          </a:p>
+        </p:txBody>
+      </p:sp>
+      <p:pic>
+        <p:nvPicPr>
+          <p:cNvPr id="10" name="Gráfico 9">
+            <a:extLst>
+              <a:ext uri="{FF2B5EF4-FFF2-40B4-BE49-F238E27FC236}">
+                <a16:creationId xmlns:a16="http://schemas.microsoft.com/office/drawing/2014/main" id="{B466A805-FF38-40C8-A310-FE0CF87E57B5}"/>
+              </a:ext>
+            </a:extLst>
+          </p:cNvPr>
+          <p:cNvPicPr>
+            <a:picLocks noChangeAspect="1"/>
+          </p:cNvPicPr>
+          <p:nvPr/>
+        </p:nvPicPr>
+        <p:blipFill>
+          <a:blip r:embed="rId3">
+            <a:extLst>
+              <a:ext uri="{96DAC541-7B7A-43D3-8B79-37D633B846F1}">
+                <asvg:svgBlip xmlns:asvg="http://schemas.microsoft.com/office/drawing/2016/SVG/main" r:embed="rId4"/>
+              </a:ext>
+            </a:extLst>
+          </a:blip>
+          <a:stretch>
+            <a:fillRect/>
+          </a:stretch>
+        </p:blipFill>
+        <p:spPr>
+          <a:xfrm>
+            <a:off x="1291168" y="4854593"/>
+            <a:ext cx="1234440" cy="1234440"/>
+          </a:xfrm>
+          <a:prstGeom prst="rect">
+            <a:avLst/>
+          </a:prstGeom>
+        </p:spPr>
+      </p:pic>
+      <p:sp>
+        <p:nvSpPr>
+          <p:cNvPr id="16" name="Rectangle 6">
+            <a:extLst>
+              <a:ext uri="{FF2B5EF4-FFF2-40B4-BE49-F238E27FC236}">
+                <a16:creationId xmlns:a16="http://schemas.microsoft.com/office/drawing/2014/main" id="{9EC5CB48-379E-4C4E-A901-CAD6EBA7ABD6}"/>
+              </a:ext>
+            </a:extLst>
+          </p:cNvPr>
+          <p:cNvSpPr/>
+          <p:nvPr/>
+        </p:nvSpPr>
+        <p:spPr>
+          <a:xfrm>
+            <a:off x="1049868" y="48859"/>
+            <a:ext cx="11069022" cy="1270639"/>
+          </a:xfrm>
+          <a:prstGeom prst="rect">
+            <a:avLst/>
+          </a:prstGeom>
+        </p:spPr>
+        <p:style>
+          <a:lnRef idx="2">
+            <a:schemeClr val="dk1">
+              <a:shade val="50000"/>
+            </a:schemeClr>
+          </a:lnRef>
+          <a:fillRef idx="1">
+            <a:schemeClr val="dk1"/>
+          </a:fillRef>
+          <a:effectRef idx="0">
+            <a:schemeClr val="dk1"/>
+          </a:effectRef>
+          <a:fontRef idx="minor">
+            <a:schemeClr val="lt1"/>
+          </a:fontRef>
+        </p:style>
+        <p:txBody>
+          <a:bodyPr rtlCol="0" anchor="ctr"/>
+          <a:lstStyle/>
+          <a:p>
+            <a:pPr algn="ctr"/>
+            <a:endParaRPr lang="en-GB" dirty="0"/>
+          </a:p>
+        </p:txBody>
+      </p:sp>
+      <p:pic>
+        <p:nvPicPr>
+          <p:cNvPr id="18" name="Picture 3" descr="A picture containing drawing&#10;&#10;Description automatically generated">
+            <a:extLst>
+              <a:ext uri="{FF2B5EF4-FFF2-40B4-BE49-F238E27FC236}">
+                <a16:creationId xmlns:a16="http://schemas.microsoft.com/office/drawing/2014/main" id="{2C509927-62F3-4DBC-9421-0218CB778A05}"/>
+              </a:ext>
+            </a:extLst>
+          </p:cNvPr>
+          <p:cNvPicPr>
+            <a:picLocks noChangeAspect="1"/>
+          </p:cNvPicPr>
+          <p:nvPr/>
+        </p:nvPicPr>
+        <p:blipFill>
+          <a:blip r:embed="rId5">
+            <a:extLst>
+              <a:ext uri="{28A0092B-C50C-407E-A947-70E740481C1C}">
+                <a14:useLocalDpi xmlns:a14="http://schemas.microsoft.com/office/drawing/2010/main" val="0"/>
+              </a:ext>
+            </a:extLst>
+          </a:blip>
+          <a:stretch>
+            <a:fillRect/>
+          </a:stretch>
+        </p:blipFill>
+        <p:spPr>
+          <a:xfrm>
+            <a:off x="73111" y="48859"/>
+            <a:ext cx="897733" cy="1287699"/>
+          </a:xfrm>
+          <a:prstGeom prst="rect">
+            <a:avLst/>
+          </a:prstGeom>
+        </p:spPr>
+      </p:pic>
+      <p:sp>
+        <p:nvSpPr>
+          <p:cNvPr id="19" name="TextBox 7">
+            <a:extLst>
+              <a:ext uri="{FF2B5EF4-FFF2-40B4-BE49-F238E27FC236}">
+                <a16:creationId xmlns:a16="http://schemas.microsoft.com/office/drawing/2014/main" id="{034445C9-B371-4D08-A6EF-240C6889BE14}"/>
+              </a:ext>
+            </a:extLst>
+          </p:cNvPr>
+          <p:cNvSpPr txBox="1"/>
+          <p:nvPr/>
+        </p:nvSpPr>
+        <p:spPr>
+          <a:xfrm>
+            <a:off x="561490" y="307987"/>
+            <a:ext cx="11069020" cy="769441"/>
+          </a:xfrm>
+          <a:prstGeom prst="rect">
+            <a:avLst/>
+          </a:prstGeom>
+          <a:noFill/>
+        </p:spPr>
+        <p:txBody>
+          <a:bodyPr wrap="square" rtlCol="0">
+            <a:spAutoFit/>
+          </a:bodyPr>
+          <a:lstStyle/>
+          <a:p>
+            <a:pPr algn="ctr"/>
+            <a:r>
+              <a:rPr lang="es-ES" sz="4400" b="1" dirty="0">
+                <a:solidFill>
+                  <a:schemeClr val="bg1"/>
+                </a:solidFill>
+                <a:latin typeface="Arial" panose="020B0604020202020204" pitchFamily="34" charset="0"/>
+                <a:cs typeface="Arial" panose="020B0604020202020204" pitchFamily="34" charset="0"/>
+              </a:rPr>
+              <a:t>¿CÓMO?</a:t>
+            </a:r>
+            <a:endParaRPr lang="en-GB" sz="4400" b="1" dirty="0">
+              <a:solidFill>
+                <a:schemeClr val="bg1"/>
+              </a:solidFill>
+              <a:latin typeface="Arial" panose="020B0604020202020204" pitchFamily="34" charset="0"/>
+              <a:cs typeface="Arial" panose="020B0604020202020204" pitchFamily="34" charset="0"/>
+            </a:endParaRPr>
+          </a:p>
+        </p:txBody>
+      </p:sp>
+      <p:pic>
+        <p:nvPicPr>
+          <p:cNvPr id="13" name="Gráfico 12">
+            <a:extLst>
+              <a:ext uri="{FF2B5EF4-FFF2-40B4-BE49-F238E27FC236}">
+                <a16:creationId xmlns:a16="http://schemas.microsoft.com/office/drawing/2014/main" id="{A88FF3C4-4492-4CF3-933A-77B84A35F836}"/>
+              </a:ext>
+            </a:extLst>
+          </p:cNvPr>
+          <p:cNvPicPr>
+            <a:picLocks noChangeAspect="1"/>
+          </p:cNvPicPr>
+          <p:nvPr/>
+        </p:nvPicPr>
+        <p:blipFill>
+          <a:blip r:embed="rId6">
+            <a:extLst>
+              <a:ext uri="{96DAC541-7B7A-43D3-8B79-37D633B846F1}">
+                <asvg:svgBlip xmlns:asvg="http://schemas.microsoft.com/office/drawing/2016/SVG/main" r:embed="rId7"/>
+              </a:ext>
+            </a:extLst>
+          </a:blip>
+          <a:stretch>
+            <a:fillRect/>
+          </a:stretch>
+        </p:blipFill>
+        <p:spPr>
+          <a:xfrm>
+            <a:off x="1371600" y="3177784"/>
+            <a:ext cx="1234440" cy="1478858"/>
+          </a:xfrm>
+          <a:prstGeom prst="rect">
+            <a:avLst/>
+          </a:prstGeom>
+        </p:spPr>
+      </p:pic>
+      <p:pic>
+        <p:nvPicPr>
+          <p:cNvPr id="8" name="Gráfico 7">
+            <a:extLst>
+              <a:ext uri="{FF2B5EF4-FFF2-40B4-BE49-F238E27FC236}">
+                <a16:creationId xmlns:a16="http://schemas.microsoft.com/office/drawing/2014/main" id="{261FB0EF-5DEF-4AE7-BCE0-75A2F7F2A70D}"/>
+              </a:ext>
+            </a:extLst>
+          </p:cNvPr>
+          <p:cNvPicPr>
+            <a:picLocks noChangeAspect="1"/>
+          </p:cNvPicPr>
+          <p:nvPr/>
+        </p:nvPicPr>
+        <p:blipFill>
+          <a:blip r:embed="rId8">
+            <a:extLst>
+              <a:ext uri="{96DAC541-7B7A-43D3-8B79-37D633B846F1}">
+                <asvg:svgBlip xmlns:asvg="http://schemas.microsoft.com/office/drawing/2016/SVG/main" r:embed="rId9"/>
+              </a:ext>
+            </a:extLst>
+          </a:blip>
+          <a:stretch>
+            <a:fillRect/>
+          </a:stretch>
+        </p:blipFill>
+        <p:spPr>
+          <a:xfrm>
+            <a:off x="1371600" y="1587500"/>
+            <a:ext cx="1234440" cy="1568073"/>
+          </a:xfrm>
+          <a:prstGeom prst="rect">
+            <a:avLst/>
+          </a:prstGeom>
+        </p:spPr>
+      </p:pic>
+    </p:spTree>
+    <p:extLst>
+      <p:ext uri="{BB962C8B-B14F-4D97-AF65-F5344CB8AC3E}">
+        <p14:creationId xmlns:p14="http://schemas.microsoft.com/office/powerpoint/2010/main" val="2716313617"/>
       </p:ext>
     </p:extLst>
   </p:cSld>
@@ -4119,4 +5242,299 @@
     </a:ext>
   </a:extLst>
 </a:theme>
+</file>
+
+<file path=ppt/theme/theme2.xml><?xml version="1.0" encoding="utf-8"?>
+<a:theme xmlns:a="http://schemas.openxmlformats.org/drawingml/2006/main" name="Tema de Office">
+  <a:themeElements>
+    <a:clrScheme name="Office">
+      <a:dk1>
+        <a:sysClr val="windowText" lastClr="000000"/>
+      </a:dk1>
+      <a:lt1>
+        <a:sysClr val="window" lastClr="FFFFFF"/>
+      </a:lt1>
+      <a:dk2>
+        <a:srgbClr val="44546A"/>
+      </a:dk2>
+      <a:lt2>
+        <a:srgbClr val="E7E6E6"/>
+      </a:lt2>
+      <a:accent1>
+        <a:srgbClr val="4472C4"/>
+      </a:accent1>
+      <a:accent2>
+        <a:srgbClr val="ED7D31"/>
+      </a:accent2>
+      <a:accent3>
+        <a:srgbClr val="A5A5A5"/>
+      </a:accent3>
+      <a:accent4>
+        <a:srgbClr val="FFC000"/>
+      </a:accent4>
+      <a:accent5>
+        <a:srgbClr val="5B9BD5"/>
+      </a:accent5>
+      <a:accent6>
+        <a:srgbClr val="70AD47"/>
+      </a:accent6>
+      <a:hlink>
+        <a:srgbClr val="0563C1"/>
+      </a:hlink>
+      <a:folHlink>
+        <a:srgbClr val="954F72"/>
+      </a:folHlink>
+    </a:clrScheme>
+    <a:fontScheme name="Office">
+      <a:majorFont>
+        <a:latin typeface="Calibri Light" panose="020F0302020204030204"/>
+        <a:ea typeface=""/>
+        <a:cs typeface=""/>
+        <a:font script="Jpan" typeface="游ゴシック Light"/>
+        <a:font script="Hang" typeface="맑은 고딕"/>
+        <a:font script="Hans" typeface="等线 Light"/>
+        <a:font script="Hant" typeface="新細明體"/>
+        <a:font script="Arab" typeface="Times New Roman"/>
+        <a:font script="Hebr" typeface="Times New Roman"/>
+        <a:font script="Thai" typeface="Angsana New"/>
+        <a:font script="Ethi" typeface="Nyala"/>
+        <a:font script="Beng" typeface="Vrinda"/>
+        <a:font script="Gujr" typeface="Shruti"/>
+        <a:font script="Khmr" typeface="MoolBoran"/>
+        <a:font script="Knda" typeface="Tunga"/>
+        <a:font script="Guru" typeface="Raavi"/>
+        <a:font script="Cans" typeface="Euphemia"/>
+        <a:font script="Cher" typeface="Plantagenet Cherokee"/>
+        <a:font script="Yiii" typeface="Microsoft Yi Baiti"/>
+        <a:font script="Tibt" typeface="Microsoft Himalaya"/>
+        <a:font script="Thaa" typeface="MV Boli"/>
+        <a:font script="Deva" typeface="Mangal"/>
+        <a:font script="Telu" typeface="Gautami"/>
+        <a:font script="Taml" typeface="Latha"/>
+        <a:font script="Syrc" typeface="Estrangelo Edessa"/>
+        <a:font script="Orya" typeface="Kalinga"/>
+        <a:font script="Mlym" typeface="Kartika"/>
+        <a:font script="Laoo" typeface="DokChampa"/>
+        <a:font script="Sinh" typeface="Iskoola Pota"/>
+        <a:font script="Mong" typeface="Mongolian Baiti"/>
+        <a:font script="Viet" typeface="Times New Roman"/>
+        <a:font script="Uigh" typeface="Microsoft Uighur"/>
+        <a:font script="Geor" typeface="Sylfaen"/>
+        <a:font script="Armn" typeface="Arial"/>
+        <a:font script="Bugi" typeface="Leelawadee UI"/>
+        <a:font script="Bopo" typeface="Microsoft JhengHei"/>
+        <a:font script="Java" typeface="Javanese Text"/>
+        <a:font script="Lisu" typeface="Segoe UI"/>
+        <a:font script="Mymr" typeface="Myanmar Text"/>
+        <a:font script="Nkoo" typeface="Ebrima"/>
+        <a:font script="Olck" typeface="Nirmala UI"/>
+        <a:font script="Osma" typeface="Ebrima"/>
+        <a:font script="Phag" typeface="Phagspa"/>
+        <a:font script="Syrn" typeface="Estrangelo Edessa"/>
+        <a:font script="Syrj" typeface="Estrangelo Edessa"/>
+        <a:font script="Syre" typeface="Estrangelo Edessa"/>
+        <a:font script="Sora" typeface="Nirmala UI"/>
+        <a:font script="Tale" typeface="Microsoft Tai Le"/>
+        <a:font script="Talu" typeface="Microsoft New Tai Lue"/>
+        <a:font script="Tfng" typeface="Ebrima"/>
+      </a:majorFont>
+      <a:minorFont>
+        <a:latin typeface="Calibri" panose="020F0502020204030204"/>
+        <a:ea typeface=""/>
+        <a:cs typeface=""/>
+        <a:font script="Jpan" typeface="游ゴシック"/>
+        <a:font script="Hang" typeface="맑은 고딕"/>
+        <a:font script="Hans" typeface="等线"/>
+        <a:font script="Hant" typeface="新細明體"/>
+        <a:font script="Arab" typeface="Arial"/>
+        <a:font script="Hebr" typeface="Arial"/>
+        <a:font script="Thai" typeface="Cordia New"/>
+        <a:font script="Ethi" typeface="Nyala"/>
+        <a:font script="Beng" typeface="Vrinda"/>
+        <a:font script="Gujr" typeface="Shruti"/>
+        <a:font script="Khmr" typeface="DaunPenh"/>
+        <a:font script="Knda" typeface="Tunga"/>
+        <a:font script="Guru" typeface="Raavi"/>
+        <a:font script="Cans" typeface="Euphemia"/>
+        <a:font script="Cher" typeface="Plantagenet Cherokee"/>
+        <a:font script="Yiii" typeface="Microsoft Yi Baiti"/>
+        <a:font script="Tibt" typeface="Microsoft Himalaya"/>
+        <a:font script="Thaa" typeface="MV Boli"/>
+        <a:font script="Deva" typeface="Mangal"/>
+        <a:font script="Telu" typeface="Gautami"/>
+        <a:font script="Taml" typeface="Latha"/>
+        <a:font script="Syrc" typeface="Estrangelo Edessa"/>
+        <a:font script="Orya" typeface="Kalinga"/>
+        <a:font script="Mlym" typeface="Kartika"/>
+        <a:font script="Laoo" typeface="DokChampa"/>
+        <a:font script="Sinh" typeface="Iskoola Pota"/>
+        <a:font script="Mong" typeface="Mongolian Baiti"/>
+        <a:font script="Viet" typeface="Arial"/>
+        <a:font script="Uigh" typeface="Microsoft Uighur"/>
+        <a:font script="Geor" typeface="Sylfaen"/>
+        <a:font script="Armn" typeface="Arial"/>
+        <a:font script="Bugi" typeface="Leelawadee UI"/>
+        <a:font script="Bopo" typeface="Microsoft JhengHei"/>
+        <a:font script="Java" typeface="Javanese Text"/>
+        <a:font script="Lisu" typeface="Segoe UI"/>
+        <a:font script="Mymr" typeface="Myanmar Text"/>
+        <a:font script="Nkoo" typeface="Ebrima"/>
+        <a:font script="Olck" typeface="Nirmala UI"/>
+        <a:font script="Osma" typeface="Ebrima"/>
+        <a:font script="Phag" typeface="Phagspa"/>
+        <a:font script="Syrn" typeface="Estrangelo Edessa"/>
+        <a:font script="Syrj" typeface="Estrangelo Edessa"/>
+        <a:font script="Syre" typeface="Estrangelo Edessa"/>
+        <a:font script="Sora" typeface="Nirmala UI"/>
+        <a:font script="Tale" typeface="Microsoft Tai Le"/>
+        <a:font script="Talu" typeface="Microsoft New Tai Lue"/>
+        <a:font script="Tfng" typeface="Ebrima"/>
+      </a:minorFont>
+    </a:fontScheme>
+    <a:fmtScheme name="Office">
+      <a:fillStyleLst>
+        <a:solidFill>
+          <a:schemeClr val="phClr"/>
+        </a:solidFill>
+        <a:gradFill rotWithShape="1">
+          <a:gsLst>
+            <a:gs pos="0">
+              <a:schemeClr val="phClr">
+                <a:lumMod val="110000"/>
+                <a:satMod val="105000"/>
+                <a:tint val="67000"/>
+              </a:schemeClr>
+            </a:gs>
+            <a:gs pos="50000">
+              <a:schemeClr val="phClr">
+                <a:lumMod val="105000"/>
+                <a:satMod val="103000"/>
+                <a:tint val="73000"/>
+              </a:schemeClr>
+            </a:gs>
+            <a:gs pos="100000">
+              <a:schemeClr val="phClr">
+                <a:lumMod val="105000"/>
+                <a:satMod val="109000"/>
+                <a:tint val="81000"/>
+              </a:schemeClr>
+            </a:gs>
+          </a:gsLst>
+          <a:lin ang="5400000" scaled="0"/>
+        </a:gradFill>
+        <a:gradFill rotWithShape="1">
+          <a:gsLst>
+            <a:gs pos="0">
+              <a:schemeClr val="phClr">
+                <a:satMod val="103000"/>
+                <a:lumMod val="102000"/>
+                <a:tint val="94000"/>
+              </a:schemeClr>
+            </a:gs>
+            <a:gs pos="50000">
+              <a:schemeClr val="phClr">
+                <a:satMod val="110000"/>
+                <a:lumMod val="100000"/>
+                <a:shade val="100000"/>
+              </a:schemeClr>
+            </a:gs>
+            <a:gs pos="100000">
+              <a:schemeClr val="phClr">
+                <a:lumMod val="99000"/>
+                <a:satMod val="120000"/>
+                <a:shade val="78000"/>
+              </a:schemeClr>
+            </a:gs>
+          </a:gsLst>
+          <a:lin ang="5400000" scaled="0"/>
+        </a:gradFill>
+      </a:fillStyleLst>
+      <a:lnStyleLst>
+        <a:ln w="6350" cap="flat" cmpd="sng" algn="ctr">
+          <a:solidFill>
+            <a:schemeClr val="phClr"/>
+          </a:solidFill>
+          <a:prstDash val="solid"/>
+          <a:miter lim="800000"/>
+        </a:ln>
+        <a:ln w="12700" cap="flat" cmpd="sng" algn="ctr">
+          <a:solidFill>
+            <a:schemeClr val="phClr"/>
+          </a:solidFill>
+          <a:prstDash val="solid"/>
+          <a:miter lim="800000"/>
+        </a:ln>
+        <a:ln w="19050" cap="flat" cmpd="sng" algn="ctr">
+          <a:solidFill>
+            <a:schemeClr val="phClr"/>
+          </a:solidFill>
+          <a:prstDash val="solid"/>
+          <a:miter lim="800000"/>
+        </a:ln>
+      </a:lnStyleLst>
+      <a:effectStyleLst>
+        <a:effectStyle>
+          <a:effectLst/>
+        </a:effectStyle>
+        <a:effectStyle>
+          <a:effectLst/>
+        </a:effectStyle>
+        <a:effectStyle>
+          <a:effectLst>
+            <a:outerShdw blurRad="57150" dist="19050" dir="5400000" algn="ctr" rotWithShape="0">
+              <a:srgbClr val="000000">
+                <a:alpha val="63000"/>
+              </a:srgbClr>
+            </a:outerShdw>
+          </a:effectLst>
+        </a:effectStyle>
+      </a:effectStyleLst>
+      <a:bgFillStyleLst>
+        <a:solidFill>
+          <a:schemeClr val="phClr"/>
+        </a:solidFill>
+        <a:solidFill>
+          <a:schemeClr val="phClr">
+            <a:tint val="95000"/>
+            <a:satMod val="170000"/>
+          </a:schemeClr>
+        </a:solidFill>
+        <a:gradFill rotWithShape="1">
+          <a:gsLst>
+            <a:gs pos="0">
+              <a:schemeClr val="phClr">
+                <a:tint val="93000"/>
+                <a:satMod val="150000"/>
+                <a:shade val="98000"/>
+                <a:lumMod val="102000"/>
+              </a:schemeClr>
+            </a:gs>
+            <a:gs pos="50000">
+              <a:schemeClr val="phClr">
+                <a:tint val="98000"/>
+                <a:satMod val="130000"/>
+                <a:shade val="90000"/>
+                <a:lumMod val="103000"/>
+              </a:schemeClr>
+            </a:gs>
+            <a:gs pos="100000">
+              <a:schemeClr val="phClr">
+                <a:shade val="63000"/>
+                <a:satMod val="120000"/>
+              </a:schemeClr>
+            </a:gs>
+          </a:gsLst>
+          <a:lin ang="5400000" scaled="0"/>
+        </a:gradFill>
+      </a:bgFillStyleLst>
+    </a:fmtScheme>
+  </a:themeElements>
+  <a:objectDefaults/>
+  <a:extraClrSchemeLst/>
+  <a:extLst>
+    <a:ext uri="{05A4C25C-085E-4340-85A3-A5531E510DB2}">
+      <thm15:themeFamily xmlns:thm15="http://schemas.microsoft.com/office/thememl/2012/main" name="Office Theme" id="{62F939B6-93AF-4DB8-9C6B-D6C7DFDC589F}" vid="{4A3C46E8-61CC-4603-A589-7422A47A8E4A}"/>
+    </a:ext>
+  </a:extLst>
+</a:theme>
 </file>
--- a/doc/TFM.pptx
+++ b/doc/TFM.pptx
@@ -4513,8 +4513,8 @@
         </p:nvSpPr>
         <p:spPr>
           <a:xfrm>
-            <a:off x="2880360" y="4811205"/>
-            <a:ext cx="8229600" cy="1384995"/>
+            <a:off x="2880360" y="4994759"/>
+            <a:ext cx="8229600" cy="954107"/>
           </a:xfrm>
           <a:prstGeom prst="rect">
             <a:avLst/>
@@ -4539,7 +4539,7 @@
                 <a:latin typeface="Arial" panose="020B0604020202020204" pitchFamily="34" charset="0"/>
                 <a:ea typeface="Times New Roman" panose="02020603050405020304" pitchFamily="18" charset="0"/>
               </a:rPr>
-              <a:t>Mejorando el modelo mediante el uso de técnicas de aprendizaje colaborativo denominadas </a:t>
+              <a:t>Mejorando el modelo mediante el uso del </a:t>
             </a:r>
             <a:r>
               <a:rPr lang="en-US" sz="2800" b="1" dirty="0">
@@ -4551,9 +4551,19 @@
               </a:rPr>
               <a:t>Federated Learning</a:t>
             </a:r>
+            <a:r>
+              <a:rPr lang="en-US" sz="2800" b="1" dirty="0">
+                <a:solidFill>
+                  <a:schemeClr val="bg1"/>
+                </a:solidFill>
+                <a:latin typeface="Arial" panose="020B0604020202020204" pitchFamily="34" charset="0"/>
+                <a:ea typeface="Times New Roman" panose="02020603050405020304" pitchFamily="18" charset="0"/>
+              </a:rPr>
+              <a:t>.</a:t>
+            </a:r>
             <a:endParaRPr lang="en-US" sz="2800" b="1" dirty="0">
               <a:solidFill>
-                <a:srgbClr val="00B050"/>
+                <a:schemeClr val="bg1"/>
               </a:solidFill>
             </a:endParaRPr>
           </a:p>

--- a/doc/TFM.pptx
+++ b/doc/TFM.pptx
@@ -5,13 +5,16 @@
     <p:sldMasterId id="2147483845" r:id="rId1"/>
   </p:sldMasterIdLst>
   <p:notesMasterIdLst>
-    <p:notesMasterId r:id="rId6"/>
+    <p:notesMasterId r:id="rId9"/>
   </p:notesMasterIdLst>
   <p:sldIdLst>
     <p:sldId id="259" r:id="rId2"/>
     <p:sldId id="257" r:id="rId3"/>
     <p:sldId id="260" r:id="rId4"/>
     <p:sldId id="261" r:id="rId5"/>
+    <p:sldId id="262" r:id="rId6"/>
+    <p:sldId id="263" r:id="rId7"/>
+    <p:sldId id="264" r:id="rId8"/>
   </p:sldIdLst>
   <p:sldSz cx="12192000" cy="6858000"/>
   <p:notesSz cx="6858000" cy="9144000"/>
@@ -167,7 +170,7 @@
             </a:lvl1pPr>
           </a:lstStyle>
           <a:p>
-            <a:endParaRPr lang="en-US"/>
+            <a:endParaRPr lang="en-US" dirty="0"/>
           </a:p>
         </p:txBody>
       </p:sp>
@@ -202,7 +205,7 @@
               <a:rPr lang="en-US" smtClean="0"/>
               <a:t>1/7/2020</a:t>
             </a:fld>
-            <a:endParaRPr lang="en-US"/>
+            <a:endParaRPr lang="en-US" dirty="0"/>
           </a:p>
         </p:txBody>
       </p:sp>
@@ -235,7 +238,7 @@
           <a:bodyPr vert="horz" lIns="91440" tIns="45720" rIns="91440" bIns="45720" rtlCol="0" anchor="ctr"/>
           <a:lstStyle/>
           <a:p>
-            <a:endParaRPr lang="en-US"/>
+            <a:endParaRPr lang="en-US" dirty="0"/>
           </a:p>
         </p:txBody>
       </p:sp>
@@ -326,7 +329,7 @@
             </a:lvl1pPr>
           </a:lstStyle>
           <a:p>
-            <a:endParaRPr lang="en-US"/>
+            <a:endParaRPr lang="en-US" dirty="0"/>
           </a:p>
         </p:txBody>
       </p:sp>
@@ -361,7 +364,7 @@
               <a:rPr lang="en-US" smtClean="0"/>
               <a:t>‹Nº›</a:t>
             </a:fld>
-            <a:endParaRPr lang="en-US"/>
+            <a:endParaRPr lang="en-US" dirty="0"/>
           </a:p>
         </p:txBody>
       </p:sp>
@@ -535,7 +538,7 @@
               <a:rPr lang="en-US" smtClean="0"/>
               <a:t>4</a:t>
             </a:fld>
-            <a:endParaRPr lang="en-US"/>
+            <a:endParaRPr lang="en-US" dirty="0"/>
           </a:p>
         </p:txBody>
       </p:sp>
@@ -543,6 +546,258 @@
     <p:extLst>
       <p:ext uri="{BB962C8B-B14F-4D97-AF65-F5344CB8AC3E}">
         <p14:creationId xmlns:p14="http://schemas.microsoft.com/office/powerpoint/2010/main" val="790308696"/>
+      </p:ext>
+    </p:extLst>
+  </p:cSld>
+  <p:clrMapOvr>
+    <a:masterClrMapping/>
+  </p:clrMapOvr>
+</p:notes>
+</file>
+
+<file path=ppt/notesSlides/notesSlide2.xml><?xml version="1.0" encoding="utf-8"?>
+<p:notes xmlns:a="http://schemas.openxmlformats.org/drawingml/2006/main" xmlns:r="http://schemas.openxmlformats.org/officeDocument/2006/relationships" xmlns:p="http://schemas.openxmlformats.org/presentationml/2006/main">
+  <p:cSld>
+    <p:spTree>
+      <p:nvGrpSpPr>
+        <p:cNvPr id="1" name=""/>
+        <p:cNvGrpSpPr/>
+        <p:nvPr/>
+      </p:nvGrpSpPr>
+      <p:grpSpPr>
+        <a:xfrm>
+          <a:off x="0" y="0"/>
+          <a:ext cx="0" cy="0"/>
+          <a:chOff x="0" y="0"/>
+          <a:chExt cx="0" cy="0"/>
+        </a:xfrm>
+      </p:grpSpPr>
+      <p:sp>
+        <p:nvSpPr>
+          <p:cNvPr id="2" name="Marcador de imagen de diapositiva 1"/>
+          <p:cNvSpPr>
+            <a:spLocks noGrp="1" noRot="1" noChangeAspect="1"/>
+          </p:cNvSpPr>
+          <p:nvPr>
+            <p:ph type="sldImg"/>
+          </p:nvPr>
+        </p:nvSpPr>
+        <p:spPr/>
+      </p:sp>
+      <p:sp>
+        <p:nvSpPr>
+          <p:cNvPr id="3" name="Marcador de notas 2"/>
+          <p:cNvSpPr>
+            <a:spLocks noGrp="1"/>
+          </p:cNvSpPr>
+          <p:nvPr>
+            <p:ph type="body" idx="1"/>
+          </p:nvPr>
+        </p:nvSpPr>
+        <p:spPr/>
+        <p:txBody>
+          <a:bodyPr/>
+          <a:lstStyle/>
+          <a:p>
+            <a:endParaRPr lang="en-US" dirty="0"/>
+          </a:p>
+        </p:txBody>
+      </p:sp>
+      <p:sp>
+        <p:nvSpPr>
+          <p:cNvPr id="4" name="Marcador de número de diapositiva 3"/>
+          <p:cNvSpPr>
+            <a:spLocks noGrp="1"/>
+          </p:cNvSpPr>
+          <p:nvPr>
+            <p:ph type="sldNum" sz="quarter" idx="5"/>
+          </p:nvPr>
+        </p:nvSpPr>
+        <p:spPr/>
+        <p:txBody>
+          <a:bodyPr/>
+          <a:lstStyle/>
+          <a:p>
+            <a:fld id="{351D0210-961D-4566-8710-631071D4FDA4}" type="slidenum">
+              <a:rPr lang="en-US" smtClean="0"/>
+              <a:t>5</a:t>
+            </a:fld>
+            <a:endParaRPr lang="en-US" dirty="0"/>
+          </a:p>
+        </p:txBody>
+      </p:sp>
+    </p:spTree>
+    <p:extLst>
+      <p:ext uri="{BB962C8B-B14F-4D97-AF65-F5344CB8AC3E}">
+        <p14:creationId xmlns:p14="http://schemas.microsoft.com/office/powerpoint/2010/main" val="906216914"/>
+      </p:ext>
+    </p:extLst>
+  </p:cSld>
+  <p:clrMapOvr>
+    <a:masterClrMapping/>
+  </p:clrMapOvr>
+</p:notes>
+</file>
+
+<file path=ppt/notesSlides/notesSlide3.xml><?xml version="1.0" encoding="utf-8"?>
+<p:notes xmlns:a="http://schemas.openxmlformats.org/drawingml/2006/main" xmlns:r="http://schemas.openxmlformats.org/officeDocument/2006/relationships" xmlns:p="http://schemas.openxmlformats.org/presentationml/2006/main">
+  <p:cSld>
+    <p:spTree>
+      <p:nvGrpSpPr>
+        <p:cNvPr id="1" name=""/>
+        <p:cNvGrpSpPr/>
+        <p:nvPr/>
+      </p:nvGrpSpPr>
+      <p:grpSpPr>
+        <a:xfrm>
+          <a:off x="0" y="0"/>
+          <a:ext cx="0" cy="0"/>
+          <a:chOff x="0" y="0"/>
+          <a:chExt cx="0" cy="0"/>
+        </a:xfrm>
+      </p:grpSpPr>
+      <p:sp>
+        <p:nvSpPr>
+          <p:cNvPr id="2" name="Marcador de imagen de diapositiva 1"/>
+          <p:cNvSpPr>
+            <a:spLocks noGrp="1" noRot="1" noChangeAspect="1"/>
+          </p:cNvSpPr>
+          <p:nvPr>
+            <p:ph type="sldImg"/>
+          </p:nvPr>
+        </p:nvSpPr>
+        <p:spPr/>
+      </p:sp>
+      <p:sp>
+        <p:nvSpPr>
+          <p:cNvPr id="3" name="Marcador de notas 2"/>
+          <p:cNvSpPr>
+            <a:spLocks noGrp="1"/>
+          </p:cNvSpPr>
+          <p:nvPr>
+            <p:ph type="body" idx="1"/>
+          </p:nvPr>
+        </p:nvSpPr>
+        <p:spPr/>
+        <p:txBody>
+          <a:bodyPr/>
+          <a:lstStyle/>
+          <a:p>
+            <a:endParaRPr lang="en-US" dirty="0"/>
+          </a:p>
+        </p:txBody>
+      </p:sp>
+      <p:sp>
+        <p:nvSpPr>
+          <p:cNvPr id="4" name="Marcador de número de diapositiva 3"/>
+          <p:cNvSpPr>
+            <a:spLocks noGrp="1"/>
+          </p:cNvSpPr>
+          <p:nvPr>
+            <p:ph type="sldNum" sz="quarter" idx="5"/>
+          </p:nvPr>
+        </p:nvSpPr>
+        <p:spPr/>
+        <p:txBody>
+          <a:bodyPr/>
+          <a:lstStyle/>
+          <a:p>
+            <a:fld id="{351D0210-961D-4566-8710-631071D4FDA4}" type="slidenum">
+              <a:rPr lang="en-US" smtClean="0"/>
+              <a:t>6</a:t>
+            </a:fld>
+            <a:endParaRPr lang="en-US" dirty="0"/>
+          </a:p>
+        </p:txBody>
+      </p:sp>
+    </p:spTree>
+    <p:extLst>
+      <p:ext uri="{BB962C8B-B14F-4D97-AF65-F5344CB8AC3E}">
+        <p14:creationId xmlns:p14="http://schemas.microsoft.com/office/powerpoint/2010/main" val="1657010627"/>
+      </p:ext>
+    </p:extLst>
+  </p:cSld>
+  <p:clrMapOvr>
+    <a:masterClrMapping/>
+  </p:clrMapOvr>
+</p:notes>
+</file>
+
+<file path=ppt/notesSlides/notesSlide4.xml><?xml version="1.0" encoding="utf-8"?>
+<p:notes xmlns:a="http://schemas.openxmlformats.org/drawingml/2006/main" xmlns:r="http://schemas.openxmlformats.org/officeDocument/2006/relationships" xmlns:p="http://schemas.openxmlformats.org/presentationml/2006/main">
+  <p:cSld>
+    <p:spTree>
+      <p:nvGrpSpPr>
+        <p:cNvPr id="1" name=""/>
+        <p:cNvGrpSpPr/>
+        <p:nvPr/>
+      </p:nvGrpSpPr>
+      <p:grpSpPr>
+        <a:xfrm>
+          <a:off x="0" y="0"/>
+          <a:ext cx="0" cy="0"/>
+          <a:chOff x="0" y="0"/>
+          <a:chExt cx="0" cy="0"/>
+        </a:xfrm>
+      </p:grpSpPr>
+      <p:sp>
+        <p:nvSpPr>
+          <p:cNvPr id="2" name="Marcador de imagen de diapositiva 1"/>
+          <p:cNvSpPr>
+            <a:spLocks noGrp="1" noRot="1" noChangeAspect="1"/>
+          </p:cNvSpPr>
+          <p:nvPr>
+            <p:ph type="sldImg"/>
+          </p:nvPr>
+        </p:nvSpPr>
+        <p:spPr/>
+      </p:sp>
+      <p:sp>
+        <p:nvSpPr>
+          <p:cNvPr id="3" name="Marcador de notas 2"/>
+          <p:cNvSpPr>
+            <a:spLocks noGrp="1"/>
+          </p:cNvSpPr>
+          <p:nvPr>
+            <p:ph type="body" idx="1"/>
+          </p:nvPr>
+        </p:nvSpPr>
+        <p:spPr/>
+        <p:txBody>
+          <a:bodyPr/>
+          <a:lstStyle/>
+          <a:p>
+            <a:endParaRPr lang="en-US" dirty="0"/>
+          </a:p>
+        </p:txBody>
+      </p:sp>
+      <p:sp>
+        <p:nvSpPr>
+          <p:cNvPr id="4" name="Marcador de número de diapositiva 3"/>
+          <p:cNvSpPr>
+            <a:spLocks noGrp="1"/>
+          </p:cNvSpPr>
+          <p:nvPr>
+            <p:ph type="sldNum" sz="quarter" idx="5"/>
+          </p:nvPr>
+        </p:nvSpPr>
+        <p:spPr/>
+        <p:txBody>
+          <a:bodyPr/>
+          <a:lstStyle/>
+          <a:p>
+            <a:fld id="{351D0210-961D-4566-8710-631071D4FDA4}" type="slidenum">
+              <a:rPr lang="en-US" smtClean="0"/>
+              <a:t>7</a:t>
+            </a:fld>
+            <a:endParaRPr lang="en-US" dirty="0"/>
+          </a:p>
+        </p:txBody>
+      </p:sp>
+    </p:spTree>
+    <p:extLst>
+      <p:ext uri="{BB962C8B-B14F-4D97-AF65-F5344CB8AC3E}">
+        <p14:creationId xmlns:p14="http://schemas.microsoft.com/office/powerpoint/2010/main" val="617580358"/>
       </p:ext>
     </p:extLst>
   </p:cSld>
@@ -685,7 +940,7 @@
               <a:rPr lang="en-GB" smtClean="0"/>
               <a:t>07/01/2020</a:t>
             </a:fld>
-            <a:endParaRPr lang="en-GB"/>
+            <a:endParaRPr lang="en-GB" dirty="0"/>
           </a:p>
         </p:txBody>
       </p:sp>
@@ -704,7 +959,7 @@
           <a:bodyPr/>
           <a:lstStyle/>
           <a:p>
-            <a:endParaRPr lang="en-GB"/>
+            <a:endParaRPr lang="en-GB" dirty="0"/>
           </a:p>
         </p:txBody>
       </p:sp>
@@ -727,7 +982,7 @@
               <a:rPr lang="en-GB" smtClean="0"/>
               <a:t>‹Nº›</a:t>
             </a:fld>
-            <a:endParaRPr lang="en-GB"/>
+            <a:endParaRPr lang="en-GB" dirty="0"/>
           </a:p>
         </p:txBody>
       </p:sp>
@@ -855,7 +1110,7 @@
               <a:rPr lang="en-GB" smtClean="0"/>
               <a:t>07/01/2020</a:t>
             </a:fld>
-            <a:endParaRPr lang="en-GB"/>
+            <a:endParaRPr lang="en-GB" dirty="0"/>
           </a:p>
         </p:txBody>
       </p:sp>
@@ -874,7 +1129,7 @@
           <a:bodyPr/>
           <a:lstStyle/>
           <a:p>
-            <a:endParaRPr lang="en-GB"/>
+            <a:endParaRPr lang="en-GB" dirty="0"/>
           </a:p>
         </p:txBody>
       </p:sp>
@@ -897,7 +1152,7 @@
               <a:rPr lang="en-GB" smtClean="0"/>
               <a:t>‹Nº›</a:t>
             </a:fld>
-            <a:endParaRPr lang="en-GB"/>
+            <a:endParaRPr lang="en-GB" dirty="0"/>
           </a:p>
         </p:txBody>
       </p:sp>
@@ -1035,7 +1290,7 @@
               <a:rPr lang="en-GB" smtClean="0"/>
               <a:t>07/01/2020</a:t>
             </a:fld>
-            <a:endParaRPr lang="en-GB"/>
+            <a:endParaRPr lang="en-GB" dirty="0"/>
           </a:p>
         </p:txBody>
       </p:sp>
@@ -1054,7 +1309,7 @@
           <a:bodyPr/>
           <a:lstStyle/>
           <a:p>
-            <a:endParaRPr lang="en-GB"/>
+            <a:endParaRPr lang="en-GB" dirty="0"/>
           </a:p>
         </p:txBody>
       </p:sp>
@@ -1077,7 +1332,7 @@
               <a:rPr lang="en-GB" smtClean="0"/>
               <a:t>‹Nº›</a:t>
             </a:fld>
-            <a:endParaRPr lang="en-GB"/>
+            <a:endParaRPr lang="en-GB" dirty="0"/>
           </a:p>
         </p:txBody>
       </p:sp>
@@ -1205,7 +1460,7 @@
               <a:rPr lang="en-GB" smtClean="0"/>
               <a:t>07/01/2020</a:t>
             </a:fld>
-            <a:endParaRPr lang="en-GB"/>
+            <a:endParaRPr lang="en-GB" dirty="0"/>
           </a:p>
         </p:txBody>
       </p:sp>
@@ -1224,7 +1479,7 @@
           <a:bodyPr/>
           <a:lstStyle/>
           <a:p>
-            <a:endParaRPr lang="en-GB"/>
+            <a:endParaRPr lang="en-GB" dirty="0"/>
           </a:p>
         </p:txBody>
       </p:sp>
@@ -1247,7 +1502,7 @@
               <a:rPr lang="en-GB" smtClean="0"/>
               <a:t>‹Nº›</a:t>
             </a:fld>
-            <a:endParaRPr lang="en-GB"/>
+            <a:endParaRPr lang="en-GB" dirty="0"/>
           </a:p>
         </p:txBody>
       </p:sp>
@@ -1451,7 +1706,7 @@
               <a:rPr lang="en-GB" smtClean="0"/>
               <a:t>07/01/2020</a:t>
             </a:fld>
-            <a:endParaRPr lang="en-GB"/>
+            <a:endParaRPr lang="en-GB" dirty="0"/>
           </a:p>
         </p:txBody>
       </p:sp>
@@ -1470,7 +1725,7 @@
           <a:bodyPr/>
           <a:lstStyle/>
           <a:p>
-            <a:endParaRPr lang="en-GB"/>
+            <a:endParaRPr lang="en-GB" dirty="0"/>
           </a:p>
         </p:txBody>
       </p:sp>
@@ -1493,7 +1748,7 @@
               <a:rPr lang="en-GB" smtClean="0"/>
               <a:t>‹Nº›</a:t>
             </a:fld>
-            <a:endParaRPr lang="en-GB"/>
+            <a:endParaRPr lang="en-GB" dirty="0"/>
           </a:p>
         </p:txBody>
       </p:sp>
@@ -1683,7 +1938,7 @@
               <a:rPr lang="en-GB" smtClean="0"/>
               <a:t>07/01/2020</a:t>
             </a:fld>
-            <a:endParaRPr lang="en-GB"/>
+            <a:endParaRPr lang="en-GB" dirty="0"/>
           </a:p>
         </p:txBody>
       </p:sp>
@@ -1702,7 +1957,7 @@
           <a:bodyPr/>
           <a:lstStyle/>
           <a:p>
-            <a:endParaRPr lang="en-GB"/>
+            <a:endParaRPr lang="en-GB" dirty="0"/>
           </a:p>
         </p:txBody>
       </p:sp>
@@ -1725,7 +1980,7 @@
               <a:rPr lang="en-GB" smtClean="0"/>
               <a:t>‹Nº›</a:t>
             </a:fld>
-            <a:endParaRPr lang="en-GB"/>
+            <a:endParaRPr lang="en-GB" dirty="0"/>
           </a:p>
         </p:txBody>
       </p:sp>
@@ -2055,7 +2310,7 @@
               <a:rPr lang="en-GB" smtClean="0"/>
               <a:t>07/01/2020</a:t>
             </a:fld>
-            <a:endParaRPr lang="en-GB"/>
+            <a:endParaRPr lang="en-GB" dirty="0"/>
           </a:p>
         </p:txBody>
       </p:sp>
@@ -2074,7 +2329,7 @@
           <a:bodyPr/>
           <a:lstStyle/>
           <a:p>
-            <a:endParaRPr lang="en-GB"/>
+            <a:endParaRPr lang="en-GB" dirty="0"/>
           </a:p>
         </p:txBody>
       </p:sp>
@@ -2097,7 +2352,7 @@
               <a:rPr lang="en-GB" smtClean="0"/>
               <a:t>‹Nº›</a:t>
             </a:fld>
-            <a:endParaRPr lang="en-GB"/>
+            <a:endParaRPr lang="en-GB" dirty="0"/>
           </a:p>
         </p:txBody>
       </p:sp>
@@ -2178,7 +2433,7 @@
               <a:rPr lang="en-GB" smtClean="0"/>
               <a:t>07/01/2020</a:t>
             </a:fld>
-            <a:endParaRPr lang="en-GB"/>
+            <a:endParaRPr lang="en-GB" dirty="0"/>
           </a:p>
         </p:txBody>
       </p:sp>
@@ -2197,7 +2452,7 @@
           <a:bodyPr/>
           <a:lstStyle/>
           <a:p>
-            <a:endParaRPr lang="en-GB"/>
+            <a:endParaRPr lang="en-GB" dirty="0"/>
           </a:p>
         </p:txBody>
       </p:sp>
@@ -2220,7 +2475,7 @@
               <a:rPr lang="en-GB" smtClean="0"/>
               <a:t>‹Nº›</a:t>
             </a:fld>
-            <a:endParaRPr lang="en-GB"/>
+            <a:endParaRPr lang="en-GB" dirty="0"/>
           </a:p>
         </p:txBody>
       </p:sp>
@@ -2273,7 +2528,7 @@
               <a:rPr lang="en-GB" smtClean="0"/>
               <a:t>07/01/2020</a:t>
             </a:fld>
-            <a:endParaRPr lang="en-GB"/>
+            <a:endParaRPr lang="en-GB" dirty="0"/>
           </a:p>
         </p:txBody>
       </p:sp>
@@ -2292,7 +2547,7 @@
           <a:bodyPr/>
           <a:lstStyle/>
           <a:p>
-            <a:endParaRPr lang="en-GB"/>
+            <a:endParaRPr lang="en-GB" dirty="0"/>
           </a:p>
         </p:txBody>
       </p:sp>
@@ -2315,7 +2570,7 @@
               <a:rPr lang="en-GB" smtClean="0"/>
               <a:t>‹Nº›</a:t>
             </a:fld>
-            <a:endParaRPr lang="en-GB"/>
+            <a:endParaRPr lang="en-GB" dirty="0"/>
           </a:p>
         </p:txBody>
       </p:sp>
@@ -2550,7 +2805,7 @@
               <a:rPr lang="en-GB" smtClean="0"/>
               <a:t>07/01/2020</a:t>
             </a:fld>
-            <a:endParaRPr lang="en-GB"/>
+            <a:endParaRPr lang="en-GB" dirty="0"/>
           </a:p>
         </p:txBody>
       </p:sp>
@@ -2569,7 +2824,7 @@
           <a:bodyPr/>
           <a:lstStyle/>
           <a:p>
-            <a:endParaRPr lang="en-GB"/>
+            <a:endParaRPr lang="en-GB" dirty="0"/>
           </a:p>
         </p:txBody>
       </p:sp>
@@ -2592,7 +2847,7 @@
               <a:rPr lang="en-GB" smtClean="0"/>
               <a:t>‹Nº›</a:t>
             </a:fld>
-            <a:endParaRPr lang="en-GB"/>
+            <a:endParaRPr lang="en-GB" dirty="0"/>
           </a:p>
         </p:txBody>
       </p:sp>
@@ -2721,10 +2976,9 @@
           </a:lstStyle>
           <a:p>
             <a:r>
-              <a:rPr lang="en-US"/>
+              <a:rPr lang="en-US" dirty="0"/>
               <a:t>Click icon to add picture</a:t>
             </a:r>
-            <a:endParaRPr lang="en-US" dirty="0"/>
           </a:p>
         </p:txBody>
       </p:sp>
@@ -2812,7 +3066,7 @@
               <a:rPr lang="en-GB" smtClean="0"/>
               <a:t>07/01/2020</a:t>
             </a:fld>
-            <a:endParaRPr lang="en-GB"/>
+            <a:endParaRPr lang="en-GB" dirty="0"/>
           </a:p>
         </p:txBody>
       </p:sp>
@@ -2831,7 +3085,7 @@
           <a:bodyPr/>
           <a:lstStyle/>
           <a:p>
-            <a:endParaRPr lang="en-GB"/>
+            <a:endParaRPr lang="en-GB" dirty="0"/>
           </a:p>
         </p:txBody>
       </p:sp>
@@ -2854,7 +3108,7 @@
               <a:rPr lang="en-GB" smtClean="0"/>
               <a:t>‹Nº›</a:t>
             </a:fld>
-            <a:endParaRPr lang="en-GB"/>
+            <a:endParaRPr lang="en-GB" dirty="0"/>
           </a:p>
         </p:txBody>
       </p:sp>
@@ -3025,7 +3279,7 @@
               <a:rPr lang="en-GB" smtClean="0"/>
               <a:t>07/01/2020</a:t>
             </a:fld>
-            <a:endParaRPr lang="en-GB"/>
+            <a:endParaRPr lang="en-GB" dirty="0"/>
           </a:p>
         </p:txBody>
       </p:sp>
@@ -3062,7 +3316,7 @@
             </a:lvl1pPr>
           </a:lstStyle>
           <a:p>
-            <a:endParaRPr lang="en-GB"/>
+            <a:endParaRPr lang="en-GB" dirty="0"/>
           </a:p>
         </p:txBody>
       </p:sp>
@@ -3103,7 +3357,7 @@
               <a:rPr lang="en-GB" smtClean="0"/>
               <a:t>‹Nº›</a:t>
             </a:fld>
-            <a:endParaRPr lang="en-GB"/>
+            <a:endParaRPr lang="en-GB" dirty="0"/>
           </a:p>
         </p:txBody>
       </p:sp>
@@ -3801,7 +4055,7 @@
                 <a:latin typeface="Arial" panose="020B0604020202020204" pitchFamily="34" charset="0"/>
                 <a:cs typeface="Arial" panose="020B0604020202020204" pitchFamily="34" charset="0"/>
               </a:rPr>
-              <a:t>CONTEXTO</a:t>
+              <a:t>Contexto</a:t>
             </a:r>
             <a:endParaRPr lang="en-GB" sz="4400" b="1" dirty="0">
               <a:solidFill>
@@ -4421,7 +4675,7 @@
                 <a:latin typeface="Arial" panose="020B0604020202020204" pitchFamily="34" charset="0"/>
                 <a:cs typeface="Arial" panose="020B0604020202020204" pitchFamily="34" charset="0"/>
               </a:rPr>
-              <a:t>OBJETIVO</a:t>
+              <a:t>Objetivo</a:t>
             </a:r>
             <a:endParaRPr lang="en-GB" sz="4400" b="1" dirty="0">
               <a:solidFill>
@@ -4499,6 +4753,42 @@
           <a:chExt cx="0" cy="0"/>
         </a:xfrm>
       </p:grpSpPr>
+      <p:pic>
+        <p:nvPicPr>
+          <p:cNvPr id="22" name="Gráfico 21">
+            <a:extLst>
+              <a:ext uri="{FF2B5EF4-FFF2-40B4-BE49-F238E27FC236}">
+                <a16:creationId xmlns:a16="http://schemas.microsoft.com/office/drawing/2014/main" id="{6DC76540-8147-4CFC-849A-E8428528799A}"/>
+              </a:ext>
+            </a:extLst>
+          </p:cNvPr>
+          <p:cNvPicPr>
+            <a:picLocks noChangeAspect="1"/>
+          </p:cNvPicPr>
+          <p:nvPr/>
+        </p:nvPicPr>
+        <p:blipFill>
+          <a:blip r:embed="rId3">
+            <a:extLst>
+              <a:ext uri="{96DAC541-7B7A-43D3-8B79-37D633B846F1}">
+                <asvg:svgBlip xmlns:asvg="http://schemas.microsoft.com/office/drawing/2016/SVG/main" r:embed="rId4"/>
+              </a:ext>
+            </a:extLst>
+          </a:blip>
+          <a:stretch>
+            <a:fillRect/>
+          </a:stretch>
+        </p:blipFill>
+        <p:spPr>
+          <a:xfrm>
+            <a:off x="1371600" y="3257120"/>
+            <a:ext cx="1234440" cy="1399522"/>
+          </a:xfrm>
+          <a:prstGeom prst="rect">
+            <a:avLst/>
+          </a:prstGeom>
+        </p:spPr>
+      </p:pic>
       <p:sp>
         <p:nvSpPr>
           <p:cNvPr id="15" name="Rectángulo 14">
@@ -4539,7 +4829,7 @@
                 <a:latin typeface="Arial" panose="020B0604020202020204" pitchFamily="34" charset="0"/>
                 <a:ea typeface="Times New Roman" panose="02020603050405020304" pitchFamily="18" charset="0"/>
               </a:rPr>
-              <a:t>Mejorando el modelo mediante el uso del </a:t>
+              <a:t>Mejor el modelo mediante el uso del </a:t>
             </a:r>
             <a:r>
               <a:rPr lang="en-US" sz="2800" b="1" dirty="0">
@@ -4668,7 +4958,7 @@
                 <a:ea typeface="Times New Roman" panose="02020603050405020304" pitchFamily="18" charset="0"/>
                 <a:cs typeface="Arial" panose="020B0604020202020204" pitchFamily="34" charset="0"/>
               </a:rPr>
-              <a:t>Recolectando información de los sensores instalados en las instalaciones</a:t>
+              <a:t>Recolectar información de los sensores instalados en las instalaciones</a:t>
             </a:r>
             <a:endParaRPr lang="en-US" sz="2800" b="1" dirty="0">
               <a:solidFill>
@@ -4723,10 +5013,10 @@
                 <a:ea typeface="Times New Roman" panose="02020603050405020304" pitchFamily="18" charset="0"/>
                 <a:cs typeface="Arial" panose="020B0604020202020204" pitchFamily="34" charset="0"/>
               </a:rPr>
-              <a:t>Diseñando y entrenando un modelo de </a:t>
-            </a:r>
-            <a:r>
-              <a:rPr lang="es-ES" sz="2800" b="1" dirty="0">
+              <a:t>Diseñar y entrenar un modelo de </a:t>
+            </a:r>
+            <a:r>
+              <a:rPr lang="en-US" sz="2800" b="1" dirty="0">
                 <a:solidFill>
                   <a:schemeClr val="bg1">
                     <a:lumMod val="95000"/>
@@ -4736,7 +5026,7 @@
                 <a:ea typeface="Times New Roman" panose="02020603050405020304" pitchFamily="18" charset="0"/>
                 <a:cs typeface="Arial" panose="020B0604020202020204" pitchFamily="34" charset="0"/>
               </a:rPr>
-              <a:t>aprendizaje automático</a:t>
+              <a:t>Machine Learning</a:t>
             </a:r>
           </a:p>
         </p:txBody>
@@ -4756,10 +5046,10 @@
           <p:nvPr/>
         </p:nvPicPr>
         <p:blipFill>
-          <a:blip r:embed="rId3">
+          <a:blip r:embed="rId5">
             <a:extLst>
               <a:ext uri="{96DAC541-7B7A-43D3-8B79-37D633B846F1}">
-                <asvg:svgBlip xmlns:asvg="http://schemas.microsoft.com/office/drawing/2016/SVG/main" r:embed="rId4"/>
+                <asvg:svgBlip xmlns:asvg="http://schemas.microsoft.com/office/drawing/2016/SVG/main" r:embed="rId6"/>
               </a:ext>
             </a:extLst>
           </a:blip>
@@ -4838,7 +5128,7 @@
           <p:nvPr/>
         </p:nvPicPr>
         <p:blipFill>
-          <a:blip r:embed="rId5">
+          <a:blip r:embed="rId7">
             <a:extLst>
               <a:ext uri="{28A0092B-C50C-407E-A947-70E740481C1C}">
                 <a14:useLocalDpi xmlns:a14="http://schemas.microsoft.com/office/drawing/2010/main" val="0"/>
@@ -4896,7 +5186,7 @@
                 <a:latin typeface="Arial" panose="020B0604020202020204" pitchFamily="34" charset="0"/>
                 <a:cs typeface="Arial" panose="020B0604020202020204" pitchFamily="34" charset="0"/>
               </a:rPr>
-              <a:t>¿CÓMO?</a:t>
+              <a:t>Metodología</a:t>
             </a:r>
             <a:endParaRPr lang="en-GB" sz="4400" b="1" dirty="0">
               <a:solidFill>
@@ -4908,42 +5198,6 @@
           </a:p>
         </p:txBody>
       </p:sp>
-      <p:pic>
-        <p:nvPicPr>
-          <p:cNvPr id="13" name="Gráfico 12">
-            <a:extLst>
-              <a:ext uri="{FF2B5EF4-FFF2-40B4-BE49-F238E27FC236}">
-                <a16:creationId xmlns:a16="http://schemas.microsoft.com/office/drawing/2014/main" id="{A88FF3C4-4492-4CF3-933A-77B84A35F836}"/>
-              </a:ext>
-            </a:extLst>
-          </p:cNvPr>
-          <p:cNvPicPr>
-            <a:picLocks noChangeAspect="1"/>
-          </p:cNvPicPr>
-          <p:nvPr/>
-        </p:nvPicPr>
-        <p:blipFill>
-          <a:blip r:embed="rId6">
-            <a:extLst>
-              <a:ext uri="{96DAC541-7B7A-43D3-8B79-37D633B846F1}">
-                <asvg:svgBlip xmlns:asvg="http://schemas.microsoft.com/office/drawing/2016/SVG/main" r:embed="rId7"/>
-              </a:ext>
-            </a:extLst>
-          </a:blip>
-          <a:stretch>
-            <a:fillRect/>
-          </a:stretch>
-        </p:blipFill>
-        <p:spPr>
-          <a:xfrm>
-            <a:off x="1371600" y="3177784"/>
-            <a:ext cx="1234440" cy="1478858"/>
-          </a:xfrm>
-          <a:prstGeom prst="rect">
-            <a:avLst/>
-          </a:prstGeom>
-        </p:spPr>
-      </p:pic>
       <p:pic>
         <p:nvPicPr>
           <p:cNvPr id="8" name="Gráfico 7">
@@ -4984,6 +5238,1717 @@
     <p:extLst>
       <p:ext uri="{BB962C8B-B14F-4D97-AF65-F5344CB8AC3E}">
         <p14:creationId xmlns:p14="http://schemas.microsoft.com/office/powerpoint/2010/main" val="2716313617"/>
+      </p:ext>
+    </p:extLst>
+  </p:cSld>
+  <p:clrMapOvr>
+    <a:masterClrMapping/>
+  </p:clrMapOvr>
+</p:sld>
+</file>
+
+<file path=ppt/slides/slide5.xml><?xml version="1.0" encoding="utf-8"?>
+<p:sld xmlns:a="http://schemas.openxmlformats.org/drawingml/2006/main" xmlns:r="http://schemas.openxmlformats.org/officeDocument/2006/relationships" xmlns:p="http://schemas.openxmlformats.org/presentationml/2006/main">
+  <p:cSld>
+    <p:spTree>
+      <p:nvGrpSpPr>
+        <p:cNvPr id="1" name=""/>
+        <p:cNvGrpSpPr/>
+        <p:nvPr/>
+      </p:nvGrpSpPr>
+      <p:grpSpPr>
+        <a:xfrm>
+          <a:off x="0" y="0"/>
+          <a:ext cx="0" cy="0"/>
+          <a:chOff x="0" y="0"/>
+          <a:chExt cx="0" cy="0"/>
+        </a:xfrm>
+      </p:grpSpPr>
+      <p:sp>
+        <p:nvSpPr>
+          <p:cNvPr id="9" name="TextBox 8">
+            <a:extLst>
+              <a:ext uri="{FF2B5EF4-FFF2-40B4-BE49-F238E27FC236}">
+                <a16:creationId xmlns:a16="http://schemas.microsoft.com/office/drawing/2014/main" id="{0361965A-99CA-4F4E-ACD0-7087256D186D}"/>
+              </a:ext>
+            </a:extLst>
+          </p:cNvPr>
+          <p:cNvSpPr txBox="1"/>
+          <p:nvPr/>
+        </p:nvSpPr>
+        <p:spPr>
+          <a:xfrm>
+            <a:off x="9954229" y="6361063"/>
+            <a:ext cx="2037144" cy="276999"/>
+          </a:xfrm>
+          <a:prstGeom prst="rect">
+            <a:avLst/>
+          </a:prstGeom>
+          <a:solidFill>
+            <a:schemeClr val="tx1">
+              <a:lumMod val="95000"/>
+              <a:lumOff val="5000"/>
+            </a:schemeClr>
+          </a:solidFill>
+        </p:spPr>
+        <p:txBody>
+          <a:bodyPr wrap="square" rtlCol="0">
+            <a:spAutoFit/>
+          </a:bodyPr>
+          <a:lstStyle/>
+          <a:p>
+            <a:pPr algn="ctr">
+              <a:spcAft>
+                <a:spcPts val="600"/>
+              </a:spcAft>
+            </a:pPr>
+            <a:r>
+              <a:rPr lang="es-ES" sz="1200" b="1" dirty="0">
+                <a:solidFill>
+                  <a:schemeClr val="bg1"/>
+                </a:solidFill>
+                <a:latin typeface="Helvetica" panose="020B0604020202020204" pitchFamily="34" charset="0"/>
+                <a:cs typeface="Helvetica" panose="020B0604020202020204" pitchFamily="34" charset="0"/>
+              </a:rPr>
+              <a:t>Darío M. García Carretero</a:t>
+            </a:r>
+            <a:endParaRPr lang="en-GB" sz="1200" b="1" dirty="0">
+              <a:solidFill>
+                <a:schemeClr val="bg1"/>
+              </a:solidFill>
+              <a:latin typeface="Helvetica" panose="020B0604020202020204" pitchFamily="34" charset="0"/>
+              <a:cs typeface="Helvetica" panose="020B0604020202020204" pitchFamily="34" charset="0"/>
+            </a:endParaRPr>
+          </a:p>
+        </p:txBody>
+      </p:sp>
+      <p:sp>
+        <p:nvSpPr>
+          <p:cNvPr id="16" name="Rectangle 6">
+            <a:extLst>
+              <a:ext uri="{FF2B5EF4-FFF2-40B4-BE49-F238E27FC236}">
+                <a16:creationId xmlns:a16="http://schemas.microsoft.com/office/drawing/2014/main" id="{9EC5CB48-379E-4C4E-A901-CAD6EBA7ABD6}"/>
+              </a:ext>
+            </a:extLst>
+          </p:cNvPr>
+          <p:cNvSpPr/>
+          <p:nvPr/>
+        </p:nvSpPr>
+        <p:spPr>
+          <a:xfrm>
+            <a:off x="1049868" y="48859"/>
+            <a:ext cx="11069022" cy="1270639"/>
+          </a:xfrm>
+          <a:prstGeom prst="rect">
+            <a:avLst/>
+          </a:prstGeom>
+        </p:spPr>
+        <p:style>
+          <a:lnRef idx="2">
+            <a:schemeClr val="dk1">
+              <a:shade val="50000"/>
+            </a:schemeClr>
+          </a:lnRef>
+          <a:fillRef idx="1">
+            <a:schemeClr val="dk1"/>
+          </a:fillRef>
+          <a:effectRef idx="0">
+            <a:schemeClr val="dk1"/>
+          </a:effectRef>
+          <a:fontRef idx="minor">
+            <a:schemeClr val="lt1"/>
+          </a:fontRef>
+        </p:style>
+        <p:txBody>
+          <a:bodyPr rtlCol="0" anchor="ctr"/>
+          <a:lstStyle/>
+          <a:p>
+            <a:pPr algn="ctr"/>
+            <a:endParaRPr lang="en-GB" dirty="0"/>
+          </a:p>
+        </p:txBody>
+      </p:sp>
+      <p:pic>
+        <p:nvPicPr>
+          <p:cNvPr id="18" name="Picture 3" descr="A picture containing drawing&#10;&#10;Description automatically generated">
+            <a:extLst>
+              <a:ext uri="{FF2B5EF4-FFF2-40B4-BE49-F238E27FC236}">
+                <a16:creationId xmlns:a16="http://schemas.microsoft.com/office/drawing/2014/main" id="{2C509927-62F3-4DBC-9421-0218CB778A05}"/>
+              </a:ext>
+            </a:extLst>
+          </p:cNvPr>
+          <p:cNvPicPr>
+            <a:picLocks noChangeAspect="1"/>
+          </p:cNvPicPr>
+          <p:nvPr/>
+        </p:nvPicPr>
+        <p:blipFill>
+          <a:blip r:embed="rId3">
+            <a:extLst>
+              <a:ext uri="{28A0092B-C50C-407E-A947-70E740481C1C}">
+                <a14:useLocalDpi xmlns:a14="http://schemas.microsoft.com/office/drawing/2010/main" val="0"/>
+              </a:ext>
+            </a:extLst>
+          </a:blip>
+          <a:stretch>
+            <a:fillRect/>
+          </a:stretch>
+        </p:blipFill>
+        <p:spPr>
+          <a:xfrm>
+            <a:off x="73111" y="48859"/>
+            <a:ext cx="897733" cy="1287699"/>
+          </a:xfrm>
+          <a:prstGeom prst="rect">
+            <a:avLst/>
+          </a:prstGeom>
+        </p:spPr>
+      </p:pic>
+      <p:sp>
+        <p:nvSpPr>
+          <p:cNvPr id="19" name="TextBox 7">
+            <a:extLst>
+              <a:ext uri="{FF2B5EF4-FFF2-40B4-BE49-F238E27FC236}">
+                <a16:creationId xmlns:a16="http://schemas.microsoft.com/office/drawing/2014/main" id="{034445C9-B371-4D08-A6EF-240C6889BE14}"/>
+              </a:ext>
+            </a:extLst>
+          </p:cNvPr>
+          <p:cNvSpPr txBox="1"/>
+          <p:nvPr/>
+        </p:nvSpPr>
+        <p:spPr>
+          <a:xfrm>
+            <a:off x="561490" y="307987"/>
+            <a:ext cx="11069020" cy="769441"/>
+          </a:xfrm>
+          <a:prstGeom prst="rect">
+            <a:avLst/>
+          </a:prstGeom>
+          <a:noFill/>
+        </p:spPr>
+        <p:txBody>
+          <a:bodyPr wrap="square" rtlCol="0">
+            <a:spAutoFit/>
+          </a:bodyPr>
+          <a:lstStyle/>
+          <a:p>
+            <a:pPr algn="ctr"/>
+            <a:r>
+              <a:rPr lang="en-US" sz="4400" b="1" dirty="0">
+                <a:solidFill>
+                  <a:schemeClr val="bg1"/>
+                </a:solidFill>
+                <a:latin typeface="Arial" panose="020B0604020202020204" pitchFamily="34" charset="0"/>
+                <a:cs typeface="Arial" panose="020B0604020202020204" pitchFamily="34" charset="0"/>
+              </a:rPr>
+              <a:t>Machine Learning (ML)</a:t>
+            </a:r>
+          </a:p>
+        </p:txBody>
+      </p:sp>
+      <p:pic>
+        <p:nvPicPr>
+          <p:cNvPr id="14" name="Gráfico 13">
+            <a:extLst>
+              <a:ext uri="{FF2B5EF4-FFF2-40B4-BE49-F238E27FC236}">
+                <a16:creationId xmlns:a16="http://schemas.microsoft.com/office/drawing/2014/main" id="{97C19E71-345C-475A-8B42-F0E217012A8B}"/>
+              </a:ext>
+            </a:extLst>
+          </p:cNvPr>
+          <p:cNvPicPr>
+            <a:picLocks noChangeAspect="1"/>
+          </p:cNvPicPr>
+          <p:nvPr/>
+        </p:nvPicPr>
+        <p:blipFill>
+          <a:blip r:embed="rId4">
+            <a:extLst>
+              <a:ext uri="{96DAC541-7B7A-43D3-8B79-37D633B846F1}">
+                <asvg:svgBlip xmlns:asvg="http://schemas.microsoft.com/office/drawing/2016/SVG/main" r:embed="rId5"/>
+              </a:ext>
+            </a:extLst>
+          </a:blip>
+          <a:stretch>
+            <a:fillRect/>
+          </a:stretch>
+        </p:blipFill>
+        <p:spPr>
+          <a:xfrm>
+            <a:off x="73110" y="1688607"/>
+            <a:ext cx="4241789" cy="4327264"/>
+          </a:xfrm>
+          <a:prstGeom prst="rect">
+            <a:avLst/>
+          </a:prstGeom>
+        </p:spPr>
+      </p:pic>
+      <p:sp>
+        <p:nvSpPr>
+          <p:cNvPr id="20" name="Rectángulo 19">
+            <a:extLst>
+              <a:ext uri="{FF2B5EF4-FFF2-40B4-BE49-F238E27FC236}">
+                <a16:creationId xmlns:a16="http://schemas.microsoft.com/office/drawing/2014/main" id="{C04EAA28-C98E-4885-8640-BD7518C8C80C}"/>
+              </a:ext>
+            </a:extLst>
+          </p:cNvPr>
+          <p:cNvSpPr/>
+          <p:nvPr/>
+        </p:nvSpPr>
+        <p:spPr>
+          <a:xfrm>
+            <a:off x="4470400" y="1598398"/>
+            <a:ext cx="7648490" cy="2369880"/>
+          </a:xfrm>
+          <a:prstGeom prst="rect">
+            <a:avLst/>
+          </a:prstGeom>
+          <a:solidFill>
+            <a:schemeClr val="tx1"/>
+          </a:solidFill>
+          <a:ln>
+            <a:noFill/>
+          </a:ln>
+        </p:spPr>
+        <p:txBody>
+          <a:bodyPr wrap="square">
+            <a:spAutoFit/>
+          </a:bodyPr>
+          <a:lstStyle/>
+          <a:p>
+            <a:r>
+              <a:rPr lang="es-ES" sz="2800" b="1" dirty="0">
+                <a:solidFill>
+                  <a:schemeClr val="bg1"/>
+                </a:solidFill>
+                <a:latin typeface="Arial" panose="020B0604020202020204" pitchFamily="34" charset="0"/>
+                <a:cs typeface="Arial" panose="020B0604020202020204" pitchFamily="34" charset="0"/>
+              </a:rPr>
+              <a:t>¿Qué es el </a:t>
+            </a:r>
+            <a:r>
+              <a:rPr lang="en-US" sz="2800" b="1" dirty="0">
+                <a:solidFill>
+                  <a:schemeClr val="bg1"/>
+                </a:solidFill>
+                <a:latin typeface="Arial" panose="020B0604020202020204" pitchFamily="34" charset="0"/>
+                <a:cs typeface="Arial" panose="020B0604020202020204" pitchFamily="34" charset="0"/>
+              </a:rPr>
+              <a:t>Machine Learning</a:t>
+            </a:r>
+            <a:r>
+              <a:rPr lang="es-ES" sz="2800" b="1" dirty="0">
+                <a:solidFill>
+                  <a:schemeClr val="bg1"/>
+                </a:solidFill>
+                <a:latin typeface="Arial" panose="020B0604020202020204" pitchFamily="34" charset="0"/>
+                <a:cs typeface="Arial" panose="020B0604020202020204" pitchFamily="34" charset="0"/>
+              </a:rPr>
+              <a:t>?</a:t>
+            </a:r>
+          </a:p>
+          <a:p>
+            <a:endParaRPr lang="es-ES" sz="2000" dirty="0">
+              <a:latin typeface="Arial" panose="020B0604020202020204" pitchFamily="34" charset="0"/>
+              <a:cs typeface="Arial" panose="020B0604020202020204" pitchFamily="34" charset="0"/>
+            </a:endParaRPr>
+          </a:p>
+          <a:p>
+            <a:r>
+              <a:rPr lang="es-ES" sz="2000" dirty="0">
+                <a:solidFill>
+                  <a:schemeClr val="bg1"/>
+                </a:solidFill>
+                <a:latin typeface="Arial" panose="020B0604020202020204" pitchFamily="34" charset="0"/>
+                <a:cs typeface="Arial" panose="020B0604020202020204" pitchFamily="34" charset="0"/>
+              </a:rPr>
+              <a:t>El </a:t>
+            </a:r>
+            <a:r>
+              <a:rPr lang="en-US" sz="2000" dirty="0">
+                <a:solidFill>
+                  <a:schemeClr val="bg1"/>
+                </a:solidFill>
+                <a:latin typeface="Arial" panose="020B0604020202020204" pitchFamily="34" charset="0"/>
+                <a:cs typeface="Arial" panose="020B0604020202020204" pitchFamily="34" charset="0"/>
+              </a:rPr>
+              <a:t>Machine Learning </a:t>
+            </a:r>
+            <a:r>
+              <a:rPr lang="es-ES" sz="2000" dirty="0">
+                <a:solidFill>
+                  <a:schemeClr val="bg1"/>
+                </a:solidFill>
+                <a:latin typeface="Arial" panose="020B0604020202020204" pitchFamily="34" charset="0"/>
+                <a:cs typeface="Arial" panose="020B0604020202020204" pitchFamily="34" charset="0"/>
+              </a:rPr>
+              <a:t>(aprendizaje automático) es un subcampo de la computación y una rama de la inteligencia artificial, cuyo objetivo es crear programas capaces de generalizar comportamientos de la información suministrada en forma de ejemplos.</a:t>
+            </a:r>
+          </a:p>
+        </p:txBody>
+      </p:sp>
+      <p:sp>
+        <p:nvSpPr>
+          <p:cNvPr id="21" name="Rectángulo 20">
+            <a:extLst>
+              <a:ext uri="{FF2B5EF4-FFF2-40B4-BE49-F238E27FC236}">
+                <a16:creationId xmlns:a16="http://schemas.microsoft.com/office/drawing/2014/main" id="{6B64E4AE-96FD-4B06-A492-28B7A55B7996}"/>
+              </a:ext>
+            </a:extLst>
+          </p:cNvPr>
+          <p:cNvSpPr/>
+          <p:nvPr/>
+        </p:nvSpPr>
+        <p:spPr>
+          <a:xfrm>
+            <a:off x="4470400" y="4133619"/>
+            <a:ext cx="7648490" cy="2062103"/>
+          </a:xfrm>
+          <a:prstGeom prst="rect">
+            <a:avLst/>
+          </a:prstGeom>
+          <a:solidFill>
+            <a:schemeClr val="tx1"/>
+          </a:solidFill>
+          <a:ln>
+            <a:noFill/>
+          </a:ln>
+        </p:spPr>
+        <p:txBody>
+          <a:bodyPr wrap="square">
+            <a:spAutoFit/>
+          </a:bodyPr>
+          <a:lstStyle/>
+          <a:p>
+            <a:r>
+              <a:rPr kumimoji="0" lang="es-ES" altLang="es-ES" sz="2800" b="1" i="0" u="none" strike="noStrike" cap="none" normalizeH="0" baseline="0" dirty="0">
+                <a:ln>
+                  <a:noFill/>
+                </a:ln>
+                <a:solidFill>
+                  <a:schemeClr val="bg1"/>
+                </a:solidFill>
+                <a:effectLst/>
+                <a:latin typeface="Arial" panose="020B0604020202020204" pitchFamily="34" charset="0"/>
+                <a:cs typeface="Arial" panose="020B0604020202020204" pitchFamily="34" charset="0"/>
+              </a:rPr>
+              <a:t>¿Qué puede por nosotros?</a:t>
+            </a:r>
+          </a:p>
+          <a:p>
+            <a:endParaRPr lang="es-ES" sz="2000" b="1" dirty="0">
+              <a:solidFill>
+                <a:schemeClr val="bg1"/>
+              </a:solidFill>
+              <a:latin typeface="Arial" panose="020B0604020202020204" pitchFamily="34" charset="0"/>
+              <a:cs typeface="Arial" panose="020B0604020202020204" pitchFamily="34" charset="0"/>
+            </a:endParaRPr>
+          </a:p>
+          <a:p>
+            <a:r>
+              <a:rPr lang="es-ES" sz="2000" dirty="0">
+                <a:solidFill>
+                  <a:schemeClr val="bg1"/>
+                </a:solidFill>
+                <a:latin typeface="Arial" panose="020B0604020202020204" pitchFamily="34" charset="0"/>
+                <a:cs typeface="Arial" panose="020B0604020202020204" pitchFamily="34" charset="0"/>
+              </a:rPr>
+              <a:t>El </a:t>
+            </a:r>
+            <a:r>
+              <a:rPr lang="en-US" sz="2000" dirty="0">
+                <a:solidFill>
+                  <a:schemeClr val="bg1"/>
+                </a:solidFill>
+                <a:latin typeface="Arial" panose="020B0604020202020204" pitchFamily="34" charset="0"/>
+                <a:cs typeface="Arial" panose="020B0604020202020204" pitchFamily="34" charset="0"/>
+              </a:rPr>
+              <a:t>Machine Learning</a:t>
+            </a:r>
+            <a:r>
+              <a:rPr lang="es-ES" sz="2000" dirty="0">
+                <a:solidFill>
+                  <a:schemeClr val="bg1"/>
+                </a:solidFill>
+                <a:latin typeface="Arial" panose="020B0604020202020204" pitchFamily="34" charset="0"/>
+                <a:cs typeface="Arial" panose="020B0604020202020204" pitchFamily="34" charset="0"/>
+              </a:rPr>
+              <a:t> tiene un gran variedad de aplicaciones, incluyendo motores de búsqueda, diagnóstico médico, detección de fraude en el uso de tarjetas de crédito, clasificación de secuencias de ADN, videojuegos, etc.</a:t>
+            </a:r>
+          </a:p>
+        </p:txBody>
+      </p:sp>
+    </p:spTree>
+    <p:extLst>
+      <p:ext uri="{BB962C8B-B14F-4D97-AF65-F5344CB8AC3E}">
+        <p14:creationId xmlns:p14="http://schemas.microsoft.com/office/powerpoint/2010/main" val="678145551"/>
+      </p:ext>
+    </p:extLst>
+  </p:cSld>
+  <p:clrMapOvr>
+    <a:masterClrMapping/>
+  </p:clrMapOvr>
+</p:sld>
+</file>
+
+<file path=ppt/slides/slide6.xml><?xml version="1.0" encoding="utf-8"?>
+<p:sld xmlns:a="http://schemas.openxmlformats.org/drawingml/2006/main" xmlns:r="http://schemas.openxmlformats.org/officeDocument/2006/relationships" xmlns:p="http://schemas.openxmlformats.org/presentationml/2006/main">
+  <p:cSld>
+    <p:spTree>
+      <p:nvGrpSpPr>
+        <p:cNvPr id="1" name=""/>
+        <p:cNvGrpSpPr/>
+        <p:nvPr/>
+      </p:nvGrpSpPr>
+      <p:grpSpPr>
+        <a:xfrm>
+          <a:off x="0" y="0"/>
+          <a:ext cx="0" cy="0"/>
+          <a:chOff x="0" y="0"/>
+          <a:chExt cx="0" cy="0"/>
+        </a:xfrm>
+      </p:grpSpPr>
+      <p:sp>
+        <p:nvSpPr>
+          <p:cNvPr id="9" name="TextBox 8">
+            <a:extLst>
+              <a:ext uri="{FF2B5EF4-FFF2-40B4-BE49-F238E27FC236}">
+                <a16:creationId xmlns:a16="http://schemas.microsoft.com/office/drawing/2014/main" id="{0361965A-99CA-4F4E-ACD0-7087256D186D}"/>
+              </a:ext>
+            </a:extLst>
+          </p:cNvPr>
+          <p:cNvSpPr txBox="1"/>
+          <p:nvPr/>
+        </p:nvSpPr>
+        <p:spPr>
+          <a:xfrm>
+            <a:off x="9954229" y="6361063"/>
+            <a:ext cx="2037144" cy="276999"/>
+          </a:xfrm>
+          <a:prstGeom prst="rect">
+            <a:avLst/>
+          </a:prstGeom>
+          <a:solidFill>
+            <a:schemeClr val="tx1">
+              <a:lumMod val="95000"/>
+              <a:lumOff val="5000"/>
+            </a:schemeClr>
+          </a:solidFill>
+        </p:spPr>
+        <p:txBody>
+          <a:bodyPr wrap="square" rtlCol="0">
+            <a:spAutoFit/>
+          </a:bodyPr>
+          <a:lstStyle/>
+          <a:p>
+            <a:pPr algn="ctr">
+              <a:spcAft>
+                <a:spcPts val="600"/>
+              </a:spcAft>
+            </a:pPr>
+            <a:r>
+              <a:rPr lang="es-ES" sz="1200" b="1" dirty="0">
+                <a:solidFill>
+                  <a:schemeClr val="bg1"/>
+                </a:solidFill>
+                <a:latin typeface="Helvetica" panose="020B0604020202020204" pitchFamily="34" charset="0"/>
+                <a:cs typeface="Helvetica" panose="020B0604020202020204" pitchFamily="34" charset="0"/>
+              </a:rPr>
+              <a:t>Darío M. García Carretero</a:t>
+            </a:r>
+            <a:endParaRPr lang="en-GB" sz="1200" b="1" dirty="0">
+              <a:solidFill>
+                <a:schemeClr val="bg1"/>
+              </a:solidFill>
+              <a:latin typeface="Helvetica" panose="020B0604020202020204" pitchFamily="34" charset="0"/>
+              <a:cs typeface="Helvetica" panose="020B0604020202020204" pitchFamily="34" charset="0"/>
+            </a:endParaRPr>
+          </a:p>
+        </p:txBody>
+      </p:sp>
+      <p:sp>
+        <p:nvSpPr>
+          <p:cNvPr id="16" name="Rectangle 6">
+            <a:extLst>
+              <a:ext uri="{FF2B5EF4-FFF2-40B4-BE49-F238E27FC236}">
+                <a16:creationId xmlns:a16="http://schemas.microsoft.com/office/drawing/2014/main" id="{9EC5CB48-379E-4C4E-A901-CAD6EBA7ABD6}"/>
+              </a:ext>
+            </a:extLst>
+          </p:cNvPr>
+          <p:cNvSpPr/>
+          <p:nvPr/>
+        </p:nvSpPr>
+        <p:spPr>
+          <a:xfrm>
+            <a:off x="1049868" y="48859"/>
+            <a:ext cx="11069022" cy="1270639"/>
+          </a:xfrm>
+          <a:prstGeom prst="rect">
+            <a:avLst/>
+          </a:prstGeom>
+        </p:spPr>
+        <p:style>
+          <a:lnRef idx="2">
+            <a:schemeClr val="dk1">
+              <a:shade val="50000"/>
+            </a:schemeClr>
+          </a:lnRef>
+          <a:fillRef idx="1">
+            <a:schemeClr val="dk1"/>
+          </a:fillRef>
+          <a:effectRef idx="0">
+            <a:schemeClr val="dk1"/>
+          </a:effectRef>
+          <a:fontRef idx="minor">
+            <a:schemeClr val="lt1"/>
+          </a:fontRef>
+        </p:style>
+        <p:txBody>
+          <a:bodyPr rtlCol="0" anchor="ctr"/>
+          <a:lstStyle/>
+          <a:p>
+            <a:pPr algn="ctr"/>
+            <a:endParaRPr lang="en-GB" dirty="0"/>
+          </a:p>
+        </p:txBody>
+      </p:sp>
+      <p:pic>
+        <p:nvPicPr>
+          <p:cNvPr id="18" name="Picture 3" descr="A picture containing drawing&#10;&#10;Description automatically generated">
+            <a:extLst>
+              <a:ext uri="{FF2B5EF4-FFF2-40B4-BE49-F238E27FC236}">
+                <a16:creationId xmlns:a16="http://schemas.microsoft.com/office/drawing/2014/main" id="{2C509927-62F3-4DBC-9421-0218CB778A05}"/>
+              </a:ext>
+            </a:extLst>
+          </p:cNvPr>
+          <p:cNvPicPr>
+            <a:picLocks noChangeAspect="1"/>
+          </p:cNvPicPr>
+          <p:nvPr/>
+        </p:nvPicPr>
+        <p:blipFill>
+          <a:blip r:embed="rId3">
+            <a:extLst>
+              <a:ext uri="{28A0092B-C50C-407E-A947-70E740481C1C}">
+                <a14:useLocalDpi xmlns:a14="http://schemas.microsoft.com/office/drawing/2010/main" val="0"/>
+              </a:ext>
+            </a:extLst>
+          </a:blip>
+          <a:stretch>
+            <a:fillRect/>
+          </a:stretch>
+        </p:blipFill>
+        <p:spPr>
+          <a:xfrm>
+            <a:off x="73111" y="48859"/>
+            <a:ext cx="897733" cy="1287699"/>
+          </a:xfrm>
+          <a:prstGeom prst="rect">
+            <a:avLst/>
+          </a:prstGeom>
+        </p:spPr>
+      </p:pic>
+      <p:sp>
+        <p:nvSpPr>
+          <p:cNvPr id="19" name="TextBox 7">
+            <a:extLst>
+              <a:ext uri="{FF2B5EF4-FFF2-40B4-BE49-F238E27FC236}">
+                <a16:creationId xmlns:a16="http://schemas.microsoft.com/office/drawing/2014/main" id="{034445C9-B371-4D08-A6EF-240C6889BE14}"/>
+              </a:ext>
+            </a:extLst>
+          </p:cNvPr>
+          <p:cNvSpPr txBox="1"/>
+          <p:nvPr/>
+        </p:nvSpPr>
+        <p:spPr>
+          <a:xfrm>
+            <a:off x="561489" y="307987"/>
+            <a:ext cx="11429883" cy="769441"/>
+          </a:xfrm>
+          <a:prstGeom prst="rect">
+            <a:avLst/>
+          </a:prstGeom>
+          <a:noFill/>
+        </p:spPr>
+        <p:txBody>
+          <a:bodyPr wrap="square" rtlCol="0">
+            <a:spAutoFit/>
+          </a:bodyPr>
+          <a:lstStyle/>
+          <a:p>
+            <a:pPr algn="ctr"/>
+            <a:r>
+              <a:rPr lang="es-ES" sz="4400" b="1" dirty="0">
+                <a:solidFill>
+                  <a:schemeClr val="bg1"/>
+                </a:solidFill>
+                <a:latin typeface="Arial" panose="020B0604020202020204" pitchFamily="34" charset="0"/>
+                <a:cs typeface="Arial" panose="020B0604020202020204" pitchFamily="34" charset="0"/>
+              </a:rPr>
+              <a:t>ML, ¿Cómo funciona?</a:t>
+            </a:r>
+            <a:endParaRPr lang="en-GB" sz="4400" b="1" dirty="0">
+              <a:solidFill>
+                <a:schemeClr val="bg1"/>
+              </a:solidFill>
+              <a:latin typeface="Arial" panose="020B0604020202020204" pitchFamily="34" charset="0"/>
+              <a:cs typeface="Arial" panose="020B0604020202020204" pitchFamily="34" charset="0"/>
+            </a:endParaRPr>
+          </a:p>
+        </p:txBody>
+      </p:sp>
+      <p:sp>
+        <p:nvSpPr>
+          <p:cNvPr id="20" name="Rectángulo 19">
+            <a:extLst>
+              <a:ext uri="{FF2B5EF4-FFF2-40B4-BE49-F238E27FC236}">
+                <a16:creationId xmlns:a16="http://schemas.microsoft.com/office/drawing/2014/main" id="{C04EAA28-C98E-4885-8640-BD7518C8C80C}"/>
+              </a:ext>
+            </a:extLst>
+          </p:cNvPr>
+          <p:cNvSpPr/>
+          <p:nvPr/>
+        </p:nvSpPr>
+        <p:spPr>
+          <a:xfrm>
+            <a:off x="4470400" y="1723951"/>
+            <a:ext cx="7648490" cy="1938992"/>
+          </a:xfrm>
+          <a:prstGeom prst="rect">
+            <a:avLst/>
+          </a:prstGeom>
+          <a:solidFill>
+            <a:schemeClr val="tx1"/>
+          </a:solidFill>
+          <a:ln>
+            <a:noFill/>
+          </a:ln>
+        </p:spPr>
+        <p:txBody>
+          <a:bodyPr wrap="square">
+            <a:spAutoFit/>
+          </a:bodyPr>
+          <a:lstStyle/>
+          <a:p>
+            <a:r>
+              <a:rPr lang="es-ES" sz="2000" dirty="0">
+                <a:solidFill>
+                  <a:schemeClr val="bg1"/>
+                </a:solidFill>
+                <a:latin typeface="Arial" panose="020B0604020202020204" pitchFamily="34" charset="0"/>
+                <a:cs typeface="Arial" panose="020B0604020202020204" pitchFamily="34" charset="0"/>
+              </a:rPr>
+              <a:t>Si le enseñamos a un niño por primera vez el dibujo de un pez este no reconocerá el objeto por que nunca ha visto algo similar. Si le explicamos de que se trata, la próxima vez que vea un pez, el niño reconocerá inmediatamente al animal. Esto sucede debido a que de forma inconsciente, el cerebro del chico ha almacenado las características del animal (aletas, cola, escamas, etc.)</a:t>
+            </a:r>
+          </a:p>
+        </p:txBody>
+      </p:sp>
+      <p:sp>
+        <p:nvSpPr>
+          <p:cNvPr id="21" name="Rectángulo 20">
+            <a:extLst>
+              <a:ext uri="{FF2B5EF4-FFF2-40B4-BE49-F238E27FC236}">
+                <a16:creationId xmlns:a16="http://schemas.microsoft.com/office/drawing/2014/main" id="{6B64E4AE-96FD-4B06-A492-28B7A55B7996}"/>
+              </a:ext>
+            </a:extLst>
+          </p:cNvPr>
+          <p:cNvSpPr/>
+          <p:nvPr/>
+        </p:nvSpPr>
+        <p:spPr>
+          <a:xfrm>
+            <a:off x="73111" y="4105446"/>
+            <a:ext cx="7364695" cy="1938992"/>
+          </a:xfrm>
+          <a:prstGeom prst="rect">
+            <a:avLst/>
+          </a:prstGeom>
+          <a:solidFill>
+            <a:schemeClr val="tx1"/>
+          </a:solidFill>
+          <a:ln>
+            <a:noFill/>
+          </a:ln>
+        </p:spPr>
+        <p:txBody>
+          <a:bodyPr wrap="square">
+            <a:spAutoFit/>
+          </a:bodyPr>
+          <a:lstStyle/>
+          <a:p>
+            <a:r>
+              <a:rPr lang="es-ES" sz="2000" dirty="0">
+                <a:solidFill>
+                  <a:schemeClr val="bg1"/>
+                </a:solidFill>
+                <a:latin typeface="Arial" panose="020B0604020202020204" pitchFamily="34" charset="0"/>
+                <a:cs typeface="Arial" panose="020B0604020202020204" pitchFamily="34" charset="0"/>
+              </a:rPr>
+              <a:t>El aprendizaje automático funciona, en la mayoría de los casos, de forma análoga. Al modelo (el niño) se le suministra un conjunto de datos cuyas etiquetas son conocidas (pez o no pez) y el modelo “aprende” a reconocer patrones en los datos. Posteriormente ese modelo, gracias a la generalización, será capaz de reconocer peces cuando se los encuentre.</a:t>
+            </a:r>
+          </a:p>
+        </p:txBody>
+      </p:sp>
+      <p:pic>
+        <p:nvPicPr>
+          <p:cNvPr id="10" name="Imagen 9">
+            <a:extLst>
+              <a:ext uri="{FF2B5EF4-FFF2-40B4-BE49-F238E27FC236}">
+                <a16:creationId xmlns:a16="http://schemas.microsoft.com/office/drawing/2014/main" id="{D6870FB4-6C24-46C3-BABB-AB1E5334D1C9}"/>
+              </a:ext>
+            </a:extLst>
+          </p:cNvPr>
+          <p:cNvPicPr>
+            <a:picLocks noChangeAspect="1"/>
+          </p:cNvPicPr>
+          <p:nvPr/>
+        </p:nvPicPr>
+        <p:blipFill>
+          <a:blip r:embed="rId4"/>
+          <a:stretch>
+            <a:fillRect/>
+          </a:stretch>
+        </p:blipFill>
+        <p:spPr>
+          <a:xfrm>
+            <a:off x="2259375" y="2411273"/>
+            <a:ext cx="1810454" cy="664268"/>
+          </a:xfrm>
+          <a:prstGeom prst="rect">
+            <a:avLst/>
+          </a:prstGeom>
+        </p:spPr>
+      </p:pic>
+      <p:sp>
+        <p:nvSpPr>
+          <p:cNvPr id="12" name="CuadroTexto 11">
+            <a:extLst>
+              <a:ext uri="{FF2B5EF4-FFF2-40B4-BE49-F238E27FC236}">
+                <a16:creationId xmlns:a16="http://schemas.microsoft.com/office/drawing/2014/main" id="{8C5DBE6F-6276-4EB8-9D0B-8BE23E88E138}"/>
+              </a:ext>
+            </a:extLst>
+          </p:cNvPr>
+          <p:cNvSpPr txBox="1"/>
+          <p:nvPr/>
+        </p:nvSpPr>
+        <p:spPr>
+          <a:xfrm>
+            <a:off x="3851156" y="2327909"/>
+            <a:ext cx="438720" cy="830997"/>
+          </a:xfrm>
+          <a:prstGeom prst="rect">
+            <a:avLst/>
+          </a:prstGeom>
+          <a:noFill/>
+        </p:spPr>
+        <p:txBody>
+          <a:bodyPr wrap="square" rtlCol="0">
+            <a:spAutoFit/>
+          </a:bodyPr>
+          <a:lstStyle/>
+          <a:p>
+            <a:r>
+              <a:rPr lang="en-US" sz="4800" b="1" dirty="0">
+                <a:latin typeface="Arial" panose="020B0604020202020204" pitchFamily="34" charset="0"/>
+                <a:cs typeface="Arial" panose="020B0604020202020204" pitchFamily="34" charset="0"/>
+              </a:rPr>
+              <a:t>?</a:t>
+            </a:r>
+          </a:p>
+        </p:txBody>
+      </p:sp>
+      <p:pic>
+        <p:nvPicPr>
+          <p:cNvPr id="15" name="Imagen 14">
+            <a:extLst>
+              <a:ext uri="{FF2B5EF4-FFF2-40B4-BE49-F238E27FC236}">
+                <a16:creationId xmlns:a16="http://schemas.microsoft.com/office/drawing/2014/main" id="{34635023-F727-4011-9DDF-8C0321F72362}"/>
+              </a:ext>
+            </a:extLst>
+          </p:cNvPr>
+          <p:cNvPicPr>
+            <a:picLocks noChangeAspect="1"/>
+          </p:cNvPicPr>
+          <p:nvPr/>
+        </p:nvPicPr>
+        <p:blipFill>
+          <a:blip r:embed="rId5"/>
+          <a:stretch>
+            <a:fillRect/>
+          </a:stretch>
+        </p:blipFill>
+        <p:spPr>
+          <a:xfrm>
+            <a:off x="9710963" y="4121490"/>
+            <a:ext cx="1303947" cy="456617"/>
+          </a:xfrm>
+          <a:prstGeom prst="rect">
+            <a:avLst/>
+          </a:prstGeom>
+          <a:solidFill>
+            <a:srgbClr val="FF0000"/>
+          </a:solidFill>
+        </p:spPr>
+      </p:pic>
+      <p:pic>
+        <p:nvPicPr>
+          <p:cNvPr id="22" name="Imagen 21">
+            <a:extLst>
+              <a:ext uri="{FF2B5EF4-FFF2-40B4-BE49-F238E27FC236}">
+                <a16:creationId xmlns:a16="http://schemas.microsoft.com/office/drawing/2014/main" id="{42EB375A-3989-4AA9-8186-C7337F15CDD3}"/>
+              </a:ext>
+            </a:extLst>
+          </p:cNvPr>
+          <p:cNvPicPr>
+            <a:picLocks noChangeAspect="1"/>
+          </p:cNvPicPr>
+          <p:nvPr/>
+        </p:nvPicPr>
+        <p:blipFill>
+          <a:blip r:embed="rId6"/>
+          <a:stretch>
+            <a:fillRect/>
+          </a:stretch>
+        </p:blipFill>
+        <p:spPr>
+          <a:xfrm>
+            <a:off x="9932779" y="5170165"/>
+            <a:ext cx="954958" cy="758348"/>
+          </a:xfrm>
+          <a:prstGeom prst="rect">
+            <a:avLst/>
+          </a:prstGeom>
+        </p:spPr>
+      </p:pic>
+      <p:pic>
+        <p:nvPicPr>
+          <p:cNvPr id="23" name="Gráfico 22">
+            <a:extLst>
+              <a:ext uri="{FF2B5EF4-FFF2-40B4-BE49-F238E27FC236}">
+                <a16:creationId xmlns:a16="http://schemas.microsoft.com/office/drawing/2014/main" id="{7DFD6E55-55CF-4D4B-9B60-F5FA904DA8F1}"/>
+              </a:ext>
+            </a:extLst>
+          </p:cNvPr>
+          <p:cNvPicPr>
+            <a:picLocks noChangeAspect="1"/>
+          </p:cNvPicPr>
+          <p:nvPr/>
+        </p:nvPicPr>
+        <p:blipFill>
+          <a:blip r:embed="rId7">
+            <a:extLst>
+              <a:ext uri="{96DAC541-7B7A-43D3-8B79-37D633B846F1}">
+                <asvg:svgBlip xmlns:asvg="http://schemas.microsoft.com/office/drawing/2016/SVG/main" r:embed="rId8"/>
+              </a:ext>
+            </a:extLst>
+          </a:blip>
+          <a:stretch>
+            <a:fillRect/>
+          </a:stretch>
+        </p:blipFill>
+        <p:spPr>
+          <a:xfrm>
+            <a:off x="11298302" y="4263645"/>
+            <a:ext cx="314462" cy="314462"/>
+          </a:xfrm>
+          <a:prstGeom prst="rect">
+            <a:avLst/>
+          </a:prstGeom>
+        </p:spPr>
+      </p:pic>
+      <p:pic>
+        <p:nvPicPr>
+          <p:cNvPr id="24" name="Gráfico 23">
+            <a:extLst>
+              <a:ext uri="{FF2B5EF4-FFF2-40B4-BE49-F238E27FC236}">
+                <a16:creationId xmlns:a16="http://schemas.microsoft.com/office/drawing/2014/main" id="{813458DF-47D1-47A5-AE28-C16E4CD50260}"/>
+              </a:ext>
+            </a:extLst>
+          </p:cNvPr>
+          <p:cNvPicPr>
+            <a:picLocks noChangeAspect="1"/>
+          </p:cNvPicPr>
+          <p:nvPr/>
+        </p:nvPicPr>
+        <p:blipFill>
+          <a:blip r:embed="rId7">
+            <a:extLst>
+              <a:ext uri="{96DAC541-7B7A-43D3-8B79-37D633B846F1}">
+                <asvg:svgBlip xmlns:asvg="http://schemas.microsoft.com/office/drawing/2016/SVG/main" r:embed="rId8"/>
+              </a:ext>
+            </a:extLst>
+          </a:blip>
+          <a:stretch>
+            <a:fillRect/>
+          </a:stretch>
+        </p:blipFill>
+        <p:spPr>
+          <a:xfrm>
+            <a:off x="11298302" y="4820435"/>
+            <a:ext cx="314462" cy="314462"/>
+          </a:xfrm>
+          <a:prstGeom prst="rect">
+            <a:avLst/>
+          </a:prstGeom>
+        </p:spPr>
+      </p:pic>
+      <p:pic>
+        <p:nvPicPr>
+          <p:cNvPr id="2" name="Gráfico 1">
+            <a:extLst>
+              <a:ext uri="{FF2B5EF4-FFF2-40B4-BE49-F238E27FC236}">
+                <a16:creationId xmlns:a16="http://schemas.microsoft.com/office/drawing/2014/main" id="{3651E713-2EC5-44E5-ABB1-E9A20AB0FCCD}"/>
+              </a:ext>
+            </a:extLst>
+          </p:cNvPr>
+          <p:cNvPicPr>
+            <a:picLocks noChangeAspect="1"/>
+          </p:cNvPicPr>
+          <p:nvPr/>
+        </p:nvPicPr>
+        <p:blipFill>
+          <a:blip r:embed="rId9">
+            <a:extLst>
+              <a:ext uri="{96DAC541-7B7A-43D3-8B79-37D633B846F1}">
+                <asvg:svgBlip xmlns:asvg="http://schemas.microsoft.com/office/drawing/2016/SVG/main" r:embed="rId10"/>
+              </a:ext>
+            </a:extLst>
+          </a:blip>
+          <a:stretch>
+            <a:fillRect/>
+          </a:stretch>
+        </p:blipFill>
+        <p:spPr>
+          <a:xfrm>
+            <a:off x="11298302" y="5377225"/>
+            <a:ext cx="314462" cy="314462"/>
+          </a:xfrm>
+          <a:prstGeom prst="rect">
+            <a:avLst/>
+          </a:prstGeom>
+        </p:spPr>
+      </p:pic>
+      <p:sp>
+        <p:nvSpPr>
+          <p:cNvPr id="26" name="CuadroTexto 25">
+            <a:extLst>
+              <a:ext uri="{FF2B5EF4-FFF2-40B4-BE49-F238E27FC236}">
+                <a16:creationId xmlns:a16="http://schemas.microsoft.com/office/drawing/2014/main" id="{5EDD7B92-EE03-430B-B3C7-BD803C3C3AA8}"/>
+              </a:ext>
+            </a:extLst>
+          </p:cNvPr>
+          <p:cNvSpPr txBox="1"/>
+          <p:nvPr/>
+        </p:nvSpPr>
+        <p:spPr>
+          <a:xfrm>
+            <a:off x="1861528" y="2327909"/>
+            <a:ext cx="438720" cy="830997"/>
+          </a:xfrm>
+          <a:prstGeom prst="rect">
+            <a:avLst/>
+          </a:prstGeom>
+          <a:noFill/>
+        </p:spPr>
+        <p:txBody>
+          <a:bodyPr wrap="square" rtlCol="0">
+            <a:spAutoFit/>
+          </a:bodyPr>
+          <a:lstStyle/>
+          <a:p>
+            <a:r>
+              <a:rPr lang="en-US" sz="4800" b="1" dirty="0">
+                <a:latin typeface="Arial" panose="020B0604020202020204" pitchFamily="34" charset="0"/>
+                <a:cs typeface="Arial" panose="020B0604020202020204" pitchFamily="34" charset="0"/>
+              </a:rPr>
+              <a:t>¿</a:t>
+            </a:r>
+          </a:p>
+        </p:txBody>
+      </p:sp>
+      <p:pic>
+        <p:nvPicPr>
+          <p:cNvPr id="13" name="Imagen 12">
+            <a:extLst>
+              <a:ext uri="{FF2B5EF4-FFF2-40B4-BE49-F238E27FC236}">
+                <a16:creationId xmlns:a16="http://schemas.microsoft.com/office/drawing/2014/main" id="{5C389AEB-FE22-470E-AD12-24304F4A303B}"/>
+              </a:ext>
+            </a:extLst>
+          </p:cNvPr>
+          <p:cNvPicPr>
+            <a:picLocks noChangeAspect="1"/>
+          </p:cNvPicPr>
+          <p:nvPr/>
+        </p:nvPicPr>
+        <p:blipFill>
+          <a:blip r:embed="rId11"/>
+          <a:stretch>
+            <a:fillRect/>
+          </a:stretch>
+        </p:blipFill>
+        <p:spPr>
+          <a:xfrm>
+            <a:off x="9747542" y="4643435"/>
+            <a:ext cx="1325433" cy="571933"/>
+          </a:xfrm>
+          <a:prstGeom prst="rect">
+            <a:avLst/>
+          </a:prstGeom>
+        </p:spPr>
+      </p:pic>
+      <p:pic>
+        <p:nvPicPr>
+          <p:cNvPr id="30" name="Gráfico 29">
+            <a:extLst>
+              <a:ext uri="{FF2B5EF4-FFF2-40B4-BE49-F238E27FC236}">
+                <a16:creationId xmlns:a16="http://schemas.microsoft.com/office/drawing/2014/main" id="{83F670FE-2385-4F3E-A8AC-9E7059E4C15B}"/>
+              </a:ext>
+            </a:extLst>
+          </p:cNvPr>
+          <p:cNvPicPr>
+            <a:picLocks noChangeAspect="1"/>
+          </p:cNvPicPr>
+          <p:nvPr/>
+        </p:nvPicPr>
+        <p:blipFill>
+          <a:blip r:embed="rId12">
+            <a:extLst>
+              <a:ext uri="{96DAC541-7B7A-43D3-8B79-37D633B846F1}">
+                <asvg:svgBlip xmlns:asvg="http://schemas.microsoft.com/office/drawing/2016/SVG/main" r:embed="rId13"/>
+              </a:ext>
+            </a:extLst>
+          </a:blip>
+          <a:stretch>
+            <a:fillRect/>
+          </a:stretch>
+        </p:blipFill>
+        <p:spPr>
+          <a:xfrm>
+            <a:off x="73110" y="1770624"/>
+            <a:ext cx="1884341" cy="1496654"/>
+          </a:xfrm>
+          <a:prstGeom prst="rect">
+            <a:avLst/>
+          </a:prstGeom>
+        </p:spPr>
+      </p:pic>
+      <p:pic>
+        <p:nvPicPr>
+          <p:cNvPr id="31" name="Gráfico 30">
+            <a:extLst>
+              <a:ext uri="{FF2B5EF4-FFF2-40B4-BE49-F238E27FC236}">
+                <a16:creationId xmlns:a16="http://schemas.microsoft.com/office/drawing/2014/main" id="{D6B9BD2A-B8CA-478C-B108-F6A546803482}"/>
+              </a:ext>
+            </a:extLst>
+          </p:cNvPr>
+          <p:cNvPicPr>
+            <a:picLocks noChangeAspect="1"/>
+          </p:cNvPicPr>
+          <p:nvPr/>
+        </p:nvPicPr>
+        <p:blipFill>
+          <a:blip r:embed="rId12">
+            <a:extLst>
+              <a:ext uri="{96DAC541-7B7A-43D3-8B79-37D633B846F1}">
+                <asvg:svgBlip xmlns:asvg="http://schemas.microsoft.com/office/drawing/2016/SVG/main" r:embed="rId13"/>
+              </a:ext>
+            </a:extLst>
+          </a:blip>
+          <a:stretch>
+            <a:fillRect/>
+          </a:stretch>
+        </p:blipFill>
+        <p:spPr>
+          <a:xfrm>
+            <a:off x="7745681" y="4229339"/>
+            <a:ext cx="1884341" cy="1496654"/>
+          </a:xfrm>
+          <a:prstGeom prst="rect">
+            <a:avLst/>
+          </a:prstGeom>
+        </p:spPr>
+      </p:pic>
+    </p:spTree>
+    <p:extLst>
+      <p:ext uri="{BB962C8B-B14F-4D97-AF65-F5344CB8AC3E}">
+        <p14:creationId xmlns:p14="http://schemas.microsoft.com/office/powerpoint/2010/main" val="1850926888"/>
+      </p:ext>
+    </p:extLst>
+  </p:cSld>
+  <p:clrMapOvr>
+    <a:masterClrMapping/>
+  </p:clrMapOvr>
+</p:sld>
+</file>
+
+<file path=ppt/slides/slide7.xml><?xml version="1.0" encoding="utf-8"?>
+<p:sld xmlns:a="http://schemas.openxmlformats.org/drawingml/2006/main" xmlns:r="http://schemas.openxmlformats.org/officeDocument/2006/relationships" xmlns:p="http://schemas.openxmlformats.org/presentationml/2006/main">
+  <p:cSld>
+    <p:spTree>
+      <p:nvGrpSpPr>
+        <p:cNvPr id="1" name=""/>
+        <p:cNvGrpSpPr/>
+        <p:nvPr/>
+      </p:nvGrpSpPr>
+      <p:grpSpPr>
+        <a:xfrm>
+          <a:off x="0" y="0"/>
+          <a:ext cx="0" cy="0"/>
+          <a:chOff x="0" y="0"/>
+          <a:chExt cx="0" cy="0"/>
+        </a:xfrm>
+      </p:grpSpPr>
+      <p:pic>
+        <p:nvPicPr>
+          <p:cNvPr id="4" name="Gráfico 3">
+            <a:extLst>
+              <a:ext uri="{FF2B5EF4-FFF2-40B4-BE49-F238E27FC236}">
+                <a16:creationId xmlns:a16="http://schemas.microsoft.com/office/drawing/2014/main" id="{D3CDBAF0-DA3E-4607-9C1D-67C3BE697AC8}"/>
+              </a:ext>
+            </a:extLst>
+          </p:cNvPr>
+          <p:cNvPicPr>
+            <a:picLocks noChangeAspect="1"/>
+          </p:cNvPicPr>
+          <p:nvPr/>
+        </p:nvPicPr>
+        <p:blipFill>
+          <a:blip r:embed="rId3">
+            <a:extLst>
+              <a:ext uri="{96DAC541-7B7A-43D3-8B79-37D633B846F1}">
+                <asvg:svgBlip xmlns:asvg="http://schemas.microsoft.com/office/drawing/2016/SVG/main" r:embed="rId4"/>
+              </a:ext>
+            </a:extLst>
+          </a:blip>
+          <a:stretch>
+            <a:fillRect/>
+          </a:stretch>
+        </p:blipFill>
+        <p:spPr>
+          <a:xfrm>
+            <a:off x="1342937" y="4807345"/>
+            <a:ext cx="1151332" cy="1119438"/>
+          </a:xfrm>
+          <a:prstGeom prst="rect">
+            <a:avLst/>
+          </a:prstGeom>
+        </p:spPr>
+      </p:pic>
+      <p:sp>
+        <p:nvSpPr>
+          <p:cNvPr id="9" name="TextBox 8">
+            <a:extLst>
+              <a:ext uri="{FF2B5EF4-FFF2-40B4-BE49-F238E27FC236}">
+                <a16:creationId xmlns:a16="http://schemas.microsoft.com/office/drawing/2014/main" id="{0361965A-99CA-4F4E-ACD0-7087256D186D}"/>
+              </a:ext>
+            </a:extLst>
+          </p:cNvPr>
+          <p:cNvSpPr txBox="1"/>
+          <p:nvPr/>
+        </p:nvSpPr>
+        <p:spPr>
+          <a:xfrm>
+            <a:off x="9954229" y="6361063"/>
+            <a:ext cx="2037144" cy="276999"/>
+          </a:xfrm>
+          <a:prstGeom prst="rect">
+            <a:avLst/>
+          </a:prstGeom>
+          <a:solidFill>
+            <a:schemeClr val="tx1">
+              <a:lumMod val="95000"/>
+              <a:lumOff val="5000"/>
+            </a:schemeClr>
+          </a:solidFill>
+        </p:spPr>
+        <p:txBody>
+          <a:bodyPr wrap="square" rtlCol="0">
+            <a:spAutoFit/>
+          </a:bodyPr>
+          <a:lstStyle/>
+          <a:p>
+            <a:pPr algn="ctr">
+              <a:spcAft>
+                <a:spcPts val="600"/>
+              </a:spcAft>
+            </a:pPr>
+            <a:r>
+              <a:rPr lang="es-ES" sz="1200" b="1" dirty="0">
+                <a:solidFill>
+                  <a:schemeClr val="bg1"/>
+                </a:solidFill>
+                <a:latin typeface="Helvetica" panose="020B0604020202020204" pitchFamily="34" charset="0"/>
+                <a:cs typeface="Helvetica" panose="020B0604020202020204" pitchFamily="34" charset="0"/>
+              </a:rPr>
+              <a:t>Darío M. García Carretero</a:t>
+            </a:r>
+            <a:endParaRPr lang="en-GB" sz="1200" b="1" dirty="0">
+              <a:solidFill>
+                <a:schemeClr val="bg1"/>
+              </a:solidFill>
+              <a:latin typeface="Helvetica" panose="020B0604020202020204" pitchFamily="34" charset="0"/>
+              <a:cs typeface="Helvetica" panose="020B0604020202020204" pitchFamily="34" charset="0"/>
+            </a:endParaRPr>
+          </a:p>
+        </p:txBody>
+      </p:sp>
+      <p:sp>
+        <p:nvSpPr>
+          <p:cNvPr id="16" name="Rectangle 6">
+            <a:extLst>
+              <a:ext uri="{FF2B5EF4-FFF2-40B4-BE49-F238E27FC236}">
+                <a16:creationId xmlns:a16="http://schemas.microsoft.com/office/drawing/2014/main" id="{9EC5CB48-379E-4C4E-A901-CAD6EBA7ABD6}"/>
+              </a:ext>
+            </a:extLst>
+          </p:cNvPr>
+          <p:cNvSpPr/>
+          <p:nvPr/>
+        </p:nvSpPr>
+        <p:spPr>
+          <a:xfrm>
+            <a:off x="1049868" y="48859"/>
+            <a:ext cx="11069022" cy="1270639"/>
+          </a:xfrm>
+          <a:prstGeom prst="rect">
+            <a:avLst/>
+          </a:prstGeom>
+        </p:spPr>
+        <p:style>
+          <a:lnRef idx="2">
+            <a:schemeClr val="dk1">
+              <a:shade val="50000"/>
+            </a:schemeClr>
+          </a:lnRef>
+          <a:fillRef idx="1">
+            <a:schemeClr val="dk1"/>
+          </a:fillRef>
+          <a:effectRef idx="0">
+            <a:schemeClr val="dk1"/>
+          </a:effectRef>
+          <a:fontRef idx="minor">
+            <a:schemeClr val="lt1"/>
+          </a:fontRef>
+        </p:style>
+        <p:txBody>
+          <a:bodyPr rtlCol="0" anchor="ctr"/>
+          <a:lstStyle/>
+          <a:p>
+            <a:pPr algn="ctr"/>
+            <a:endParaRPr lang="en-GB" dirty="0"/>
+          </a:p>
+        </p:txBody>
+      </p:sp>
+      <p:pic>
+        <p:nvPicPr>
+          <p:cNvPr id="18" name="Picture 3" descr="A picture containing drawing&#10;&#10;Description automatically generated">
+            <a:extLst>
+              <a:ext uri="{FF2B5EF4-FFF2-40B4-BE49-F238E27FC236}">
+                <a16:creationId xmlns:a16="http://schemas.microsoft.com/office/drawing/2014/main" id="{2C509927-62F3-4DBC-9421-0218CB778A05}"/>
+              </a:ext>
+            </a:extLst>
+          </p:cNvPr>
+          <p:cNvPicPr>
+            <a:picLocks noChangeAspect="1"/>
+          </p:cNvPicPr>
+          <p:nvPr/>
+        </p:nvPicPr>
+        <p:blipFill>
+          <a:blip r:embed="rId5">
+            <a:extLst>
+              <a:ext uri="{28A0092B-C50C-407E-A947-70E740481C1C}">
+                <a14:useLocalDpi xmlns:a14="http://schemas.microsoft.com/office/drawing/2010/main" val="0"/>
+              </a:ext>
+            </a:extLst>
+          </a:blip>
+          <a:stretch>
+            <a:fillRect/>
+          </a:stretch>
+        </p:blipFill>
+        <p:spPr>
+          <a:xfrm>
+            <a:off x="73111" y="48859"/>
+            <a:ext cx="897733" cy="1287699"/>
+          </a:xfrm>
+          <a:prstGeom prst="rect">
+            <a:avLst/>
+          </a:prstGeom>
+        </p:spPr>
+      </p:pic>
+      <p:sp>
+        <p:nvSpPr>
+          <p:cNvPr id="19" name="TextBox 7">
+            <a:extLst>
+              <a:ext uri="{FF2B5EF4-FFF2-40B4-BE49-F238E27FC236}">
+                <a16:creationId xmlns:a16="http://schemas.microsoft.com/office/drawing/2014/main" id="{034445C9-B371-4D08-A6EF-240C6889BE14}"/>
+              </a:ext>
+            </a:extLst>
+          </p:cNvPr>
+          <p:cNvSpPr txBox="1"/>
+          <p:nvPr/>
+        </p:nvSpPr>
+        <p:spPr>
+          <a:xfrm>
+            <a:off x="561489" y="307987"/>
+            <a:ext cx="11429883" cy="769441"/>
+          </a:xfrm>
+          <a:prstGeom prst="rect">
+            <a:avLst/>
+          </a:prstGeom>
+          <a:noFill/>
+        </p:spPr>
+        <p:txBody>
+          <a:bodyPr wrap="square" rtlCol="0">
+            <a:spAutoFit/>
+          </a:bodyPr>
+          <a:lstStyle/>
+          <a:p>
+            <a:pPr algn="ctr"/>
+            <a:r>
+              <a:rPr lang="es-ES" sz="4400" b="1" dirty="0">
+                <a:solidFill>
+                  <a:schemeClr val="bg1"/>
+                </a:solidFill>
+                <a:latin typeface="Arial" panose="020B0604020202020204" pitchFamily="34" charset="0"/>
+                <a:cs typeface="Arial" panose="020B0604020202020204" pitchFamily="34" charset="0"/>
+              </a:rPr>
+              <a:t>ML, ¿Cómo se usa?</a:t>
+            </a:r>
+            <a:endParaRPr lang="en-GB" sz="4400" b="1" dirty="0">
+              <a:solidFill>
+                <a:schemeClr val="bg1"/>
+              </a:solidFill>
+              <a:latin typeface="Arial" panose="020B0604020202020204" pitchFamily="34" charset="0"/>
+              <a:cs typeface="Arial" panose="020B0604020202020204" pitchFamily="34" charset="0"/>
+            </a:endParaRPr>
+          </a:p>
+        </p:txBody>
+      </p:sp>
+      <p:sp>
+        <p:nvSpPr>
+          <p:cNvPr id="25" name="Rectángulo 24">
+            <a:extLst>
+              <a:ext uri="{FF2B5EF4-FFF2-40B4-BE49-F238E27FC236}">
+                <a16:creationId xmlns:a16="http://schemas.microsoft.com/office/drawing/2014/main" id="{26625E70-2865-406C-9789-42C02C40C07B}"/>
+              </a:ext>
+            </a:extLst>
+          </p:cNvPr>
+          <p:cNvSpPr/>
+          <p:nvPr/>
+        </p:nvSpPr>
+        <p:spPr>
+          <a:xfrm>
+            <a:off x="2855953" y="2162651"/>
+            <a:ext cx="8229600" cy="584775"/>
+          </a:xfrm>
+          <a:prstGeom prst="rect">
+            <a:avLst/>
+          </a:prstGeom>
+          <a:solidFill>
+            <a:schemeClr val="tx1"/>
+          </a:solidFill>
+        </p:spPr>
+        <p:txBody>
+          <a:bodyPr wrap="square">
+            <a:spAutoFit/>
+          </a:bodyPr>
+          <a:lstStyle/>
+          <a:p>
+            <a:pPr algn="ctr"/>
+            <a:r>
+              <a:rPr lang="es-ES_tradnl" sz="3200" b="1" dirty="0">
+                <a:solidFill>
+                  <a:schemeClr val="bg1"/>
+                </a:solidFill>
+                <a:latin typeface="Arial" panose="020B0604020202020204" pitchFamily="34" charset="0"/>
+                <a:ea typeface="Times New Roman" panose="02020603050405020304" pitchFamily="18" charset="0"/>
+                <a:cs typeface="Arial" panose="020B0604020202020204" pitchFamily="34" charset="0"/>
+              </a:rPr>
+              <a:t>Adquisición y preparación de los datos</a:t>
+            </a:r>
+            <a:endParaRPr lang="en-US" sz="3200" b="1" dirty="0">
+              <a:solidFill>
+                <a:schemeClr val="bg1"/>
+              </a:solidFill>
+              <a:latin typeface="Helvetica" panose="020B0604020202020204" pitchFamily="34" charset="0"/>
+              <a:cs typeface="Helvetica" panose="020B0604020202020204" pitchFamily="34" charset="0"/>
+            </a:endParaRPr>
+          </a:p>
+        </p:txBody>
+      </p:sp>
+      <p:sp>
+        <p:nvSpPr>
+          <p:cNvPr id="27" name="Rectángulo 26">
+            <a:extLst>
+              <a:ext uri="{FF2B5EF4-FFF2-40B4-BE49-F238E27FC236}">
+                <a16:creationId xmlns:a16="http://schemas.microsoft.com/office/drawing/2014/main" id="{8C2DF18A-C1FA-42AB-B034-6A91F488896D}"/>
+              </a:ext>
+            </a:extLst>
+          </p:cNvPr>
+          <p:cNvSpPr/>
+          <p:nvPr/>
+        </p:nvSpPr>
+        <p:spPr>
+          <a:xfrm>
+            <a:off x="2855953" y="3674566"/>
+            <a:ext cx="8254007" cy="584775"/>
+          </a:xfrm>
+          <a:prstGeom prst="rect">
+            <a:avLst/>
+          </a:prstGeom>
+          <a:solidFill>
+            <a:schemeClr val="tx1"/>
+          </a:solidFill>
+        </p:spPr>
+        <p:txBody>
+          <a:bodyPr wrap="square">
+            <a:spAutoFit/>
+          </a:bodyPr>
+          <a:lstStyle/>
+          <a:p>
+            <a:pPr algn="ctr"/>
+            <a:r>
+              <a:rPr lang="es-ES_tradnl" sz="3200" b="1" dirty="0">
+                <a:solidFill>
+                  <a:schemeClr val="bg1"/>
+                </a:solidFill>
+                <a:latin typeface="Arial" panose="020B0604020202020204" pitchFamily="34" charset="0"/>
+                <a:ea typeface="Times New Roman" panose="02020603050405020304" pitchFamily="18" charset="0"/>
+                <a:cs typeface="Arial" panose="020B0604020202020204" pitchFamily="34" charset="0"/>
+              </a:rPr>
+              <a:t>Entrenamiento del modelo</a:t>
+            </a:r>
+            <a:endParaRPr lang="en-US" sz="3200" b="1" dirty="0">
+              <a:solidFill>
+                <a:schemeClr val="bg1"/>
+              </a:solidFill>
+              <a:latin typeface="Arial" panose="020B0604020202020204" pitchFamily="34" charset="0"/>
+              <a:cs typeface="Arial" panose="020B0604020202020204" pitchFamily="34" charset="0"/>
+            </a:endParaRPr>
+          </a:p>
+        </p:txBody>
+      </p:sp>
+      <p:sp>
+        <p:nvSpPr>
+          <p:cNvPr id="32" name="Rectángulo 31">
+            <a:extLst>
+              <a:ext uri="{FF2B5EF4-FFF2-40B4-BE49-F238E27FC236}">
+                <a16:creationId xmlns:a16="http://schemas.microsoft.com/office/drawing/2014/main" id="{5BBF7E98-A21B-472A-8E30-4FED158F62CC}"/>
+              </a:ext>
+            </a:extLst>
+          </p:cNvPr>
+          <p:cNvSpPr/>
+          <p:nvPr/>
+        </p:nvSpPr>
+        <p:spPr>
+          <a:xfrm>
+            <a:off x="2880360" y="5186479"/>
+            <a:ext cx="8254006" cy="584775"/>
+          </a:xfrm>
+          <a:prstGeom prst="rect">
+            <a:avLst/>
+          </a:prstGeom>
+          <a:solidFill>
+            <a:schemeClr val="tx1"/>
+          </a:solidFill>
+        </p:spPr>
+        <p:txBody>
+          <a:bodyPr wrap="square">
+            <a:spAutoFit/>
+          </a:bodyPr>
+          <a:lstStyle/>
+          <a:p>
+            <a:pPr algn="ctr"/>
+            <a:r>
+              <a:rPr lang="es-ES_tradnl" sz="3200" b="1" dirty="0">
+                <a:solidFill>
+                  <a:schemeClr val="bg1"/>
+                </a:solidFill>
+                <a:latin typeface="Arial" panose="020B0604020202020204" pitchFamily="34" charset="0"/>
+                <a:ea typeface="Times New Roman" panose="02020603050405020304" pitchFamily="18" charset="0"/>
+              </a:rPr>
+              <a:t>Validación del modelo</a:t>
+            </a:r>
+            <a:endParaRPr lang="en-US" sz="3200" b="1" dirty="0">
+              <a:solidFill>
+                <a:schemeClr val="bg1"/>
+              </a:solidFill>
+            </a:endParaRPr>
+          </a:p>
+        </p:txBody>
+      </p:sp>
+      <p:pic>
+        <p:nvPicPr>
+          <p:cNvPr id="34" name="Imagen 33">
+            <a:extLst>
+              <a:ext uri="{FF2B5EF4-FFF2-40B4-BE49-F238E27FC236}">
+                <a16:creationId xmlns:a16="http://schemas.microsoft.com/office/drawing/2014/main" id="{8A9370FA-E582-4A25-8663-F7FCD89C9575}"/>
+              </a:ext>
+            </a:extLst>
+          </p:cNvPr>
+          <p:cNvPicPr>
+            <a:picLocks noChangeAspect="1"/>
+          </p:cNvPicPr>
+          <p:nvPr/>
+        </p:nvPicPr>
+        <p:blipFill>
+          <a:blip r:embed="rId6"/>
+          <a:stretch>
+            <a:fillRect/>
+          </a:stretch>
+        </p:blipFill>
+        <p:spPr>
+          <a:xfrm>
+            <a:off x="1376625" y="1627645"/>
+            <a:ext cx="1088136" cy="1356415"/>
+          </a:xfrm>
+          <a:prstGeom prst="rect">
+            <a:avLst/>
+          </a:prstGeom>
+        </p:spPr>
+      </p:pic>
+      <p:sp>
+        <p:nvSpPr>
+          <p:cNvPr id="3" name="Flecha: arriba y abajo 2">
+            <a:extLst>
+              <a:ext uri="{FF2B5EF4-FFF2-40B4-BE49-F238E27FC236}">
+                <a16:creationId xmlns:a16="http://schemas.microsoft.com/office/drawing/2014/main" id="{4A5DE2B0-25CB-4AE3-9273-A211725D4390}"/>
+              </a:ext>
+            </a:extLst>
+          </p:cNvPr>
+          <p:cNvSpPr/>
+          <p:nvPr/>
+        </p:nvSpPr>
+        <p:spPr>
+          <a:xfrm>
+            <a:off x="6268699" y="2768641"/>
+            <a:ext cx="631359" cy="884710"/>
+          </a:xfrm>
+          <a:prstGeom prst="upDownArrow">
+            <a:avLst/>
+          </a:prstGeom>
+          <a:solidFill>
+            <a:schemeClr val="tx1"/>
+          </a:solidFill>
+          <a:ln>
+            <a:noFill/>
+          </a:ln>
+        </p:spPr>
+        <p:style>
+          <a:lnRef idx="2">
+            <a:schemeClr val="accent1">
+              <a:shade val="50000"/>
+            </a:schemeClr>
+          </a:lnRef>
+          <a:fillRef idx="1">
+            <a:schemeClr val="accent1"/>
+          </a:fillRef>
+          <a:effectRef idx="0">
+            <a:schemeClr val="accent1"/>
+          </a:effectRef>
+          <a:fontRef idx="minor">
+            <a:schemeClr val="lt1"/>
+          </a:fontRef>
+        </p:style>
+        <p:txBody>
+          <a:bodyPr rtlCol="0" anchor="ctr"/>
+          <a:lstStyle/>
+          <a:p>
+            <a:pPr algn="ctr"/>
+            <a:endParaRPr lang="en-US"/>
+          </a:p>
+        </p:txBody>
+      </p:sp>
+      <p:sp>
+        <p:nvSpPr>
+          <p:cNvPr id="39" name="Flecha: arriba y abajo 38">
+            <a:extLst>
+              <a:ext uri="{FF2B5EF4-FFF2-40B4-BE49-F238E27FC236}">
+                <a16:creationId xmlns:a16="http://schemas.microsoft.com/office/drawing/2014/main" id="{F5A0EA27-6815-4788-8BFE-53E7927130B0}"/>
+              </a:ext>
+            </a:extLst>
+          </p:cNvPr>
+          <p:cNvSpPr/>
+          <p:nvPr/>
+        </p:nvSpPr>
+        <p:spPr>
+          <a:xfrm>
+            <a:off x="6268698" y="4280556"/>
+            <a:ext cx="631359" cy="884710"/>
+          </a:xfrm>
+          <a:prstGeom prst="upDownArrow">
+            <a:avLst/>
+          </a:prstGeom>
+          <a:solidFill>
+            <a:schemeClr val="tx1"/>
+          </a:solidFill>
+          <a:ln>
+            <a:noFill/>
+          </a:ln>
+        </p:spPr>
+        <p:style>
+          <a:lnRef idx="2">
+            <a:schemeClr val="accent1">
+              <a:shade val="50000"/>
+            </a:schemeClr>
+          </a:lnRef>
+          <a:fillRef idx="1">
+            <a:schemeClr val="accent1"/>
+          </a:fillRef>
+          <a:effectRef idx="0">
+            <a:schemeClr val="accent1"/>
+          </a:effectRef>
+          <a:fontRef idx="minor">
+            <a:schemeClr val="lt1"/>
+          </a:fontRef>
+        </p:style>
+        <p:txBody>
+          <a:bodyPr rtlCol="0" anchor="ctr"/>
+          <a:lstStyle/>
+          <a:p>
+            <a:pPr algn="ctr"/>
+            <a:endParaRPr lang="en-US"/>
+          </a:p>
+        </p:txBody>
+      </p:sp>
+      <p:pic>
+        <p:nvPicPr>
+          <p:cNvPr id="40" name="Gráfico 39">
+            <a:extLst>
+              <a:ext uri="{FF2B5EF4-FFF2-40B4-BE49-F238E27FC236}">
+                <a16:creationId xmlns:a16="http://schemas.microsoft.com/office/drawing/2014/main" id="{C64680ED-3F13-466C-82A0-AF451F333707}"/>
+              </a:ext>
+            </a:extLst>
+          </p:cNvPr>
+          <p:cNvPicPr>
+            <a:picLocks noChangeAspect="1"/>
+          </p:cNvPicPr>
+          <p:nvPr/>
+        </p:nvPicPr>
+        <p:blipFill>
+          <a:blip r:embed="rId7">
+            <a:extLst>
+              <a:ext uri="{96DAC541-7B7A-43D3-8B79-37D633B846F1}">
+                <asvg:svgBlip xmlns:asvg="http://schemas.microsoft.com/office/drawing/2016/SVG/main" r:embed="rId8"/>
+              </a:ext>
+            </a:extLst>
+          </a:blip>
+          <a:stretch>
+            <a:fillRect/>
+          </a:stretch>
+        </p:blipFill>
+        <p:spPr>
+          <a:xfrm>
+            <a:off x="1371600" y="3257120"/>
+            <a:ext cx="1234440" cy="1399522"/>
+          </a:xfrm>
+          <a:prstGeom prst="rect">
+            <a:avLst/>
+          </a:prstGeom>
+        </p:spPr>
+      </p:pic>
+    </p:spTree>
+    <p:extLst>
+      <p:ext uri="{BB962C8B-B14F-4D97-AF65-F5344CB8AC3E}">
+        <p14:creationId xmlns:p14="http://schemas.microsoft.com/office/powerpoint/2010/main" val="2352261345"/>
       </p:ext>
     </p:extLst>
   </p:cSld>

--- a/doc/TFM.pptx
+++ b/doc/TFM.pptx
@@ -5,7 +5,7 @@
     <p:sldMasterId id="2147483845" r:id="rId1"/>
   </p:sldMasterIdLst>
   <p:notesMasterIdLst>
-    <p:notesMasterId r:id="rId9"/>
+    <p:notesMasterId r:id="rId10"/>
   </p:notesMasterIdLst>
   <p:sldIdLst>
     <p:sldId id="259" r:id="rId2"/>
@@ -15,6 +15,7 @@
     <p:sldId id="262" r:id="rId6"/>
     <p:sldId id="263" r:id="rId7"/>
     <p:sldId id="264" r:id="rId8"/>
+    <p:sldId id="265" r:id="rId9"/>
   </p:sldIdLst>
   <p:sldSz cx="12192000" cy="6858000"/>
   <p:notesSz cx="6858000" cy="9144000"/>
@@ -798,6 +799,90 @@
     <p:extLst>
       <p:ext uri="{BB962C8B-B14F-4D97-AF65-F5344CB8AC3E}">
         <p14:creationId xmlns:p14="http://schemas.microsoft.com/office/powerpoint/2010/main" val="617580358"/>
+      </p:ext>
+    </p:extLst>
+  </p:cSld>
+  <p:clrMapOvr>
+    <a:masterClrMapping/>
+  </p:clrMapOvr>
+</p:notes>
+</file>
+
+<file path=ppt/notesSlides/notesSlide5.xml><?xml version="1.0" encoding="utf-8"?>
+<p:notes xmlns:a="http://schemas.openxmlformats.org/drawingml/2006/main" xmlns:r="http://schemas.openxmlformats.org/officeDocument/2006/relationships" xmlns:p="http://schemas.openxmlformats.org/presentationml/2006/main">
+  <p:cSld>
+    <p:spTree>
+      <p:nvGrpSpPr>
+        <p:cNvPr id="1" name=""/>
+        <p:cNvGrpSpPr/>
+        <p:nvPr/>
+      </p:nvGrpSpPr>
+      <p:grpSpPr>
+        <a:xfrm>
+          <a:off x="0" y="0"/>
+          <a:ext cx="0" cy="0"/>
+          <a:chOff x="0" y="0"/>
+          <a:chExt cx="0" cy="0"/>
+        </a:xfrm>
+      </p:grpSpPr>
+      <p:sp>
+        <p:nvSpPr>
+          <p:cNvPr id="2" name="Marcador de imagen de diapositiva 1"/>
+          <p:cNvSpPr>
+            <a:spLocks noGrp="1" noRot="1" noChangeAspect="1"/>
+          </p:cNvSpPr>
+          <p:nvPr>
+            <p:ph type="sldImg"/>
+          </p:nvPr>
+        </p:nvSpPr>
+        <p:spPr/>
+      </p:sp>
+      <p:sp>
+        <p:nvSpPr>
+          <p:cNvPr id="3" name="Marcador de notas 2"/>
+          <p:cNvSpPr>
+            <a:spLocks noGrp="1"/>
+          </p:cNvSpPr>
+          <p:nvPr>
+            <p:ph type="body" idx="1"/>
+          </p:nvPr>
+        </p:nvSpPr>
+        <p:spPr/>
+        <p:txBody>
+          <a:bodyPr/>
+          <a:lstStyle/>
+          <a:p>
+            <a:endParaRPr lang="en-US" dirty="0"/>
+          </a:p>
+        </p:txBody>
+      </p:sp>
+      <p:sp>
+        <p:nvSpPr>
+          <p:cNvPr id="4" name="Marcador de número de diapositiva 3"/>
+          <p:cNvSpPr>
+            <a:spLocks noGrp="1"/>
+          </p:cNvSpPr>
+          <p:nvPr>
+            <p:ph type="sldNum" sz="quarter" idx="5"/>
+          </p:nvPr>
+        </p:nvSpPr>
+        <p:spPr/>
+        <p:txBody>
+          <a:bodyPr/>
+          <a:lstStyle/>
+          <a:p>
+            <a:fld id="{351D0210-961D-4566-8710-631071D4FDA4}" type="slidenum">
+              <a:rPr lang="en-US" smtClean="0"/>
+              <a:t>8</a:t>
+            </a:fld>
+            <a:endParaRPr lang="en-US" dirty="0"/>
+          </a:p>
+        </p:txBody>
+      </p:sp>
+    </p:spTree>
+    <p:extLst>
+      <p:ext uri="{BB962C8B-B14F-4D97-AF65-F5344CB8AC3E}">
+        <p14:creationId xmlns:p14="http://schemas.microsoft.com/office/powerpoint/2010/main" val="71397302"/>
       </p:ext>
     </p:extLst>
   </p:cSld>
@@ -6610,7 +6695,7 @@
                 <a:latin typeface="Arial" panose="020B0604020202020204" pitchFamily="34" charset="0"/>
                 <a:cs typeface="Arial" panose="020B0604020202020204" pitchFamily="34" charset="0"/>
               </a:rPr>
-              <a:t>ML, ¿Cómo se usa?</a:t>
+              <a:t>ML, ¿Cómo se aplica?</a:t>
             </a:r>
             <a:endParaRPr lang="en-GB" sz="4400" b="1" dirty="0">
               <a:solidFill>
@@ -6937,7 +7022,7 @@
         </p:blipFill>
         <p:spPr>
           <a:xfrm>
-            <a:off x="1371600" y="3257120"/>
+            <a:off x="1301383" y="3267192"/>
             <a:ext cx="1234440" cy="1399522"/>
           </a:xfrm>
           <a:prstGeom prst="rect">
@@ -6949,6 +7034,484 @@
     <p:extLst>
       <p:ext uri="{BB962C8B-B14F-4D97-AF65-F5344CB8AC3E}">
         <p14:creationId xmlns:p14="http://schemas.microsoft.com/office/powerpoint/2010/main" val="2352261345"/>
+      </p:ext>
+    </p:extLst>
+  </p:cSld>
+  <p:clrMapOvr>
+    <a:masterClrMapping/>
+  </p:clrMapOvr>
+</p:sld>
+</file>
+
+<file path=ppt/slides/slide8.xml><?xml version="1.0" encoding="utf-8"?>
+<p:sld xmlns:a="http://schemas.openxmlformats.org/drawingml/2006/main" xmlns:r="http://schemas.openxmlformats.org/officeDocument/2006/relationships" xmlns:p="http://schemas.openxmlformats.org/presentationml/2006/main">
+  <p:cSld>
+    <p:spTree>
+      <p:nvGrpSpPr>
+        <p:cNvPr id="1" name=""/>
+        <p:cNvGrpSpPr/>
+        <p:nvPr/>
+      </p:nvGrpSpPr>
+      <p:grpSpPr>
+        <a:xfrm>
+          <a:off x="0" y="0"/>
+          <a:ext cx="0" cy="0"/>
+          <a:chOff x="0" y="0"/>
+          <a:chExt cx="0" cy="0"/>
+        </a:xfrm>
+      </p:grpSpPr>
+      <p:pic>
+        <p:nvPicPr>
+          <p:cNvPr id="24" name="Gráfico 23">
+            <a:extLst>
+              <a:ext uri="{FF2B5EF4-FFF2-40B4-BE49-F238E27FC236}">
+                <a16:creationId xmlns:a16="http://schemas.microsoft.com/office/drawing/2014/main" id="{CC6DD41C-D141-4D8B-8024-BACDA7C3D476}"/>
+              </a:ext>
+            </a:extLst>
+          </p:cNvPr>
+          <p:cNvPicPr>
+            <a:picLocks noChangeAspect="1"/>
+          </p:cNvPicPr>
+          <p:nvPr/>
+        </p:nvPicPr>
+        <p:blipFill>
+          <a:blip r:embed="rId3">
+            <a:extLst>
+              <a:ext uri="{96DAC541-7B7A-43D3-8B79-37D633B846F1}">
+                <asvg:svgBlip xmlns:asvg="http://schemas.microsoft.com/office/drawing/2016/SVG/main" r:embed="rId4"/>
+              </a:ext>
+            </a:extLst>
+          </a:blip>
+          <a:stretch>
+            <a:fillRect/>
+          </a:stretch>
+        </p:blipFill>
+        <p:spPr>
+          <a:xfrm>
+            <a:off x="970844" y="1595686"/>
+            <a:ext cx="1797535" cy="1785422"/>
+          </a:xfrm>
+          <a:prstGeom prst="rect">
+            <a:avLst/>
+          </a:prstGeom>
+        </p:spPr>
+      </p:pic>
+      <p:sp>
+        <p:nvSpPr>
+          <p:cNvPr id="9" name="TextBox 8">
+            <a:extLst>
+              <a:ext uri="{FF2B5EF4-FFF2-40B4-BE49-F238E27FC236}">
+                <a16:creationId xmlns:a16="http://schemas.microsoft.com/office/drawing/2014/main" id="{0361965A-99CA-4F4E-ACD0-7087256D186D}"/>
+              </a:ext>
+            </a:extLst>
+          </p:cNvPr>
+          <p:cNvSpPr txBox="1"/>
+          <p:nvPr/>
+        </p:nvSpPr>
+        <p:spPr>
+          <a:xfrm>
+            <a:off x="9954229" y="6361063"/>
+            <a:ext cx="2037144" cy="276999"/>
+          </a:xfrm>
+          <a:prstGeom prst="rect">
+            <a:avLst/>
+          </a:prstGeom>
+          <a:solidFill>
+            <a:schemeClr val="tx1">
+              <a:lumMod val="95000"/>
+              <a:lumOff val="5000"/>
+            </a:schemeClr>
+          </a:solidFill>
+        </p:spPr>
+        <p:txBody>
+          <a:bodyPr wrap="square" rtlCol="0">
+            <a:spAutoFit/>
+          </a:bodyPr>
+          <a:lstStyle/>
+          <a:p>
+            <a:pPr algn="ctr">
+              <a:spcAft>
+                <a:spcPts val="600"/>
+              </a:spcAft>
+            </a:pPr>
+            <a:r>
+              <a:rPr lang="es-ES" sz="1200" b="1" dirty="0">
+                <a:solidFill>
+                  <a:schemeClr val="bg1"/>
+                </a:solidFill>
+                <a:latin typeface="Helvetica" panose="020B0604020202020204" pitchFamily="34" charset="0"/>
+                <a:cs typeface="Helvetica" panose="020B0604020202020204" pitchFamily="34" charset="0"/>
+              </a:rPr>
+              <a:t>Darío M. García Carretero</a:t>
+            </a:r>
+            <a:endParaRPr lang="en-GB" sz="1200" b="1" dirty="0">
+              <a:solidFill>
+                <a:schemeClr val="bg1"/>
+              </a:solidFill>
+              <a:latin typeface="Helvetica" panose="020B0604020202020204" pitchFamily="34" charset="0"/>
+              <a:cs typeface="Helvetica" panose="020B0604020202020204" pitchFamily="34" charset="0"/>
+            </a:endParaRPr>
+          </a:p>
+        </p:txBody>
+      </p:sp>
+      <p:sp>
+        <p:nvSpPr>
+          <p:cNvPr id="16" name="Rectangle 6">
+            <a:extLst>
+              <a:ext uri="{FF2B5EF4-FFF2-40B4-BE49-F238E27FC236}">
+                <a16:creationId xmlns:a16="http://schemas.microsoft.com/office/drawing/2014/main" id="{9EC5CB48-379E-4C4E-A901-CAD6EBA7ABD6}"/>
+              </a:ext>
+            </a:extLst>
+          </p:cNvPr>
+          <p:cNvSpPr/>
+          <p:nvPr/>
+        </p:nvSpPr>
+        <p:spPr>
+          <a:xfrm>
+            <a:off x="1049868" y="48859"/>
+            <a:ext cx="11069022" cy="1270639"/>
+          </a:xfrm>
+          <a:prstGeom prst="rect">
+            <a:avLst/>
+          </a:prstGeom>
+        </p:spPr>
+        <p:style>
+          <a:lnRef idx="2">
+            <a:schemeClr val="dk1">
+              <a:shade val="50000"/>
+            </a:schemeClr>
+          </a:lnRef>
+          <a:fillRef idx="1">
+            <a:schemeClr val="dk1"/>
+          </a:fillRef>
+          <a:effectRef idx="0">
+            <a:schemeClr val="dk1"/>
+          </a:effectRef>
+          <a:fontRef idx="minor">
+            <a:schemeClr val="lt1"/>
+          </a:fontRef>
+        </p:style>
+        <p:txBody>
+          <a:bodyPr rtlCol="0" anchor="ctr"/>
+          <a:lstStyle/>
+          <a:p>
+            <a:pPr algn="ctr"/>
+            <a:endParaRPr lang="en-GB" dirty="0"/>
+          </a:p>
+        </p:txBody>
+      </p:sp>
+      <p:pic>
+        <p:nvPicPr>
+          <p:cNvPr id="18" name="Picture 3" descr="A picture containing drawing&#10;&#10;Description automatically generated">
+            <a:extLst>
+              <a:ext uri="{FF2B5EF4-FFF2-40B4-BE49-F238E27FC236}">
+                <a16:creationId xmlns:a16="http://schemas.microsoft.com/office/drawing/2014/main" id="{2C509927-62F3-4DBC-9421-0218CB778A05}"/>
+              </a:ext>
+            </a:extLst>
+          </p:cNvPr>
+          <p:cNvPicPr>
+            <a:picLocks noChangeAspect="1"/>
+          </p:cNvPicPr>
+          <p:nvPr/>
+        </p:nvPicPr>
+        <p:blipFill>
+          <a:blip r:embed="rId5">
+            <a:extLst>
+              <a:ext uri="{28A0092B-C50C-407E-A947-70E740481C1C}">
+                <a14:useLocalDpi xmlns:a14="http://schemas.microsoft.com/office/drawing/2010/main" val="0"/>
+              </a:ext>
+            </a:extLst>
+          </a:blip>
+          <a:stretch>
+            <a:fillRect/>
+          </a:stretch>
+        </p:blipFill>
+        <p:spPr>
+          <a:xfrm>
+            <a:off x="73111" y="48859"/>
+            <a:ext cx="897733" cy="1287699"/>
+          </a:xfrm>
+          <a:prstGeom prst="rect">
+            <a:avLst/>
+          </a:prstGeom>
+        </p:spPr>
+      </p:pic>
+      <p:sp>
+        <p:nvSpPr>
+          <p:cNvPr id="19" name="TextBox 7">
+            <a:extLst>
+              <a:ext uri="{FF2B5EF4-FFF2-40B4-BE49-F238E27FC236}">
+                <a16:creationId xmlns:a16="http://schemas.microsoft.com/office/drawing/2014/main" id="{034445C9-B371-4D08-A6EF-240C6889BE14}"/>
+              </a:ext>
+            </a:extLst>
+          </p:cNvPr>
+          <p:cNvSpPr txBox="1"/>
+          <p:nvPr/>
+        </p:nvSpPr>
+        <p:spPr>
+          <a:xfrm>
+            <a:off x="561489" y="307987"/>
+            <a:ext cx="11429883" cy="769441"/>
+          </a:xfrm>
+          <a:prstGeom prst="rect">
+            <a:avLst/>
+          </a:prstGeom>
+          <a:noFill/>
+        </p:spPr>
+        <p:txBody>
+          <a:bodyPr wrap="square" rtlCol="0">
+            <a:spAutoFit/>
+          </a:bodyPr>
+          <a:lstStyle/>
+          <a:p>
+            <a:pPr algn="ctr"/>
+            <a:r>
+              <a:rPr lang="es-ES" sz="4400" b="1" dirty="0">
+                <a:solidFill>
+                  <a:schemeClr val="bg1"/>
+                </a:solidFill>
+                <a:latin typeface="Arial" panose="020B0604020202020204" pitchFamily="34" charset="0"/>
+                <a:cs typeface="Arial" panose="020B0604020202020204" pitchFamily="34" charset="0"/>
+              </a:rPr>
+              <a:t>Escenario</a:t>
+            </a:r>
+            <a:endParaRPr lang="en-GB" sz="4400" b="1" dirty="0">
+              <a:solidFill>
+                <a:schemeClr val="bg1"/>
+              </a:solidFill>
+              <a:latin typeface="Arial" panose="020B0604020202020204" pitchFamily="34" charset="0"/>
+              <a:cs typeface="Arial" panose="020B0604020202020204" pitchFamily="34" charset="0"/>
+            </a:endParaRPr>
+          </a:p>
+        </p:txBody>
+      </p:sp>
+      <p:sp>
+        <p:nvSpPr>
+          <p:cNvPr id="17" name="Rectángulo 16">
+            <a:extLst>
+              <a:ext uri="{FF2B5EF4-FFF2-40B4-BE49-F238E27FC236}">
+                <a16:creationId xmlns:a16="http://schemas.microsoft.com/office/drawing/2014/main" id="{18309DF7-DD6B-45FC-AB70-A592DC273346}"/>
+              </a:ext>
+            </a:extLst>
+          </p:cNvPr>
+          <p:cNvSpPr/>
+          <p:nvPr/>
+        </p:nvSpPr>
+        <p:spPr>
+          <a:xfrm>
+            <a:off x="2880360" y="4994759"/>
+            <a:ext cx="8229600" cy="954107"/>
+          </a:xfrm>
+          <a:prstGeom prst="rect">
+            <a:avLst/>
+          </a:prstGeom>
+          <a:solidFill>
+            <a:schemeClr val="tx1"/>
+          </a:solidFill>
+        </p:spPr>
+        <p:txBody>
+          <a:bodyPr wrap="square">
+            <a:spAutoFit/>
+          </a:bodyPr>
+          <a:lstStyle/>
+          <a:p>
+            <a:r>
+              <a:rPr lang="es-ES" sz="2800" b="1" dirty="0">
+                <a:solidFill>
+                  <a:schemeClr val="bg1">
+                    <a:lumMod val="95000"/>
+                  </a:schemeClr>
+                </a:solidFill>
+                <a:latin typeface="Arial" panose="020B0604020202020204" pitchFamily="34" charset="0"/>
+                <a:ea typeface="Times New Roman" panose="02020603050405020304" pitchFamily="18" charset="0"/>
+              </a:rPr>
+              <a:t>Requerida una rápida implantación para instalaciones de nueva creación</a:t>
+            </a:r>
+            <a:endParaRPr lang="es-ES" sz="2800" b="1" dirty="0">
+              <a:solidFill>
+                <a:schemeClr val="bg1"/>
+              </a:solidFill>
+            </a:endParaRPr>
+          </a:p>
+        </p:txBody>
+      </p:sp>
+      <p:sp>
+        <p:nvSpPr>
+          <p:cNvPr id="20" name="Rectángulo 19">
+            <a:extLst>
+              <a:ext uri="{FF2B5EF4-FFF2-40B4-BE49-F238E27FC236}">
+                <a16:creationId xmlns:a16="http://schemas.microsoft.com/office/drawing/2014/main" id="{1303C3EA-1241-438F-87C2-2EAAF0309977}"/>
+              </a:ext>
+            </a:extLst>
+          </p:cNvPr>
+          <p:cNvSpPr/>
+          <p:nvPr/>
+        </p:nvSpPr>
+        <p:spPr>
+          <a:xfrm>
+            <a:off x="2880360" y="2052017"/>
+            <a:ext cx="8229600" cy="954107"/>
+          </a:xfrm>
+          <a:prstGeom prst="rect">
+            <a:avLst/>
+          </a:prstGeom>
+          <a:solidFill>
+            <a:schemeClr val="tx1"/>
+          </a:solidFill>
+        </p:spPr>
+        <p:txBody>
+          <a:bodyPr wrap="square">
+            <a:spAutoFit/>
+          </a:bodyPr>
+          <a:lstStyle/>
+          <a:p>
+            <a:r>
+              <a:rPr lang="es-ES_tradnl" sz="2800" b="1" dirty="0">
+                <a:solidFill>
+                  <a:schemeClr val="bg1">
+                    <a:lumMod val="95000"/>
+                  </a:schemeClr>
+                </a:solidFill>
+                <a:latin typeface="Arial" panose="020B0604020202020204" pitchFamily="34" charset="0"/>
+                <a:ea typeface="Times New Roman" panose="02020603050405020304" pitchFamily="18" charset="0"/>
+                <a:cs typeface="Arial" panose="020B0604020202020204" pitchFamily="34" charset="0"/>
+              </a:rPr>
+              <a:t>Empresa multinacional con instalaciones a lo largo de todo el mundo</a:t>
+            </a:r>
+            <a:endParaRPr lang="en-US" sz="2800" b="1" dirty="0">
+              <a:solidFill>
+                <a:schemeClr val="bg1">
+                  <a:lumMod val="95000"/>
+                </a:schemeClr>
+              </a:solidFill>
+              <a:latin typeface="Helvetica" panose="020B0604020202020204" pitchFamily="34" charset="0"/>
+              <a:cs typeface="Helvetica" panose="020B0604020202020204" pitchFamily="34" charset="0"/>
+            </a:endParaRPr>
+          </a:p>
+        </p:txBody>
+      </p:sp>
+      <p:sp>
+        <p:nvSpPr>
+          <p:cNvPr id="21" name="Rectángulo 20">
+            <a:extLst>
+              <a:ext uri="{FF2B5EF4-FFF2-40B4-BE49-F238E27FC236}">
+                <a16:creationId xmlns:a16="http://schemas.microsoft.com/office/drawing/2014/main" id="{FF568042-04F9-450A-A878-201FA3976333}"/>
+              </a:ext>
+            </a:extLst>
+          </p:cNvPr>
+          <p:cNvSpPr/>
+          <p:nvPr/>
+        </p:nvSpPr>
+        <p:spPr>
+          <a:xfrm>
+            <a:off x="2880360" y="3431611"/>
+            <a:ext cx="8229600" cy="954107"/>
+          </a:xfrm>
+          <a:prstGeom prst="rect">
+            <a:avLst/>
+          </a:prstGeom>
+          <a:solidFill>
+            <a:schemeClr val="tx1"/>
+          </a:solidFill>
+        </p:spPr>
+        <p:txBody>
+          <a:bodyPr wrap="square">
+            <a:spAutoFit/>
+          </a:bodyPr>
+          <a:lstStyle/>
+          <a:p>
+            <a:r>
+              <a:rPr lang="es-ES" sz="2800" b="1" dirty="0">
+                <a:solidFill>
+                  <a:schemeClr val="bg1">
+                    <a:lumMod val="95000"/>
+                  </a:schemeClr>
+                </a:solidFill>
+                <a:latin typeface="Arial" panose="020B0604020202020204" pitchFamily="34" charset="0"/>
+                <a:ea typeface="Times New Roman" panose="02020603050405020304" pitchFamily="18" charset="0"/>
+                <a:cs typeface="Arial" panose="020B0604020202020204" pitchFamily="34" charset="0"/>
+              </a:rPr>
+              <a:t>Acceso restringido a los datos, únicamente accesibles de forma local</a:t>
+            </a:r>
+          </a:p>
+        </p:txBody>
+      </p:sp>
+      <p:pic>
+        <p:nvPicPr>
+          <p:cNvPr id="6" name="Gráfico 5">
+            <a:extLst>
+              <a:ext uri="{FF2B5EF4-FFF2-40B4-BE49-F238E27FC236}">
+                <a16:creationId xmlns:a16="http://schemas.microsoft.com/office/drawing/2014/main" id="{27223263-0ECE-42A1-9620-08EB57F595EF}"/>
+              </a:ext>
+            </a:extLst>
+          </p:cNvPr>
+          <p:cNvPicPr>
+            <a:picLocks noChangeAspect="1"/>
+          </p:cNvPicPr>
+          <p:nvPr/>
+        </p:nvPicPr>
+        <p:blipFill>
+          <a:blip r:embed="rId6">
+            <a:extLst>
+              <a:ext uri="{96DAC541-7B7A-43D3-8B79-37D633B846F1}">
+                <asvg:svgBlip xmlns:asvg="http://schemas.microsoft.com/office/drawing/2016/SVG/main" r:embed="rId7"/>
+              </a:ext>
+            </a:extLst>
+          </a:blip>
+          <a:stretch>
+            <a:fillRect/>
+          </a:stretch>
+        </p:blipFill>
+        <p:spPr>
+          <a:xfrm>
+            <a:off x="1563240" y="3454202"/>
+            <a:ext cx="938751" cy="954108"/>
+          </a:xfrm>
+          <a:prstGeom prst="rect">
+            <a:avLst/>
+          </a:prstGeom>
+        </p:spPr>
+      </p:pic>
+      <p:pic>
+        <p:nvPicPr>
+          <p:cNvPr id="7" name="Gráfico 6">
+            <a:extLst>
+              <a:ext uri="{FF2B5EF4-FFF2-40B4-BE49-F238E27FC236}">
+                <a16:creationId xmlns:a16="http://schemas.microsoft.com/office/drawing/2014/main" id="{54592C08-95E0-46B4-AF80-91F899B6ED7F}"/>
+              </a:ext>
+            </a:extLst>
+          </p:cNvPr>
+          <p:cNvPicPr>
+            <a:picLocks noChangeAspect="1"/>
+          </p:cNvPicPr>
+          <p:nvPr/>
+        </p:nvPicPr>
+        <p:blipFill>
+          <a:blip r:embed="rId8">
+            <a:extLst>
+              <a:ext uri="{96DAC541-7B7A-43D3-8B79-37D633B846F1}">
+                <asvg:svgBlip xmlns:asvg="http://schemas.microsoft.com/office/drawing/2016/SVG/main" r:embed="rId9"/>
+              </a:ext>
+            </a:extLst>
+          </a:blip>
+          <a:stretch>
+            <a:fillRect/>
+          </a:stretch>
+        </p:blipFill>
+        <p:spPr>
+          <a:xfrm>
+            <a:off x="1049868" y="4597400"/>
+            <a:ext cx="1338416" cy="1351466"/>
+          </a:xfrm>
+          <a:prstGeom prst="rect">
+            <a:avLst/>
+          </a:prstGeom>
+        </p:spPr>
+      </p:pic>
+    </p:spTree>
+    <p:extLst>
+      <p:ext uri="{BB962C8B-B14F-4D97-AF65-F5344CB8AC3E}">
+        <p14:creationId xmlns:p14="http://schemas.microsoft.com/office/powerpoint/2010/main" val="1175659575"/>
       </p:ext>
     </p:extLst>
   </p:cSld>

--- a/doc/TFM.pptx
+++ b/doc/TFM.pptx
@@ -5,7 +5,7 @@
     <p:sldMasterId id="2147483845" r:id="rId1"/>
   </p:sldMasterIdLst>
   <p:notesMasterIdLst>
-    <p:notesMasterId r:id="rId10"/>
+    <p:notesMasterId r:id="rId11"/>
   </p:notesMasterIdLst>
   <p:sldIdLst>
     <p:sldId id="259" r:id="rId2"/>
@@ -16,6 +16,7 @@
     <p:sldId id="263" r:id="rId7"/>
     <p:sldId id="264" r:id="rId8"/>
     <p:sldId id="265" r:id="rId9"/>
+    <p:sldId id="267" r:id="rId10"/>
   </p:sldIdLst>
   <p:sldSz cx="12192000" cy="6858000"/>
   <p:notesSz cx="6858000" cy="9144000"/>
@@ -883,6 +884,90 @@
     <p:extLst>
       <p:ext uri="{BB962C8B-B14F-4D97-AF65-F5344CB8AC3E}">
         <p14:creationId xmlns:p14="http://schemas.microsoft.com/office/powerpoint/2010/main" val="71397302"/>
+      </p:ext>
+    </p:extLst>
+  </p:cSld>
+  <p:clrMapOvr>
+    <a:masterClrMapping/>
+  </p:clrMapOvr>
+</p:notes>
+</file>
+
+<file path=ppt/notesSlides/notesSlide6.xml><?xml version="1.0" encoding="utf-8"?>
+<p:notes xmlns:a="http://schemas.openxmlformats.org/drawingml/2006/main" xmlns:r="http://schemas.openxmlformats.org/officeDocument/2006/relationships" xmlns:p="http://schemas.openxmlformats.org/presentationml/2006/main">
+  <p:cSld>
+    <p:spTree>
+      <p:nvGrpSpPr>
+        <p:cNvPr id="1" name=""/>
+        <p:cNvGrpSpPr/>
+        <p:nvPr/>
+      </p:nvGrpSpPr>
+      <p:grpSpPr>
+        <a:xfrm>
+          <a:off x="0" y="0"/>
+          <a:ext cx="0" cy="0"/>
+          <a:chOff x="0" y="0"/>
+          <a:chExt cx="0" cy="0"/>
+        </a:xfrm>
+      </p:grpSpPr>
+      <p:sp>
+        <p:nvSpPr>
+          <p:cNvPr id="2" name="Marcador de imagen de diapositiva 1"/>
+          <p:cNvSpPr>
+            <a:spLocks noGrp="1" noRot="1" noChangeAspect="1"/>
+          </p:cNvSpPr>
+          <p:nvPr>
+            <p:ph type="sldImg"/>
+          </p:nvPr>
+        </p:nvSpPr>
+        <p:spPr/>
+      </p:sp>
+      <p:sp>
+        <p:nvSpPr>
+          <p:cNvPr id="3" name="Marcador de notas 2"/>
+          <p:cNvSpPr>
+            <a:spLocks noGrp="1"/>
+          </p:cNvSpPr>
+          <p:nvPr>
+            <p:ph type="body" idx="1"/>
+          </p:nvPr>
+        </p:nvSpPr>
+        <p:spPr/>
+        <p:txBody>
+          <a:bodyPr/>
+          <a:lstStyle/>
+          <a:p>
+            <a:endParaRPr lang="en-US" dirty="0"/>
+          </a:p>
+        </p:txBody>
+      </p:sp>
+      <p:sp>
+        <p:nvSpPr>
+          <p:cNvPr id="4" name="Marcador de número de diapositiva 3"/>
+          <p:cNvSpPr>
+            <a:spLocks noGrp="1"/>
+          </p:cNvSpPr>
+          <p:nvPr>
+            <p:ph type="sldNum" sz="quarter" idx="5"/>
+          </p:nvPr>
+        </p:nvSpPr>
+        <p:spPr/>
+        <p:txBody>
+          <a:bodyPr/>
+          <a:lstStyle/>
+          <a:p>
+            <a:fld id="{351D0210-961D-4566-8710-631071D4FDA4}" type="slidenum">
+              <a:rPr lang="en-US" smtClean="0"/>
+              <a:t>9</a:t>
+            </a:fld>
+            <a:endParaRPr lang="en-US" dirty="0"/>
+          </a:p>
+        </p:txBody>
+      </p:sp>
+    </p:spTree>
+    <p:extLst>
+      <p:ext uri="{BB962C8B-B14F-4D97-AF65-F5344CB8AC3E}">
+        <p14:creationId xmlns:p14="http://schemas.microsoft.com/office/powerpoint/2010/main" val="2478453636"/>
       </p:ext>
     </p:extLst>
   </p:cSld>
@@ -7325,7 +7410,7 @@
                 <a:latin typeface="Arial" panose="020B0604020202020204" pitchFamily="34" charset="0"/>
                 <a:ea typeface="Times New Roman" panose="02020603050405020304" pitchFamily="18" charset="0"/>
               </a:rPr>
-              <a:t>Requerida una rápida implantación para instalaciones de nueva creación</a:t>
+              <a:t>Se requiere una rápida implantación para instalaciones de nueva creación</a:t>
             </a:r>
             <a:endParaRPr lang="es-ES" sz="2800" b="1" dirty="0">
               <a:solidFill>
@@ -7512,6 +7597,646 @@
     <p:extLst>
       <p:ext uri="{BB962C8B-B14F-4D97-AF65-F5344CB8AC3E}">
         <p14:creationId xmlns:p14="http://schemas.microsoft.com/office/powerpoint/2010/main" val="1175659575"/>
+      </p:ext>
+    </p:extLst>
+  </p:cSld>
+  <p:clrMapOvr>
+    <a:masterClrMapping/>
+  </p:clrMapOvr>
+</p:sld>
+</file>
+
+<file path=ppt/slides/slide9.xml><?xml version="1.0" encoding="utf-8"?>
+<p:sld xmlns:a="http://schemas.openxmlformats.org/drawingml/2006/main" xmlns:r="http://schemas.openxmlformats.org/officeDocument/2006/relationships" xmlns:p="http://schemas.openxmlformats.org/presentationml/2006/main">
+  <p:cSld>
+    <p:spTree>
+      <p:nvGrpSpPr>
+        <p:cNvPr id="1" name=""/>
+        <p:cNvGrpSpPr/>
+        <p:nvPr/>
+      </p:nvGrpSpPr>
+      <p:grpSpPr>
+        <a:xfrm>
+          <a:off x="0" y="0"/>
+          <a:ext cx="0" cy="0"/>
+          <a:chOff x="0" y="0"/>
+          <a:chExt cx="0" cy="0"/>
+        </a:xfrm>
+      </p:grpSpPr>
+      <p:sp>
+        <p:nvSpPr>
+          <p:cNvPr id="9" name="TextBox 8">
+            <a:extLst>
+              <a:ext uri="{FF2B5EF4-FFF2-40B4-BE49-F238E27FC236}">
+                <a16:creationId xmlns:a16="http://schemas.microsoft.com/office/drawing/2014/main" id="{0361965A-99CA-4F4E-ACD0-7087256D186D}"/>
+              </a:ext>
+            </a:extLst>
+          </p:cNvPr>
+          <p:cNvSpPr txBox="1"/>
+          <p:nvPr/>
+        </p:nvSpPr>
+        <p:spPr>
+          <a:xfrm>
+            <a:off x="9954229" y="6361063"/>
+            <a:ext cx="2037144" cy="276999"/>
+          </a:xfrm>
+          <a:prstGeom prst="rect">
+            <a:avLst/>
+          </a:prstGeom>
+          <a:solidFill>
+            <a:schemeClr val="tx1">
+              <a:lumMod val="95000"/>
+              <a:lumOff val="5000"/>
+            </a:schemeClr>
+          </a:solidFill>
+        </p:spPr>
+        <p:txBody>
+          <a:bodyPr wrap="square" rtlCol="0">
+            <a:spAutoFit/>
+          </a:bodyPr>
+          <a:lstStyle/>
+          <a:p>
+            <a:pPr algn="ctr">
+              <a:spcAft>
+                <a:spcPts val="600"/>
+              </a:spcAft>
+            </a:pPr>
+            <a:r>
+              <a:rPr lang="es-ES" sz="1200" b="1" dirty="0">
+                <a:solidFill>
+                  <a:schemeClr val="bg1"/>
+                </a:solidFill>
+                <a:latin typeface="Helvetica" panose="020B0604020202020204" pitchFamily="34" charset="0"/>
+                <a:cs typeface="Helvetica" panose="020B0604020202020204" pitchFamily="34" charset="0"/>
+              </a:rPr>
+              <a:t>Darío M. García Carretero</a:t>
+            </a:r>
+            <a:endParaRPr lang="en-GB" sz="1200" b="1" dirty="0">
+              <a:solidFill>
+                <a:schemeClr val="bg1"/>
+              </a:solidFill>
+              <a:latin typeface="Helvetica" panose="020B0604020202020204" pitchFamily="34" charset="0"/>
+              <a:cs typeface="Helvetica" panose="020B0604020202020204" pitchFamily="34" charset="0"/>
+            </a:endParaRPr>
+          </a:p>
+        </p:txBody>
+      </p:sp>
+      <p:sp>
+        <p:nvSpPr>
+          <p:cNvPr id="16" name="Rectangle 6">
+            <a:extLst>
+              <a:ext uri="{FF2B5EF4-FFF2-40B4-BE49-F238E27FC236}">
+                <a16:creationId xmlns:a16="http://schemas.microsoft.com/office/drawing/2014/main" id="{9EC5CB48-379E-4C4E-A901-CAD6EBA7ABD6}"/>
+              </a:ext>
+            </a:extLst>
+          </p:cNvPr>
+          <p:cNvSpPr/>
+          <p:nvPr/>
+        </p:nvSpPr>
+        <p:spPr>
+          <a:xfrm>
+            <a:off x="1049868" y="48859"/>
+            <a:ext cx="11069022" cy="1270639"/>
+          </a:xfrm>
+          <a:prstGeom prst="rect">
+            <a:avLst/>
+          </a:prstGeom>
+        </p:spPr>
+        <p:style>
+          <a:lnRef idx="2">
+            <a:schemeClr val="dk1">
+              <a:shade val="50000"/>
+            </a:schemeClr>
+          </a:lnRef>
+          <a:fillRef idx="1">
+            <a:schemeClr val="dk1"/>
+          </a:fillRef>
+          <a:effectRef idx="0">
+            <a:schemeClr val="dk1"/>
+          </a:effectRef>
+          <a:fontRef idx="minor">
+            <a:schemeClr val="lt1"/>
+          </a:fontRef>
+        </p:style>
+        <p:txBody>
+          <a:bodyPr rtlCol="0" anchor="ctr"/>
+          <a:lstStyle/>
+          <a:p>
+            <a:pPr algn="ctr"/>
+            <a:endParaRPr lang="en-GB" dirty="0"/>
+          </a:p>
+        </p:txBody>
+      </p:sp>
+      <p:pic>
+        <p:nvPicPr>
+          <p:cNvPr id="18" name="Picture 3" descr="A picture containing drawing&#10;&#10;Description automatically generated">
+            <a:extLst>
+              <a:ext uri="{FF2B5EF4-FFF2-40B4-BE49-F238E27FC236}">
+                <a16:creationId xmlns:a16="http://schemas.microsoft.com/office/drawing/2014/main" id="{2C509927-62F3-4DBC-9421-0218CB778A05}"/>
+              </a:ext>
+            </a:extLst>
+          </p:cNvPr>
+          <p:cNvPicPr>
+            <a:picLocks noChangeAspect="1"/>
+          </p:cNvPicPr>
+          <p:nvPr/>
+        </p:nvPicPr>
+        <p:blipFill>
+          <a:blip r:embed="rId3">
+            <a:extLst>
+              <a:ext uri="{28A0092B-C50C-407E-A947-70E740481C1C}">
+                <a14:useLocalDpi xmlns:a14="http://schemas.microsoft.com/office/drawing/2010/main" val="0"/>
+              </a:ext>
+            </a:extLst>
+          </a:blip>
+          <a:stretch>
+            <a:fillRect/>
+          </a:stretch>
+        </p:blipFill>
+        <p:spPr>
+          <a:xfrm>
+            <a:off x="73111" y="48859"/>
+            <a:ext cx="897733" cy="1287699"/>
+          </a:xfrm>
+          <a:prstGeom prst="rect">
+            <a:avLst/>
+          </a:prstGeom>
+        </p:spPr>
+      </p:pic>
+      <p:sp>
+        <p:nvSpPr>
+          <p:cNvPr id="19" name="TextBox 7">
+            <a:extLst>
+              <a:ext uri="{FF2B5EF4-FFF2-40B4-BE49-F238E27FC236}">
+                <a16:creationId xmlns:a16="http://schemas.microsoft.com/office/drawing/2014/main" id="{034445C9-B371-4D08-A6EF-240C6889BE14}"/>
+              </a:ext>
+            </a:extLst>
+          </p:cNvPr>
+          <p:cNvSpPr txBox="1"/>
+          <p:nvPr/>
+        </p:nvSpPr>
+        <p:spPr>
+          <a:xfrm>
+            <a:off x="561489" y="307987"/>
+            <a:ext cx="11429883" cy="769441"/>
+          </a:xfrm>
+          <a:prstGeom prst="rect">
+            <a:avLst/>
+          </a:prstGeom>
+          <a:noFill/>
+        </p:spPr>
+        <p:txBody>
+          <a:bodyPr wrap="square" rtlCol="0">
+            <a:spAutoFit/>
+          </a:bodyPr>
+          <a:lstStyle/>
+          <a:p>
+            <a:pPr algn="ctr"/>
+            <a:r>
+              <a:rPr lang="en-US" sz="4400" b="1" dirty="0">
+                <a:solidFill>
+                  <a:schemeClr val="bg1"/>
+                </a:solidFill>
+                <a:latin typeface="Arial" panose="020B0604020202020204" pitchFamily="34" charset="0"/>
+                <a:cs typeface="Arial" panose="020B0604020202020204" pitchFamily="34" charset="0"/>
+              </a:rPr>
+              <a:t>Federated Learning</a:t>
+            </a:r>
+          </a:p>
+        </p:txBody>
+      </p:sp>
+      <p:sp>
+        <p:nvSpPr>
+          <p:cNvPr id="12" name="Rectángulo 11">
+            <a:extLst>
+              <a:ext uri="{FF2B5EF4-FFF2-40B4-BE49-F238E27FC236}">
+                <a16:creationId xmlns:a16="http://schemas.microsoft.com/office/drawing/2014/main" id="{AB9F8B88-4DAB-43EA-B0AB-CFE907318DF6}"/>
+              </a:ext>
+            </a:extLst>
+          </p:cNvPr>
+          <p:cNvSpPr/>
+          <p:nvPr/>
+        </p:nvSpPr>
+        <p:spPr>
+          <a:xfrm>
+            <a:off x="1802883" y="1620478"/>
+            <a:ext cx="10188489" cy="1569660"/>
+          </a:xfrm>
+          <a:prstGeom prst="rect">
+            <a:avLst/>
+          </a:prstGeom>
+          <a:solidFill>
+            <a:schemeClr val="tx1"/>
+          </a:solidFill>
+          <a:ln>
+            <a:noFill/>
+          </a:ln>
+        </p:spPr>
+        <p:txBody>
+          <a:bodyPr wrap="square">
+            <a:spAutoFit/>
+          </a:bodyPr>
+          <a:lstStyle/>
+          <a:p>
+            <a:r>
+              <a:rPr lang="es-ES" sz="2400" dirty="0">
+                <a:solidFill>
+                  <a:schemeClr val="bg1"/>
+                </a:solidFill>
+                <a:latin typeface="Arial" panose="020B0604020202020204" pitchFamily="34" charset="0"/>
+                <a:cs typeface="Arial" panose="020B0604020202020204" pitchFamily="34" charset="0"/>
+              </a:rPr>
+              <a:t>El aprendizaje federado (también conocido como aprendizaje colaborativo) es una técnica de aprendizaje automático que entrena un algoritmo a través de múltiples dispositivos o servidores que contienen muestras de datos locales, sin intercambiar sus muestras de entre ellos</a:t>
+            </a:r>
+          </a:p>
+        </p:txBody>
+      </p:sp>
+      <p:sp>
+        <p:nvSpPr>
+          <p:cNvPr id="2" name="Rectangle 2">
+            <a:extLst>
+              <a:ext uri="{FF2B5EF4-FFF2-40B4-BE49-F238E27FC236}">
+                <a16:creationId xmlns:a16="http://schemas.microsoft.com/office/drawing/2014/main" id="{A692C887-AF75-4C9F-9AA8-F516F07458F6}"/>
+              </a:ext>
+            </a:extLst>
+          </p:cNvPr>
+          <p:cNvSpPr>
+            <a:spLocks noChangeArrowheads="1"/>
+          </p:cNvSpPr>
+          <p:nvPr/>
+        </p:nvSpPr>
+        <p:spPr bwMode="auto">
+          <a:xfrm>
+            <a:off x="0" y="0"/>
+            <a:ext cx="12192000" cy="0"/>
+          </a:xfrm>
+          <a:prstGeom prst="rect">
+            <a:avLst/>
+          </a:prstGeom>
+          <a:noFill/>
+          <a:ln>
+            <a:noFill/>
+          </a:ln>
+          <a:effectLst/>
+          <a:extLst>
+            <a:ext uri="{909E8E84-426E-40DD-AFC4-6F175D3DCCD1}">
+              <a14:hiddenFill xmlns:a14="http://schemas.microsoft.com/office/drawing/2010/main">
+                <a:solidFill>
+                  <a:schemeClr val="accent1"/>
+                </a:solidFill>
+              </a14:hiddenFill>
+            </a:ext>
+            <a:ext uri="{91240B29-F687-4F45-9708-019B960494DF}">
+              <a14:hiddenLine xmlns:a14="http://schemas.microsoft.com/office/drawing/2010/main" w="9525">
+                <a:solidFill>
+                  <a:schemeClr val="tx1"/>
+                </a:solidFill>
+                <a:miter lim="800000"/>
+                <a:headEnd/>
+                <a:tailEnd/>
+              </a14:hiddenLine>
+            </a:ext>
+            <a:ext uri="{AF507438-7753-43E0-B8FC-AC1667EBCBE1}">
+              <a14:hiddenEffects xmlns:a14="http://schemas.microsoft.com/office/drawing/2010/main">
+                <a:effectLst>
+                  <a:outerShdw dist="35921" dir="2700000" algn="ctr" rotWithShape="0">
+                    <a:schemeClr val="bg2"/>
+                  </a:outerShdw>
+                </a:effectLst>
+              </a14:hiddenEffects>
+            </a:ext>
+          </a:extLst>
+        </p:spPr>
+        <p:txBody>
+          <a:bodyPr vert="horz" wrap="none" lIns="91440" tIns="45720" rIns="91440" bIns="45720" numCol="1" anchor="ctr" anchorCtr="0" compatLnSpc="1">
+            <a:prstTxWarp prst="textNoShape">
+              <a:avLst/>
+            </a:prstTxWarp>
+            <a:spAutoFit/>
+          </a:bodyPr>
+          <a:lstStyle/>
+          <a:p>
+            <a:endParaRPr lang="en-US"/>
+          </a:p>
+        </p:txBody>
+      </p:sp>
+      <p:sp>
+        <p:nvSpPr>
+          <p:cNvPr id="35" name="Rectángulo 34">
+            <a:extLst>
+              <a:ext uri="{FF2B5EF4-FFF2-40B4-BE49-F238E27FC236}">
+                <a16:creationId xmlns:a16="http://schemas.microsoft.com/office/drawing/2014/main" id="{41C07ED9-632D-4C14-A8A9-821A853E5357}"/>
+              </a:ext>
+            </a:extLst>
+          </p:cNvPr>
+          <p:cNvSpPr/>
+          <p:nvPr/>
+        </p:nvSpPr>
+        <p:spPr>
+          <a:xfrm>
+            <a:off x="73111" y="3489480"/>
+            <a:ext cx="11918261" cy="2689993"/>
+          </a:xfrm>
+          <a:prstGeom prst="rect">
+            <a:avLst/>
+          </a:prstGeom>
+          <a:solidFill>
+            <a:schemeClr val="tx1"/>
+          </a:solidFill>
+        </p:spPr>
+        <p:style>
+          <a:lnRef idx="2">
+            <a:schemeClr val="accent1">
+              <a:shade val="50000"/>
+            </a:schemeClr>
+          </a:lnRef>
+          <a:fillRef idx="1">
+            <a:schemeClr val="accent1"/>
+          </a:fillRef>
+          <a:effectRef idx="0">
+            <a:schemeClr val="accent1"/>
+          </a:effectRef>
+          <a:fontRef idx="minor">
+            <a:schemeClr val="lt1"/>
+          </a:fontRef>
+        </p:style>
+        <p:txBody>
+          <a:bodyPr rtlCol="0" anchor="ctr"/>
+          <a:lstStyle/>
+          <a:p>
+            <a:pPr algn="ctr"/>
+            <a:endParaRPr lang="en-US" dirty="0"/>
+          </a:p>
+        </p:txBody>
+      </p:sp>
+      <p:pic>
+        <p:nvPicPr>
+          <p:cNvPr id="22" name="Gráfico 21">
+            <a:extLst>
+              <a:ext uri="{FF2B5EF4-FFF2-40B4-BE49-F238E27FC236}">
+                <a16:creationId xmlns:a16="http://schemas.microsoft.com/office/drawing/2014/main" id="{BEFB6035-2753-4858-A442-9050E227FDD8}"/>
+              </a:ext>
+            </a:extLst>
+          </p:cNvPr>
+          <p:cNvPicPr>
+            <a:picLocks noChangeAspect="1"/>
+          </p:cNvPicPr>
+          <p:nvPr/>
+        </p:nvPicPr>
+        <p:blipFill>
+          <a:blip r:embed="rId4">
+            <a:extLst>
+              <a:ext uri="{96DAC541-7B7A-43D3-8B79-37D633B846F1}">
+                <asvg:svgBlip xmlns:asvg="http://schemas.microsoft.com/office/drawing/2016/SVG/main" r:embed="rId5"/>
+              </a:ext>
+            </a:extLst>
+          </a:blip>
+          <a:stretch>
+            <a:fillRect/>
+          </a:stretch>
+        </p:blipFill>
+        <p:spPr>
+          <a:xfrm>
+            <a:off x="73111" y="1595616"/>
+            <a:ext cx="1569661" cy="1569661"/>
+          </a:xfrm>
+          <a:prstGeom prst="rect">
+            <a:avLst/>
+          </a:prstGeom>
+        </p:spPr>
+      </p:pic>
+      <p:sp>
+        <p:nvSpPr>
+          <p:cNvPr id="38" name="CuadroTexto 37">
+            <a:extLst>
+              <a:ext uri="{FF2B5EF4-FFF2-40B4-BE49-F238E27FC236}">
+                <a16:creationId xmlns:a16="http://schemas.microsoft.com/office/drawing/2014/main" id="{0849096D-D39E-4212-8EFD-4C7393BAFDB4}"/>
+              </a:ext>
+            </a:extLst>
+          </p:cNvPr>
+          <p:cNvSpPr txBox="1"/>
+          <p:nvPr/>
+        </p:nvSpPr>
+        <p:spPr>
+          <a:xfrm>
+            <a:off x="564233" y="3472046"/>
+            <a:ext cx="547934" cy="830997"/>
+          </a:xfrm>
+          <a:prstGeom prst="rect">
+            <a:avLst/>
+          </a:prstGeom>
+          <a:noFill/>
+        </p:spPr>
+        <p:txBody>
+          <a:bodyPr wrap="square" rtlCol="0">
+            <a:spAutoFit/>
+          </a:bodyPr>
+          <a:lstStyle/>
+          <a:p>
+            <a:r>
+              <a:rPr lang="es-ES" sz="4800" b="1" dirty="0">
+                <a:solidFill>
+                  <a:schemeClr val="bg1"/>
+                </a:solidFill>
+                <a:latin typeface="Arial" panose="020B0604020202020204" pitchFamily="34" charset="0"/>
+                <a:cs typeface="Arial" panose="020B0604020202020204" pitchFamily="34" charset="0"/>
+              </a:rPr>
+              <a:t>1</a:t>
+            </a:r>
+            <a:endParaRPr lang="en-US" sz="4800" b="1" dirty="0">
+              <a:solidFill>
+                <a:schemeClr val="bg1"/>
+              </a:solidFill>
+              <a:latin typeface="Arial" panose="020B0604020202020204" pitchFamily="34" charset="0"/>
+              <a:cs typeface="Arial" panose="020B0604020202020204" pitchFamily="34" charset="0"/>
+            </a:endParaRPr>
+          </a:p>
+        </p:txBody>
+      </p:sp>
+      <p:sp>
+        <p:nvSpPr>
+          <p:cNvPr id="40" name="CuadroTexto 39">
+            <a:extLst>
+              <a:ext uri="{FF2B5EF4-FFF2-40B4-BE49-F238E27FC236}">
+                <a16:creationId xmlns:a16="http://schemas.microsoft.com/office/drawing/2014/main" id="{E089FAEF-F486-4DA6-A615-13A7ADBC05B9}"/>
+              </a:ext>
+            </a:extLst>
+          </p:cNvPr>
+          <p:cNvSpPr txBox="1"/>
+          <p:nvPr/>
+        </p:nvSpPr>
+        <p:spPr>
+          <a:xfrm>
+            <a:off x="6161221" y="3472046"/>
+            <a:ext cx="547934" cy="830997"/>
+          </a:xfrm>
+          <a:prstGeom prst="rect">
+            <a:avLst/>
+          </a:prstGeom>
+          <a:noFill/>
+        </p:spPr>
+        <p:txBody>
+          <a:bodyPr wrap="square" rtlCol="0">
+            <a:spAutoFit/>
+          </a:bodyPr>
+          <a:lstStyle/>
+          <a:p>
+            <a:r>
+              <a:rPr lang="es-ES" sz="4800" b="1" dirty="0">
+                <a:solidFill>
+                  <a:schemeClr val="bg1"/>
+                </a:solidFill>
+                <a:latin typeface="Arial" panose="020B0604020202020204" pitchFamily="34" charset="0"/>
+                <a:cs typeface="Arial" panose="020B0604020202020204" pitchFamily="34" charset="0"/>
+              </a:rPr>
+              <a:t>3</a:t>
+            </a:r>
+            <a:endParaRPr lang="en-US" sz="4800" b="1" dirty="0">
+              <a:solidFill>
+                <a:schemeClr val="bg1"/>
+              </a:solidFill>
+              <a:latin typeface="Arial" panose="020B0604020202020204" pitchFamily="34" charset="0"/>
+              <a:cs typeface="Arial" panose="020B0604020202020204" pitchFamily="34" charset="0"/>
+            </a:endParaRPr>
+          </a:p>
+        </p:txBody>
+      </p:sp>
+      <p:sp>
+        <p:nvSpPr>
+          <p:cNvPr id="39" name="CuadroTexto 38">
+            <a:extLst>
+              <a:ext uri="{FF2B5EF4-FFF2-40B4-BE49-F238E27FC236}">
+                <a16:creationId xmlns:a16="http://schemas.microsoft.com/office/drawing/2014/main" id="{A4BD348C-3378-4AFF-8E12-8F919E1C7300}"/>
+              </a:ext>
+            </a:extLst>
+          </p:cNvPr>
+          <p:cNvSpPr txBox="1"/>
+          <p:nvPr/>
+        </p:nvSpPr>
+        <p:spPr>
+          <a:xfrm>
+            <a:off x="3357012" y="3472046"/>
+            <a:ext cx="547934" cy="830997"/>
+          </a:xfrm>
+          <a:prstGeom prst="rect">
+            <a:avLst/>
+          </a:prstGeom>
+          <a:noFill/>
+        </p:spPr>
+        <p:txBody>
+          <a:bodyPr wrap="square" rtlCol="0">
+            <a:spAutoFit/>
+          </a:bodyPr>
+          <a:lstStyle/>
+          <a:p>
+            <a:r>
+              <a:rPr lang="es-ES" sz="4800" b="1" dirty="0">
+                <a:solidFill>
+                  <a:schemeClr val="bg1"/>
+                </a:solidFill>
+                <a:latin typeface="Arial" panose="020B0604020202020204" pitchFamily="34" charset="0"/>
+                <a:cs typeface="Arial" panose="020B0604020202020204" pitchFamily="34" charset="0"/>
+              </a:rPr>
+              <a:t>2</a:t>
+            </a:r>
+            <a:endParaRPr lang="en-US" sz="4800" b="1" dirty="0">
+              <a:solidFill>
+                <a:schemeClr val="bg1"/>
+              </a:solidFill>
+              <a:latin typeface="Arial" panose="020B0604020202020204" pitchFamily="34" charset="0"/>
+              <a:cs typeface="Arial" panose="020B0604020202020204" pitchFamily="34" charset="0"/>
+            </a:endParaRPr>
+          </a:p>
+        </p:txBody>
+      </p:sp>
+      <p:pic>
+        <p:nvPicPr>
+          <p:cNvPr id="42" name="Gráfico 41">
+            <a:extLst>
+              <a:ext uri="{FF2B5EF4-FFF2-40B4-BE49-F238E27FC236}">
+                <a16:creationId xmlns:a16="http://schemas.microsoft.com/office/drawing/2014/main" id="{4200EC02-2BBA-4969-8851-D719D537D87B}"/>
+              </a:ext>
+            </a:extLst>
+          </p:cNvPr>
+          <p:cNvPicPr>
+            <a:picLocks noChangeAspect="1"/>
+          </p:cNvPicPr>
+          <p:nvPr/>
+        </p:nvPicPr>
+        <p:blipFill>
+          <a:blip r:embed="rId6">
+            <a:extLst>
+              <a:ext uri="{96DAC541-7B7A-43D3-8B79-37D633B846F1}">
+                <asvg:svgBlip xmlns:asvg="http://schemas.microsoft.com/office/drawing/2016/SVG/main" r:embed="rId7"/>
+              </a:ext>
+            </a:extLst>
+          </a:blip>
+          <a:stretch>
+            <a:fillRect/>
+          </a:stretch>
+        </p:blipFill>
+        <p:spPr>
+          <a:xfrm>
+            <a:off x="826770" y="3722614"/>
+            <a:ext cx="10538460" cy="2181458"/>
+          </a:xfrm>
+          <a:prstGeom prst="rect">
+            <a:avLst/>
+          </a:prstGeom>
+        </p:spPr>
+      </p:pic>
+      <p:sp>
+        <p:nvSpPr>
+          <p:cNvPr id="41" name="CuadroTexto 40">
+            <a:extLst>
+              <a:ext uri="{FF2B5EF4-FFF2-40B4-BE49-F238E27FC236}">
+                <a16:creationId xmlns:a16="http://schemas.microsoft.com/office/drawing/2014/main" id="{79E7A24D-77A4-4382-9E97-7BAE1D235EE2}"/>
+              </a:ext>
+            </a:extLst>
+          </p:cNvPr>
+          <p:cNvSpPr txBox="1"/>
+          <p:nvPr/>
+        </p:nvSpPr>
+        <p:spPr>
+          <a:xfrm>
+            <a:off x="8988290" y="3472046"/>
+            <a:ext cx="547934" cy="830997"/>
+          </a:xfrm>
+          <a:prstGeom prst="rect">
+            <a:avLst/>
+          </a:prstGeom>
+          <a:noFill/>
+        </p:spPr>
+        <p:txBody>
+          <a:bodyPr wrap="square" rtlCol="0">
+            <a:spAutoFit/>
+          </a:bodyPr>
+          <a:lstStyle/>
+          <a:p>
+            <a:r>
+              <a:rPr lang="es-ES" sz="4800" b="1" dirty="0">
+                <a:solidFill>
+                  <a:schemeClr val="bg1"/>
+                </a:solidFill>
+                <a:latin typeface="Arial" panose="020B0604020202020204" pitchFamily="34" charset="0"/>
+                <a:cs typeface="Arial" panose="020B0604020202020204" pitchFamily="34" charset="0"/>
+              </a:rPr>
+              <a:t>4</a:t>
+            </a:r>
+            <a:endParaRPr lang="en-US" sz="4800" b="1" dirty="0">
+              <a:solidFill>
+                <a:schemeClr val="bg1"/>
+              </a:solidFill>
+              <a:latin typeface="Arial" panose="020B0604020202020204" pitchFamily="34" charset="0"/>
+              <a:cs typeface="Arial" panose="020B0604020202020204" pitchFamily="34" charset="0"/>
+            </a:endParaRPr>
+          </a:p>
+        </p:txBody>
+      </p:sp>
+    </p:spTree>
+    <p:extLst>
+      <p:ext uri="{BB962C8B-B14F-4D97-AF65-F5344CB8AC3E}">
+        <p14:creationId xmlns:p14="http://schemas.microsoft.com/office/powerpoint/2010/main" val="789750180"/>
       </p:ext>
     </p:extLst>
   </p:cSld>
